--- a/presentation20180529.pptx
+++ b/presentation20180529.pptx
@@ -2,20 +2,25 @@
 <file path=ppt/presentation.xml><?xml version="1.0" encoding="utf-8"?>
 <p:presentation xmlns:a="http://schemas.openxmlformats.org/drawingml/2006/main" xmlns:r="http://schemas.openxmlformats.org/officeDocument/2006/relationships" xmlns:p="http://schemas.openxmlformats.org/presentationml/2006/main" saveSubsetFonts="1">
   <p:sldMasterIdLst>
-    <p:sldMasterId id="2147483648" r:id="rId1"/>
+    <p:sldMasterId id="2147483660" r:id="rId1"/>
   </p:sldMasterIdLst>
   <p:sldIdLst>
     <p:sldId id="256" r:id="rId2"/>
-    <p:sldId id="257" r:id="rId3"/>
-    <p:sldId id="258" r:id="rId4"/>
+    <p:sldId id="260" r:id="rId3"/>
+    <p:sldId id="261" r:id="rId4"/>
+    <p:sldId id="263" r:id="rId5"/>
+    <p:sldId id="262" r:id="rId6"/>
+    <p:sldId id="257" r:id="rId7"/>
+    <p:sldId id="258" r:id="rId8"/>
+    <p:sldId id="259" r:id="rId9"/>
   </p:sldIdLst>
   <p:sldSz cx="12192000" cy="6858000"/>
   <p:notesSz cx="6858000" cy="9144000"/>
   <p:defaultTextStyle>
     <a:defPPr>
-      <a:defRPr lang="de-DE"/>
+      <a:defRPr lang="en-US"/>
     </a:defPPr>
-    <a:lvl1pPr marL="0" algn="l" defTabSz="914400" rtl="0" eaLnBrk="1" latinLnBrk="0" hangingPunct="1">
+    <a:lvl1pPr marL="0" algn="l" defTabSz="457200" rtl="0" eaLnBrk="1" latinLnBrk="0" hangingPunct="1">
       <a:defRPr sz="1800" kern="1200">
         <a:solidFill>
           <a:schemeClr val="tx1"/>
@@ -25,7 +30,7 @@
         <a:cs typeface="+mn-cs"/>
       </a:defRPr>
     </a:lvl1pPr>
-    <a:lvl2pPr marL="457200" algn="l" defTabSz="914400" rtl="0" eaLnBrk="1" latinLnBrk="0" hangingPunct="1">
+    <a:lvl2pPr marL="457200" algn="l" defTabSz="457200" rtl="0" eaLnBrk="1" latinLnBrk="0" hangingPunct="1">
       <a:defRPr sz="1800" kern="1200">
         <a:solidFill>
           <a:schemeClr val="tx1"/>
@@ -35,7 +40,7 @@
         <a:cs typeface="+mn-cs"/>
       </a:defRPr>
     </a:lvl2pPr>
-    <a:lvl3pPr marL="914400" algn="l" defTabSz="914400" rtl="0" eaLnBrk="1" latinLnBrk="0" hangingPunct="1">
+    <a:lvl3pPr marL="914400" algn="l" defTabSz="457200" rtl="0" eaLnBrk="1" latinLnBrk="0" hangingPunct="1">
       <a:defRPr sz="1800" kern="1200">
         <a:solidFill>
           <a:schemeClr val="tx1"/>
@@ -45,7 +50,7 @@
         <a:cs typeface="+mn-cs"/>
       </a:defRPr>
     </a:lvl3pPr>
-    <a:lvl4pPr marL="1371600" algn="l" defTabSz="914400" rtl="0" eaLnBrk="1" latinLnBrk="0" hangingPunct="1">
+    <a:lvl4pPr marL="1371600" algn="l" defTabSz="457200" rtl="0" eaLnBrk="1" latinLnBrk="0" hangingPunct="1">
       <a:defRPr sz="1800" kern="1200">
         <a:solidFill>
           <a:schemeClr val="tx1"/>
@@ -55,7 +60,7 @@
         <a:cs typeface="+mn-cs"/>
       </a:defRPr>
     </a:lvl4pPr>
-    <a:lvl5pPr marL="1828800" algn="l" defTabSz="914400" rtl="0" eaLnBrk="1" latinLnBrk="0" hangingPunct="1">
+    <a:lvl5pPr marL="1828800" algn="l" defTabSz="457200" rtl="0" eaLnBrk="1" latinLnBrk="0" hangingPunct="1">
       <a:defRPr sz="1800" kern="1200">
         <a:solidFill>
           <a:schemeClr val="tx1"/>
@@ -65,7 +70,7 @@
         <a:cs typeface="+mn-cs"/>
       </a:defRPr>
     </a:lvl5pPr>
-    <a:lvl6pPr marL="2286000" algn="l" defTabSz="914400" rtl="0" eaLnBrk="1" latinLnBrk="0" hangingPunct="1">
+    <a:lvl6pPr marL="2286000" algn="l" defTabSz="457200" rtl="0" eaLnBrk="1" latinLnBrk="0" hangingPunct="1">
       <a:defRPr sz="1800" kern="1200">
         <a:solidFill>
           <a:schemeClr val="tx1"/>
@@ -75,7 +80,7 @@
         <a:cs typeface="+mn-cs"/>
       </a:defRPr>
     </a:lvl6pPr>
-    <a:lvl7pPr marL="2743200" algn="l" defTabSz="914400" rtl="0" eaLnBrk="1" latinLnBrk="0" hangingPunct="1">
+    <a:lvl7pPr marL="2743200" algn="l" defTabSz="457200" rtl="0" eaLnBrk="1" latinLnBrk="0" hangingPunct="1">
       <a:defRPr sz="1800" kern="1200">
         <a:solidFill>
           <a:schemeClr val="tx1"/>
@@ -85,7 +90,7 @@
         <a:cs typeface="+mn-cs"/>
       </a:defRPr>
     </a:lvl7pPr>
-    <a:lvl8pPr marL="3200400" algn="l" defTabSz="914400" rtl="0" eaLnBrk="1" latinLnBrk="0" hangingPunct="1">
+    <a:lvl8pPr marL="3200400" algn="l" defTabSz="457200" rtl="0" eaLnBrk="1" latinLnBrk="0" hangingPunct="1">
       <a:defRPr sz="1800" kern="1200">
         <a:solidFill>
           <a:schemeClr val="tx1"/>
@@ -95,7 +100,7 @@
         <a:cs typeface="+mn-cs"/>
       </a:defRPr>
     </a:lvl8pPr>
-    <a:lvl9pPr marL="3657600" algn="l" defTabSz="914400" rtl="0" eaLnBrk="1" latinLnBrk="0" hangingPunct="1">
+    <a:lvl9pPr marL="3657600" algn="l" defTabSz="457200" rtl="0" eaLnBrk="1" latinLnBrk="0" hangingPunct="1">
       <a:defRPr sz="1800" kern="1200">
         <a:solidFill>
           <a:schemeClr val="tx1"/>
@@ -106,6 +111,11 @@
       </a:defRPr>
     </a:lvl9pPr>
   </p:defaultTextStyle>
+  <p:extLst>
+    <p:ext uri="{EFAFB233-063F-42B5-8137-9DF3F51BA10A}">
+      <p15:sldGuideLst xmlns:p15="http://schemas.microsoft.com/office/powerpoint/2012/main"/>
+    </p:ext>
+  </p:extLst>
 </p:presentation>
 </file>
 
@@ -2184,7 +2194,703 @@
 </c:chartSpace>
 </file>
 
+<file path=ppt/charts/chart2.xml><?xml version="1.0" encoding="utf-8"?>
+<c:chartSpace xmlns:c="http://schemas.openxmlformats.org/drawingml/2006/chart" xmlns:a="http://schemas.openxmlformats.org/drawingml/2006/main" xmlns:r="http://schemas.openxmlformats.org/officeDocument/2006/relationships" xmlns:c16r2="http://schemas.microsoft.com/office/drawing/2015/06/chart">
+  <c:date1904 val="0"/>
+  <c:lang val="de-DE"/>
+  <c:roundedCorners val="0"/>
+  <mc:AlternateContent xmlns:mc="http://schemas.openxmlformats.org/markup-compatibility/2006">
+    <mc:Choice xmlns:c14="http://schemas.microsoft.com/office/drawing/2007/8/2/chart" Requires="c14">
+      <c14:style val="102"/>
+    </mc:Choice>
+    <mc:Fallback>
+      <c:style val="2"/>
+    </mc:Fallback>
+  </mc:AlternateContent>
+  <c:chart>
+    <c:autoTitleDeleted val="1"/>
+    <c:plotArea>
+      <c:layout>
+        <c:manualLayout>
+          <c:layoutTarget val="inner"/>
+          <c:xMode val="edge"/>
+          <c:yMode val="edge"/>
+          <c:x val="5.1846114344402602E-2"/>
+          <c:y val="2.132079833835018E-2"/>
+          <c:w val="0.92883021415801281"/>
+          <c:h val="0.71045388797652587"/>
+        </c:manualLayout>
+      </c:layout>
+      <c:barChart>
+        <c:barDir val="col"/>
+        <c:grouping val="clustered"/>
+        <c:varyColors val="0"/>
+        <c:ser>
+          <c:idx val="0"/>
+          <c:order val="0"/>
+          <c:tx>
+            <c:strRef>
+              <c:f>Tabelle1!$B$1</c:f>
+              <c:strCache>
+                <c:ptCount val="1"/>
+                <c:pt idx="0">
+                  <c:v>Datenreihe 1</c:v>
+                </c:pt>
+              </c:strCache>
+            </c:strRef>
+          </c:tx>
+          <c:spPr>
+            <a:solidFill>
+              <a:schemeClr val="accent1"/>
+            </a:solidFill>
+            <a:ln>
+              <a:noFill/>
+            </a:ln>
+            <a:effectLst/>
+          </c:spPr>
+          <c:invertIfNegative val="0"/>
+          <c:cat>
+            <c:strRef>
+              <c:f>Tabelle1!$A$2:$A$6</c:f>
+              <c:strCache>
+                <c:ptCount val="5"/>
+                <c:pt idx="0">
+                  <c:v>Cluster 0</c:v>
+                </c:pt>
+                <c:pt idx="1">
+                  <c:v>Cluster 20</c:v>
+                </c:pt>
+                <c:pt idx="2">
+                  <c:v>Cluster 3</c:v>
+                </c:pt>
+                <c:pt idx="3">
+                  <c:v>Cluster 21</c:v>
+                </c:pt>
+                <c:pt idx="4">
+                  <c:v>Cluster 30</c:v>
+                </c:pt>
+              </c:strCache>
+            </c:strRef>
+          </c:cat>
+          <c:val>
+            <c:numRef>
+              <c:f>Tabelle1!$B$2:$B$6</c:f>
+              <c:numCache>
+                <c:formatCode>General</c:formatCode>
+                <c:ptCount val="5"/>
+                <c:pt idx="0">
+                  <c:v>9501</c:v>
+                </c:pt>
+                <c:pt idx="1">
+                  <c:v>10971</c:v>
+                </c:pt>
+                <c:pt idx="2">
+                  <c:v>7611</c:v>
+                </c:pt>
+                <c:pt idx="3">
+                  <c:v>9095</c:v>
+                </c:pt>
+                <c:pt idx="4">
+                  <c:v>6158</c:v>
+                </c:pt>
+              </c:numCache>
+            </c:numRef>
+          </c:val>
+          <c:extLst>
+            <c:ext xmlns:c16="http://schemas.microsoft.com/office/drawing/2014/chart" uri="{C3380CC4-5D6E-409C-BE32-E72D297353CC}">
+              <c16:uniqueId val="{00000000-509B-409E-8D07-2EA1BCAC7598}"/>
+            </c:ext>
+          </c:extLst>
+        </c:ser>
+        <c:ser>
+          <c:idx val="1"/>
+          <c:order val="1"/>
+          <c:tx>
+            <c:strRef>
+              <c:f>Tabelle1!$C$1</c:f>
+              <c:strCache>
+                <c:ptCount val="1"/>
+                <c:pt idx="0">
+                  <c:v>Datenreihe 2</c:v>
+                </c:pt>
+              </c:strCache>
+            </c:strRef>
+          </c:tx>
+          <c:spPr>
+            <a:solidFill>
+              <a:schemeClr val="accent2"/>
+            </a:solidFill>
+            <a:ln>
+              <a:noFill/>
+            </a:ln>
+            <a:effectLst/>
+          </c:spPr>
+          <c:invertIfNegative val="0"/>
+          <c:cat>
+            <c:strRef>
+              <c:f>Tabelle1!$A$2:$A$6</c:f>
+              <c:strCache>
+                <c:ptCount val="5"/>
+                <c:pt idx="0">
+                  <c:v>Cluster 0</c:v>
+                </c:pt>
+                <c:pt idx="1">
+                  <c:v>Cluster 20</c:v>
+                </c:pt>
+                <c:pt idx="2">
+                  <c:v>Cluster 3</c:v>
+                </c:pt>
+                <c:pt idx="3">
+                  <c:v>Cluster 21</c:v>
+                </c:pt>
+                <c:pt idx="4">
+                  <c:v>Cluster 30</c:v>
+                </c:pt>
+              </c:strCache>
+            </c:strRef>
+          </c:cat>
+          <c:val>
+            <c:numRef>
+              <c:f>Tabelle1!$C$2:$C$6</c:f>
+              <c:numCache>
+                <c:formatCode>General</c:formatCode>
+                <c:ptCount val="5"/>
+                <c:pt idx="0">
+                  <c:v>19198</c:v>
+                </c:pt>
+                <c:pt idx="1">
+                  <c:v>19198</c:v>
+                </c:pt>
+                <c:pt idx="2">
+                  <c:v>13248</c:v>
+                </c:pt>
+                <c:pt idx="3">
+                  <c:v>208</c:v>
+                </c:pt>
+                <c:pt idx="4">
+                  <c:v>5762</c:v>
+                </c:pt>
+              </c:numCache>
+            </c:numRef>
+          </c:val>
+          <c:extLst>
+            <c:ext xmlns:c16="http://schemas.microsoft.com/office/drawing/2014/chart" uri="{C3380CC4-5D6E-409C-BE32-E72D297353CC}">
+              <c16:uniqueId val="{00000001-509B-409E-8D07-2EA1BCAC7598}"/>
+            </c:ext>
+          </c:extLst>
+        </c:ser>
+        <c:ser>
+          <c:idx val="2"/>
+          <c:order val="2"/>
+          <c:tx>
+            <c:strRef>
+              <c:f>Tabelle1!$D$1</c:f>
+              <c:strCache>
+                <c:ptCount val="1"/>
+                <c:pt idx="0">
+                  <c:v>Datenreihe 3</c:v>
+                </c:pt>
+              </c:strCache>
+            </c:strRef>
+          </c:tx>
+          <c:spPr>
+            <a:solidFill>
+              <a:schemeClr val="accent3"/>
+            </a:solidFill>
+            <a:ln>
+              <a:noFill/>
+            </a:ln>
+            <a:effectLst/>
+          </c:spPr>
+          <c:invertIfNegative val="0"/>
+          <c:cat>
+            <c:strRef>
+              <c:f>Tabelle1!$A$2:$A$6</c:f>
+              <c:strCache>
+                <c:ptCount val="5"/>
+                <c:pt idx="0">
+                  <c:v>Cluster 0</c:v>
+                </c:pt>
+                <c:pt idx="1">
+                  <c:v>Cluster 20</c:v>
+                </c:pt>
+                <c:pt idx="2">
+                  <c:v>Cluster 3</c:v>
+                </c:pt>
+                <c:pt idx="3">
+                  <c:v>Cluster 21</c:v>
+                </c:pt>
+                <c:pt idx="4">
+                  <c:v>Cluster 30</c:v>
+                </c:pt>
+              </c:strCache>
+            </c:strRef>
+          </c:cat>
+          <c:val>
+            <c:numRef>
+              <c:f>Tabelle1!$D$2:$D$6</c:f>
+              <c:numCache>
+                <c:formatCode>General</c:formatCode>
+                <c:ptCount val="5"/>
+                <c:pt idx="0" formatCode="#,##0">
+                  <c:v>208</c:v>
+                </c:pt>
+                <c:pt idx="1">
+                  <c:v>17769</c:v>
+                </c:pt>
+                <c:pt idx="2">
+                  <c:v>1315</c:v>
+                </c:pt>
+                <c:pt idx="3">
+                  <c:v>17769</c:v>
+                </c:pt>
+                <c:pt idx="4">
+                  <c:v>5105</c:v>
+                </c:pt>
+              </c:numCache>
+            </c:numRef>
+          </c:val>
+          <c:extLst>
+            <c:ext xmlns:c16="http://schemas.microsoft.com/office/drawing/2014/chart" uri="{C3380CC4-5D6E-409C-BE32-E72D297353CC}">
+              <c16:uniqueId val="{00000002-509B-409E-8D07-2EA1BCAC7598}"/>
+            </c:ext>
+          </c:extLst>
+        </c:ser>
+        <c:ser>
+          <c:idx val="3"/>
+          <c:order val="3"/>
+          <c:tx>
+            <c:strRef>
+              <c:f>Tabelle1!$E$1</c:f>
+              <c:strCache>
+                <c:ptCount val="1"/>
+                <c:pt idx="0">
+                  <c:v>Datenreihe 4</c:v>
+                </c:pt>
+              </c:strCache>
+            </c:strRef>
+          </c:tx>
+          <c:spPr>
+            <a:solidFill>
+              <a:schemeClr val="accent4"/>
+            </a:solidFill>
+            <a:ln>
+              <a:noFill/>
+            </a:ln>
+            <a:effectLst/>
+          </c:spPr>
+          <c:invertIfNegative val="0"/>
+          <c:cat>
+            <c:strRef>
+              <c:f>Tabelle1!$A$2:$A$6</c:f>
+              <c:strCache>
+                <c:ptCount val="5"/>
+                <c:pt idx="0">
+                  <c:v>Cluster 0</c:v>
+                </c:pt>
+                <c:pt idx="1">
+                  <c:v>Cluster 20</c:v>
+                </c:pt>
+                <c:pt idx="2">
+                  <c:v>Cluster 3</c:v>
+                </c:pt>
+                <c:pt idx="3">
+                  <c:v>Cluster 21</c:v>
+                </c:pt>
+                <c:pt idx="4">
+                  <c:v>Cluster 30</c:v>
+                </c:pt>
+              </c:strCache>
+            </c:strRef>
+          </c:cat>
+          <c:val>
+            <c:numRef>
+              <c:f>Tabelle1!$E$2:$E$6</c:f>
+              <c:numCache>
+                <c:formatCode>General</c:formatCode>
+                <c:ptCount val="5"/>
+                <c:pt idx="0">
+                  <c:v>13248</c:v>
+                </c:pt>
+                <c:pt idx="1">
+                  <c:v>1315</c:v>
+                </c:pt>
+                <c:pt idx="2">
+                  <c:v>11935</c:v>
+                </c:pt>
+                <c:pt idx="3">
+                  <c:v>11935</c:v>
+                </c:pt>
+                <c:pt idx="4">
+                  <c:v>5614</c:v>
+                </c:pt>
+              </c:numCache>
+            </c:numRef>
+          </c:val>
+          <c:extLst>
+            <c:ext xmlns:c16="http://schemas.microsoft.com/office/drawing/2014/chart" uri="{C3380CC4-5D6E-409C-BE32-E72D297353CC}">
+              <c16:uniqueId val="{00000003-509B-409E-8D07-2EA1BCAC7598}"/>
+            </c:ext>
+          </c:extLst>
+        </c:ser>
+        <c:ser>
+          <c:idx val="4"/>
+          <c:order val="4"/>
+          <c:tx>
+            <c:strRef>
+              <c:f>Tabelle1!$F$1</c:f>
+              <c:strCache>
+                <c:ptCount val="1"/>
+                <c:pt idx="0">
+                  <c:v>Datenreihe 5</c:v>
+                </c:pt>
+              </c:strCache>
+            </c:strRef>
+          </c:tx>
+          <c:spPr>
+            <a:solidFill>
+              <a:schemeClr val="accent5"/>
+            </a:solidFill>
+            <a:ln>
+              <a:noFill/>
+            </a:ln>
+            <a:effectLst/>
+          </c:spPr>
+          <c:invertIfNegative val="0"/>
+          <c:cat>
+            <c:strRef>
+              <c:f>Tabelle1!$A$2:$A$6</c:f>
+              <c:strCache>
+                <c:ptCount val="5"/>
+                <c:pt idx="0">
+                  <c:v>Cluster 0</c:v>
+                </c:pt>
+                <c:pt idx="1">
+                  <c:v>Cluster 20</c:v>
+                </c:pt>
+                <c:pt idx="2">
+                  <c:v>Cluster 3</c:v>
+                </c:pt>
+                <c:pt idx="3">
+                  <c:v>Cluster 21</c:v>
+                </c:pt>
+                <c:pt idx="4">
+                  <c:v>Cluster 30</c:v>
+                </c:pt>
+              </c:strCache>
+            </c:strRef>
+          </c:cat>
+          <c:val>
+            <c:numRef>
+              <c:f>Tabelle1!$F$2:$F$6</c:f>
+              <c:numCache>
+                <c:formatCode>General</c:formatCode>
+                <c:ptCount val="5"/>
+                <c:pt idx="0">
+                  <c:v>5762</c:v>
+                </c:pt>
+                <c:pt idx="1">
+                  <c:v>5105</c:v>
+                </c:pt>
+                <c:pt idx="2">
+                  <c:v>3154</c:v>
+                </c:pt>
+                <c:pt idx="3">
+                  <c:v>5614</c:v>
+                </c:pt>
+                <c:pt idx="4">
+                  <c:v>3154</c:v>
+                </c:pt>
+              </c:numCache>
+            </c:numRef>
+          </c:val>
+          <c:extLst>
+            <c:ext xmlns:c16="http://schemas.microsoft.com/office/drawing/2014/chart" uri="{C3380CC4-5D6E-409C-BE32-E72D297353CC}">
+              <c16:uniqueId val="{00000006-509B-409E-8D07-2EA1BCAC7598}"/>
+            </c:ext>
+          </c:extLst>
+        </c:ser>
+        <c:ser>
+          <c:idx val="5"/>
+          <c:order val="5"/>
+          <c:tx>
+            <c:strRef>
+              <c:f>Tabelle1!$G$1</c:f>
+              <c:strCache>
+                <c:ptCount val="1"/>
+                <c:pt idx="0">
+                  <c:v>mean-Distanz</c:v>
+                </c:pt>
+              </c:strCache>
+            </c:strRef>
+          </c:tx>
+          <c:spPr>
+            <a:solidFill>
+              <a:schemeClr val="accent6"/>
+            </a:solidFill>
+            <a:ln>
+              <a:noFill/>
+            </a:ln>
+            <a:effectLst/>
+          </c:spPr>
+          <c:invertIfNegative val="0"/>
+          <c:cat>
+            <c:strRef>
+              <c:f>Tabelle1!$A$2:$A$6</c:f>
+              <c:strCache>
+                <c:ptCount val="5"/>
+                <c:pt idx="0">
+                  <c:v>Cluster 0</c:v>
+                </c:pt>
+                <c:pt idx="1">
+                  <c:v>Cluster 20</c:v>
+                </c:pt>
+                <c:pt idx="2">
+                  <c:v>Cluster 3</c:v>
+                </c:pt>
+                <c:pt idx="3">
+                  <c:v>Cluster 21</c:v>
+                </c:pt>
+                <c:pt idx="4">
+                  <c:v>Cluster 30</c:v>
+                </c:pt>
+              </c:strCache>
+            </c:strRef>
+          </c:cat>
+          <c:val>
+            <c:numRef>
+              <c:f>Tabelle1!$G$2:$G$6</c:f>
+              <c:numCache>
+                <c:formatCode>General</c:formatCode>
+                <c:ptCount val="5"/>
+                <c:pt idx="0">
+                  <c:v>9604</c:v>
+                </c:pt>
+                <c:pt idx="1">
+                  <c:v>10847</c:v>
+                </c:pt>
+                <c:pt idx="2">
+                  <c:v>7413</c:v>
+                </c:pt>
+                <c:pt idx="3">
+                  <c:v>8881</c:v>
+                </c:pt>
+                <c:pt idx="4">
+                  <c:v>4909</c:v>
+                </c:pt>
+              </c:numCache>
+            </c:numRef>
+          </c:val>
+          <c:extLst>
+            <c:ext xmlns:c16="http://schemas.microsoft.com/office/drawing/2014/chart" uri="{C3380CC4-5D6E-409C-BE32-E72D297353CC}">
+              <c16:uniqueId val="{00000007-509B-409E-8D07-2EA1BCAC7598}"/>
+            </c:ext>
+          </c:extLst>
+        </c:ser>
+        <c:dLbls>
+          <c:showLegendKey val="0"/>
+          <c:showVal val="0"/>
+          <c:showCatName val="0"/>
+          <c:showSerName val="0"/>
+          <c:showPercent val="0"/>
+          <c:showBubbleSize val="0"/>
+        </c:dLbls>
+        <c:gapWidth val="219"/>
+        <c:overlap val="-27"/>
+        <c:axId val="415297272"/>
+        <c:axId val="415298912"/>
+      </c:barChart>
+      <c:catAx>
+        <c:axId val="415297272"/>
+        <c:scaling>
+          <c:orientation val="minMax"/>
+        </c:scaling>
+        <c:delete val="0"/>
+        <c:axPos val="b"/>
+        <c:numFmt formatCode="General" sourceLinked="1"/>
+        <c:majorTickMark val="none"/>
+        <c:minorTickMark val="none"/>
+        <c:tickLblPos val="nextTo"/>
+        <c:spPr>
+          <a:noFill/>
+          <a:ln w="9525" cap="flat" cmpd="sng" algn="ctr">
+            <a:solidFill>
+              <a:schemeClr val="tx1">
+                <a:lumMod val="15000"/>
+                <a:lumOff val="85000"/>
+              </a:schemeClr>
+            </a:solidFill>
+            <a:round/>
+          </a:ln>
+          <a:effectLst/>
+        </c:spPr>
+        <c:txPr>
+          <a:bodyPr rot="-60000000" spcFirstLastPara="1" vertOverflow="ellipsis" vert="horz" wrap="square" anchor="ctr" anchorCtr="1"/>
+          <a:lstStyle/>
+          <a:p>
+            <a:pPr>
+              <a:defRPr sz="1197" b="0" i="0" u="none" strike="noStrike" kern="1200" baseline="0">
+                <a:solidFill>
+                  <a:schemeClr val="tx1">
+                    <a:lumMod val="65000"/>
+                    <a:lumOff val="35000"/>
+                  </a:schemeClr>
+                </a:solidFill>
+                <a:latin typeface="+mn-lt"/>
+                <a:ea typeface="+mn-ea"/>
+                <a:cs typeface="+mn-cs"/>
+              </a:defRPr>
+            </a:pPr>
+            <a:endParaRPr lang="de-DE"/>
+          </a:p>
+        </c:txPr>
+        <c:crossAx val="415298912"/>
+        <c:crosses val="autoZero"/>
+        <c:auto val="1"/>
+        <c:lblAlgn val="ctr"/>
+        <c:lblOffset val="100"/>
+        <c:noMultiLvlLbl val="0"/>
+      </c:catAx>
+      <c:valAx>
+        <c:axId val="415298912"/>
+        <c:scaling>
+          <c:orientation val="minMax"/>
+        </c:scaling>
+        <c:delete val="0"/>
+        <c:axPos val="l"/>
+        <c:majorGridlines>
+          <c:spPr>
+            <a:ln w="9525" cap="flat" cmpd="sng" algn="ctr">
+              <a:solidFill>
+                <a:schemeClr val="tx1">
+                  <a:lumMod val="15000"/>
+                  <a:lumOff val="85000"/>
+                </a:schemeClr>
+              </a:solidFill>
+              <a:round/>
+            </a:ln>
+            <a:effectLst/>
+          </c:spPr>
+        </c:majorGridlines>
+        <c:numFmt formatCode="General" sourceLinked="1"/>
+        <c:majorTickMark val="none"/>
+        <c:minorTickMark val="none"/>
+        <c:tickLblPos val="nextTo"/>
+        <c:spPr>
+          <a:noFill/>
+          <a:ln>
+            <a:noFill/>
+          </a:ln>
+          <a:effectLst/>
+        </c:spPr>
+        <c:txPr>
+          <a:bodyPr rot="-60000000" spcFirstLastPara="1" vertOverflow="ellipsis" vert="horz" wrap="square" anchor="ctr" anchorCtr="1"/>
+          <a:lstStyle/>
+          <a:p>
+            <a:pPr>
+              <a:defRPr sz="1197" b="0" i="0" u="none" strike="noStrike" kern="1200" baseline="0">
+                <a:solidFill>
+                  <a:schemeClr val="tx1">
+                    <a:lumMod val="65000"/>
+                    <a:lumOff val="35000"/>
+                  </a:schemeClr>
+                </a:solidFill>
+                <a:latin typeface="+mn-lt"/>
+                <a:ea typeface="+mn-ea"/>
+                <a:cs typeface="+mn-cs"/>
+              </a:defRPr>
+            </a:pPr>
+            <a:endParaRPr lang="de-DE"/>
+          </a:p>
+        </c:txPr>
+        <c:crossAx val="415297272"/>
+        <c:crosses val="autoZero"/>
+        <c:crossBetween val="between"/>
+      </c:valAx>
+      <c:spPr>
+        <a:noFill/>
+        <a:ln>
+          <a:noFill/>
+        </a:ln>
+        <a:effectLst/>
+      </c:spPr>
+    </c:plotArea>
+    <c:plotVisOnly val="1"/>
+    <c:dispBlanksAs val="gap"/>
+    <c:extLst>
+      <c:ext xmlns:c16r3="http://schemas.microsoft.com/office/drawing/2017/03/chart" uri="{56B9EC1D-385E-4148-901F-78D8002777C0}">
+        <c16r3:dataDisplayOptions16>
+          <c16r3:dispNaAsBlank val="1"/>
+        </c16r3:dataDisplayOptions16>
+      </c:ext>
+    </c:extLst>
+    <c:showDLblsOverMax val="0"/>
+  </c:chart>
+  <c:spPr>
+    <a:noFill/>
+    <a:ln>
+      <a:noFill/>
+    </a:ln>
+    <a:effectLst/>
+  </c:spPr>
+  <c:txPr>
+    <a:bodyPr/>
+    <a:lstStyle/>
+    <a:p>
+      <a:pPr>
+        <a:defRPr/>
+      </a:pPr>
+      <a:endParaRPr lang="de-DE"/>
+    </a:p>
+  </c:txPr>
+  <c:externalData r:id="rId3">
+    <c:autoUpdate val="0"/>
+  </c:externalData>
+  <c:userShapes r:id="rId4"/>
+</c:chartSpace>
+</file>
+
 <file path=ppt/charts/colors1.xml><?xml version="1.0" encoding="utf-8"?>
+<cs:colorStyle xmlns:cs="http://schemas.microsoft.com/office/drawing/2012/chartStyle" xmlns:a="http://schemas.openxmlformats.org/drawingml/2006/main" meth="cycle" id="10">
+  <a:schemeClr val="accent1"/>
+  <a:schemeClr val="accent2"/>
+  <a:schemeClr val="accent3"/>
+  <a:schemeClr val="accent4"/>
+  <a:schemeClr val="accent5"/>
+  <a:schemeClr val="accent6"/>
+  <cs:variation/>
+  <cs:variation>
+    <a:lumMod val="60000"/>
+  </cs:variation>
+  <cs:variation>
+    <a:lumMod val="80000"/>
+    <a:lumOff val="20000"/>
+  </cs:variation>
+  <cs:variation>
+    <a:lumMod val="80000"/>
+  </cs:variation>
+  <cs:variation>
+    <a:lumMod val="60000"/>
+    <a:lumOff val="40000"/>
+  </cs:variation>
+  <cs:variation>
+    <a:lumMod val="50000"/>
+  </cs:variation>
+  <cs:variation>
+    <a:lumMod val="70000"/>
+    <a:lumOff val="30000"/>
+  </cs:variation>
+  <cs:variation>
+    <a:lumMod val="70000"/>
+  </cs:variation>
+  <cs:variation>
+    <a:lumMod val="50000"/>
+    <a:lumOff val="50000"/>
+  </cs:variation>
+</cs:colorStyle>
+</file>
+
+<file path=ppt/charts/colors2.xml><?xml version="1.0" encoding="utf-8"?>
 <cs:colorStyle xmlns:cs="http://schemas.microsoft.com/office/drawing/2012/chartStyle" xmlns:a="http://schemas.openxmlformats.org/drawingml/2006/main" meth="cycle" id="10">
   <a:schemeClr val="accent1"/>
   <a:schemeClr val="accent2"/>
@@ -2727,9 +3433,757 @@
 </cs:chartStyle>
 </file>
 
+<file path=ppt/charts/style2.xml><?xml version="1.0" encoding="utf-8"?>
+<cs:chartStyle xmlns:cs="http://schemas.microsoft.com/office/drawing/2012/chartStyle" xmlns:a="http://schemas.openxmlformats.org/drawingml/2006/main" id="201">
+  <cs:axisTitle>
+    <cs:lnRef idx="0"/>
+    <cs:fillRef idx="0"/>
+    <cs:effectRef idx="0"/>
+    <cs:fontRef idx="minor">
+      <a:schemeClr val="tx1">
+        <a:lumMod val="65000"/>
+        <a:lumOff val="35000"/>
+      </a:schemeClr>
+    </cs:fontRef>
+    <cs:defRPr sz="1330" kern="1200"/>
+  </cs:axisTitle>
+  <cs:categoryAxis>
+    <cs:lnRef idx="0"/>
+    <cs:fillRef idx="0"/>
+    <cs:effectRef idx="0"/>
+    <cs:fontRef idx="minor">
+      <a:schemeClr val="tx1">
+        <a:lumMod val="65000"/>
+        <a:lumOff val="35000"/>
+      </a:schemeClr>
+    </cs:fontRef>
+    <cs:spPr>
+      <a:ln w="9525" cap="flat" cmpd="sng" algn="ctr">
+        <a:solidFill>
+          <a:schemeClr val="tx1">
+            <a:lumMod val="15000"/>
+            <a:lumOff val="85000"/>
+          </a:schemeClr>
+        </a:solidFill>
+        <a:round/>
+      </a:ln>
+    </cs:spPr>
+    <cs:defRPr sz="1197" kern="1200"/>
+  </cs:categoryAxis>
+  <cs:chartArea mods="allowNoFillOverride allowNoLineOverride">
+    <cs:lnRef idx="0"/>
+    <cs:fillRef idx="0"/>
+    <cs:effectRef idx="0"/>
+    <cs:fontRef idx="minor">
+      <a:schemeClr val="tx1"/>
+    </cs:fontRef>
+    <cs:spPr>
+      <a:solidFill>
+        <a:schemeClr val="bg1"/>
+      </a:solidFill>
+      <a:ln w="9525" cap="flat" cmpd="sng" algn="ctr">
+        <a:solidFill>
+          <a:schemeClr val="tx1">
+            <a:lumMod val="15000"/>
+            <a:lumOff val="85000"/>
+          </a:schemeClr>
+        </a:solidFill>
+        <a:round/>
+      </a:ln>
+    </cs:spPr>
+    <cs:defRPr sz="1330" kern="1200"/>
+  </cs:chartArea>
+  <cs:dataLabel>
+    <cs:lnRef idx="0"/>
+    <cs:fillRef idx="0"/>
+    <cs:effectRef idx="0"/>
+    <cs:fontRef idx="minor">
+      <a:schemeClr val="tx1">
+        <a:lumMod val="75000"/>
+        <a:lumOff val="25000"/>
+      </a:schemeClr>
+    </cs:fontRef>
+    <cs:defRPr sz="1197" kern="1200"/>
+  </cs:dataLabel>
+  <cs:dataLabelCallout>
+    <cs:lnRef idx="0"/>
+    <cs:fillRef idx="0"/>
+    <cs:effectRef idx="0"/>
+    <cs:fontRef idx="minor">
+      <a:schemeClr val="dk1">
+        <a:lumMod val="65000"/>
+        <a:lumOff val="35000"/>
+      </a:schemeClr>
+    </cs:fontRef>
+    <cs:spPr>
+      <a:solidFill>
+        <a:schemeClr val="lt1"/>
+      </a:solidFill>
+      <a:ln>
+        <a:solidFill>
+          <a:schemeClr val="dk1">
+            <a:lumMod val="25000"/>
+            <a:lumOff val="75000"/>
+          </a:schemeClr>
+        </a:solidFill>
+      </a:ln>
+    </cs:spPr>
+    <cs:defRPr sz="1197" kern="1200"/>
+    <cs:bodyPr rot="0" spcFirstLastPara="1" vertOverflow="clip" horzOverflow="clip" vert="horz" wrap="square" lIns="36576" tIns="18288" rIns="36576" bIns="18288" anchor="ctr" anchorCtr="1">
+      <a:spAutoFit/>
+    </cs:bodyPr>
+  </cs:dataLabelCallout>
+  <cs:dataPoint>
+    <cs:lnRef idx="0"/>
+    <cs:fillRef idx="1">
+      <cs:styleClr val="auto"/>
+    </cs:fillRef>
+    <cs:effectRef idx="0"/>
+    <cs:fontRef idx="minor">
+      <a:schemeClr val="tx1"/>
+    </cs:fontRef>
+  </cs:dataPoint>
+  <cs:dataPoint3D>
+    <cs:lnRef idx="0"/>
+    <cs:fillRef idx="1">
+      <cs:styleClr val="auto"/>
+    </cs:fillRef>
+    <cs:effectRef idx="0"/>
+    <cs:fontRef idx="minor">
+      <a:schemeClr val="tx1"/>
+    </cs:fontRef>
+  </cs:dataPoint3D>
+  <cs:dataPointLine>
+    <cs:lnRef idx="0">
+      <cs:styleClr val="auto"/>
+    </cs:lnRef>
+    <cs:fillRef idx="1"/>
+    <cs:effectRef idx="0"/>
+    <cs:fontRef idx="minor">
+      <a:schemeClr val="tx1"/>
+    </cs:fontRef>
+    <cs:spPr>
+      <a:ln w="28575" cap="rnd">
+        <a:solidFill>
+          <a:schemeClr val="phClr"/>
+        </a:solidFill>
+        <a:round/>
+      </a:ln>
+    </cs:spPr>
+  </cs:dataPointLine>
+  <cs:dataPointMarker>
+    <cs:lnRef idx="0">
+      <cs:styleClr val="auto"/>
+    </cs:lnRef>
+    <cs:fillRef idx="1">
+      <cs:styleClr val="auto"/>
+    </cs:fillRef>
+    <cs:effectRef idx="0"/>
+    <cs:fontRef idx="minor">
+      <a:schemeClr val="tx1"/>
+    </cs:fontRef>
+    <cs:spPr>
+      <a:ln w="9525">
+        <a:solidFill>
+          <a:schemeClr val="phClr"/>
+        </a:solidFill>
+      </a:ln>
+    </cs:spPr>
+  </cs:dataPointMarker>
+  <cs:dataPointMarkerLayout symbol="circle" size="5"/>
+  <cs:dataPointWireframe>
+    <cs:lnRef idx="0">
+      <cs:styleClr val="auto"/>
+    </cs:lnRef>
+    <cs:fillRef idx="1"/>
+    <cs:effectRef idx="0"/>
+    <cs:fontRef idx="minor">
+      <a:schemeClr val="tx1"/>
+    </cs:fontRef>
+    <cs:spPr>
+      <a:ln w="9525" cap="rnd">
+        <a:solidFill>
+          <a:schemeClr val="phClr"/>
+        </a:solidFill>
+        <a:round/>
+      </a:ln>
+    </cs:spPr>
+  </cs:dataPointWireframe>
+  <cs:dataTable>
+    <cs:lnRef idx="0"/>
+    <cs:fillRef idx="0"/>
+    <cs:effectRef idx="0"/>
+    <cs:fontRef idx="minor">
+      <a:schemeClr val="tx1">
+        <a:lumMod val="65000"/>
+        <a:lumOff val="35000"/>
+      </a:schemeClr>
+    </cs:fontRef>
+    <cs:spPr>
+      <a:noFill/>
+      <a:ln w="9525" cap="flat" cmpd="sng" algn="ctr">
+        <a:solidFill>
+          <a:schemeClr val="tx1">
+            <a:lumMod val="15000"/>
+            <a:lumOff val="85000"/>
+          </a:schemeClr>
+        </a:solidFill>
+        <a:round/>
+      </a:ln>
+    </cs:spPr>
+    <cs:defRPr sz="1197" kern="1200"/>
+  </cs:dataTable>
+  <cs:downBar>
+    <cs:lnRef idx="0"/>
+    <cs:fillRef idx="0"/>
+    <cs:effectRef idx="0"/>
+    <cs:fontRef idx="minor">
+      <a:schemeClr val="dk1"/>
+    </cs:fontRef>
+    <cs:spPr>
+      <a:solidFill>
+        <a:schemeClr val="dk1">
+          <a:lumMod val="65000"/>
+          <a:lumOff val="35000"/>
+        </a:schemeClr>
+      </a:solidFill>
+      <a:ln w="9525">
+        <a:solidFill>
+          <a:schemeClr val="tx1">
+            <a:lumMod val="65000"/>
+            <a:lumOff val="35000"/>
+          </a:schemeClr>
+        </a:solidFill>
+      </a:ln>
+    </cs:spPr>
+  </cs:downBar>
+  <cs:dropLine>
+    <cs:lnRef idx="0"/>
+    <cs:fillRef idx="0"/>
+    <cs:effectRef idx="0"/>
+    <cs:fontRef idx="minor">
+      <a:schemeClr val="tx1"/>
+    </cs:fontRef>
+    <cs:spPr>
+      <a:ln w="9525" cap="flat" cmpd="sng" algn="ctr">
+        <a:solidFill>
+          <a:schemeClr val="tx1">
+            <a:lumMod val="35000"/>
+            <a:lumOff val="65000"/>
+          </a:schemeClr>
+        </a:solidFill>
+        <a:round/>
+      </a:ln>
+    </cs:spPr>
+  </cs:dropLine>
+  <cs:errorBar>
+    <cs:lnRef idx="0"/>
+    <cs:fillRef idx="0"/>
+    <cs:effectRef idx="0"/>
+    <cs:fontRef idx="minor">
+      <a:schemeClr val="tx1"/>
+    </cs:fontRef>
+    <cs:spPr>
+      <a:ln w="9525" cap="flat" cmpd="sng" algn="ctr">
+        <a:solidFill>
+          <a:schemeClr val="tx1">
+            <a:lumMod val="65000"/>
+            <a:lumOff val="35000"/>
+          </a:schemeClr>
+        </a:solidFill>
+        <a:round/>
+      </a:ln>
+    </cs:spPr>
+  </cs:errorBar>
+  <cs:floor>
+    <cs:lnRef idx="0"/>
+    <cs:fillRef idx="0"/>
+    <cs:effectRef idx="0"/>
+    <cs:fontRef idx="minor">
+      <a:schemeClr val="tx1"/>
+    </cs:fontRef>
+    <cs:spPr>
+      <a:noFill/>
+      <a:ln>
+        <a:noFill/>
+      </a:ln>
+    </cs:spPr>
+  </cs:floor>
+  <cs:gridlineMajor>
+    <cs:lnRef idx="0"/>
+    <cs:fillRef idx="0"/>
+    <cs:effectRef idx="0"/>
+    <cs:fontRef idx="minor">
+      <a:schemeClr val="tx1"/>
+    </cs:fontRef>
+    <cs:spPr>
+      <a:ln w="9525" cap="flat" cmpd="sng" algn="ctr">
+        <a:solidFill>
+          <a:schemeClr val="tx1">
+            <a:lumMod val="15000"/>
+            <a:lumOff val="85000"/>
+          </a:schemeClr>
+        </a:solidFill>
+        <a:round/>
+      </a:ln>
+    </cs:spPr>
+  </cs:gridlineMajor>
+  <cs:gridlineMinor>
+    <cs:lnRef idx="0"/>
+    <cs:fillRef idx="0"/>
+    <cs:effectRef idx="0"/>
+    <cs:fontRef idx="minor">
+      <a:schemeClr val="tx1"/>
+    </cs:fontRef>
+    <cs:spPr>
+      <a:ln w="9525" cap="flat" cmpd="sng" algn="ctr">
+        <a:solidFill>
+          <a:schemeClr val="tx1">
+            <a:lumMod val="5000"/>
+            <a:lumOff val="95000"/>
+          </a:schemeClr>
+        </a:solidFill>
+        <a:round/>
+      </a:ln>
+    </cs:spPr>
+  </cs:gridlineMinor>
+  <cs:hiLoLine>
+    <cs:lnRef idx="0"/>
+    <cs:fillRef idx="0"/>
+    <cs:effectRef idx="0"/>
+    <cs:fontRef idx="minor">
+      <a:schemeClr val="tx1"/>
+    </cs:fontRef>
+    <cs:spPr>
+      <a:ln w="9525" cap="flat" cmpd="sng" algn="ctr">
+        <a:solidFill>
+          <a:schemeClr val="tx1">
+            <a:lumMod val="75000"/>
+            <a:lumOff val="25000"/>
+          </a:schemeClr>
+        </a:solidFill>
+        <a:round/>
+      </a:ln>
+    </cs:spPr>
+  </cs:hiLoLine>
+  <cs:leaderLine>
+    <cs:lnRef idx="0"/>
+    <cs:fillRef idx="0"/>
+    <cs:effectRef idx="0"/>
+    <cs:fontRef idx="minor">
+      <a:schemeClr val="tx1"/>
+    </cs:fontRef>
+    <cs:spPr>
+      <a:ln w="9525" cap="flat" cmpd="sng" algn="ctr">
+        <a:solidFill>
+          <a:schemeClr val="tx1">
+            <a:lumMod val="35000"/>
+            <a:lumOff val="65000"/>
+          </a:schemeClr>
+        </a:solidFill>
+        <a:round/>
+      </a:ln>
+    </cs:spPr>
+  </cs:leaderLine>
+  <cs:legend>
+    <cs:lnRef idx="0"/>
+    <cs:fillRef idx="0"/>
+    <cs:effectRef idx="0"/>
+    <cs:fontRef idx="minor">
+      <a:schemeClr val="tx1">
+        <a:lumMod val="65000"/>
+        <a:lumOff val="35000"/>
+      </a:schemeClr>
+    </cs:fontRef>
+    <cs:defRPr sz="1197" kern="1200"/>
+  </cs:legend>
+  <cs:plotArea mods="allowNoFillOverride allowNoLineOverride">
+    <cs:lnRef idx="0"/>
+    <cs:fillRef idx="0"/>
+    <cs:effectRef idx="0"/>
+    <cs:fontRef idx="minor">
+      <a:schemeClr val="tx1"/>
+    </cs:fontRef>
+  </cs:plotArea>
+  <cs:plotArea3D mods="allowNoFillOverride allowNoLineOverride">
+    <cs:lnRef idx="0"/>
+    <cs:fillRef idx="0"/>
+    <cs:effectRef idx="0"/>
+    <cs:fontRef idx="minor">
+      <a:schemeClr val="tx1"/>
+    </cs:fontRef>
+  </cs:plotArea3D>
+  <cs:seriesAxis>
+    <cs:lnRef idx="0"/>
+    <cs:fillRef idx="0"/>
+    <cs:effectRef idx="0"/>
+    <cs:fontRef idx="minor">
+      <a:schemeClr val="tx1">
+        <a:lumMod val="65000"/>
+        <a:lumOff val="35000"/>
+      </a:schemeClr>
+    </cs:fontRef>
+    <cs:defRPr sz="1197" kern="1200"/>
+  </cs:seriesAxis>
+  <cs:seriesLine>
+    <cs:lnRef idx="0"/>
+    <cs:fillRef idx="0"/>
+    <cs:effectRef idx="0"/>
+    <cs:fontRef idx="minor">
+      <a:schemeClr val="tx1"/>
+    </cs:fontRef>
+    <cs:spPr>
+      <a:ln w="9525" cap="flat" cmpd="sng" algn="ctr">
+        <a:solidFill>
+          <a:schemeClr val="tx1">
+            <a:lumMod val="35000"/>
+            <a:lumOff val="65000"/>
+          </a:schemeClr>
+        </a:solidFill>
+        <a:round/>
+      </a:ln>
+    </cs:spPr>
+  </cs:seriesLine>
+  <cs:title>
+    <cs:lnRef idx="0"/>
+    <cs:fillRef idx="0"/>
+    <cs:effectRef idx="0"/>
+    <cs:fontRef idx="minor">
+      <a:schemeClr val="tx1">
+        <a:lumMod val="65000"/>
+        <a:lumOff val="35000"/>
+      </a:schemeClr>
+    </cs:fontRef>
+    <cs:defRPr sz="1862" b="0" kern="1200" spc="0" baseline="0"/>
+  </cs:title>
+  <cs:trendline>
+    <cs:lnRef idx="0">
+      <cs:styleClr val="auto"/>
+    </cs:lnRef>
+    <cs:fillRef idx="0"/>
+    <cs:effectRef idx="0"/>
+    <cs:fontRef idx="minor">
+      <a:schemeClr val="tx1"/>
+    </cs:fontRef>
+    <cs:spPr>
+      <a:ln w="19050" cap="rnd">
+        <a:solidFill>
+          <a:schemeClr val="phClr"/>
+        </a:solidFill>
+        <a:prstDash val="sysDot"/>
+      </a:ln>
+    </cs:spPr>
+  </cs:trendline>
+  <cs:trendlineLabel>
+    <cs:lnRef idx="0"/>
+    <cs:fillRef idx="0"/>
+    <cs:effectRef idx="0"/>
+    <cs:fontRef idx="minor">
+      <a:schemeClr val="tx1">
+        <a:lumMod val="65000"/>
+        <a:lumOff val="35000"/>
+      </a:schemeClr>
+    </cs:fontRef>
+    <cs:defRPr sz="1197" kern="1200"/>
+  </cs:trendlineLabel>
+  <cs:upBar>
+    <cs:lnRef idx="0"/>
+    <cs:fillRef idx="0"/>
+    <cs:effectRef idx="0"/>
+    <cs:fontRef idx="minor">
+      <a:schemeClr val="dk1"/>
+    </cs:fontRef>
+    <cs:spPr>
+      <a:solidFill>
+        <a:schemeClr val="lt1"/>
+      </a:solidFill>
+      <a:ln w="9525">
+        <a:solidFill>
+          <a:schemeClr val="tx1">
+            <a:lumMod val="15000"/>
+            <a:lumOff val="85000"/>
+          </a:schemeClr>
+        </a:solidFill>
+      </a:ln>
+    </cs:spPr>
+  </cs:upBar>
+  <cs:valueAxis>
+    <cs:lnRef idx="0"/>
+    <cs:fillRef idx="0"/>
+    <cs:effectRef idx="0"/>
+    <cs:fontRef idx="minor">
+      <a:schemeClr val="tx1">
+        <a:lumMod val="65000"/>
+        <a:lumOff val="35000"/>
+      </a:schemeClr>
+    </cs:fontRef>
+    <cs:defRPr sz="1197" kern="1200"/>
+  </cs:valueAxis>
+  <cs:wall>
+    <cs:lnRef idx="0"/>
+    <cs:fillRef idx="0"/>
+    <cs:effectRef idx="0"/>
+    <cs:fontRef idx="minor">
+      <a:schemeClr val="tx1"/>
+    </cs:fontRef>
+    <cs:spPr>
+      <a:noFill/>
+      <a:ln>
+        <a:noFill/>
+      </a:ln>
+    </cs:spPr>
+  </cs:wall>
+</cs:chartStyle>
+</file>
+
+<file path=ppt/drawings/drawing1.xml><?xml version="1.0" encoding="utf-8"?>
+<c:userShapes xmlns:c="http://schemas.openxmlformats.org/drawingml/2006/chart">
+  <cdr:relSizeAnchor xmlns:cdr="http://schemas.openxmlformats.org/drawingml/2006/chartDrawing">
+    <cdr:from>
+      <cdr:x>0.03601</cdr:x>
+      <cdr:y>0.87792</cdr:y>
+    </cdr:from>
+    <cdr:to>
+      <cdr:x>0.63317</cdr:x>
+      <cdr:y>0.96309</cdr:y>
+    </cdr:to>
+    <cdr:sp macro="" textlink="">
+      <cdr:nvSpPr>
+        <cdr:cNvPr id="2" name="Textfeld 1">
+          <a:extLst xmlns:a="http://schemas.openxmlformats.org/drawingml/2006/main">
+            <a:ext uri="{FF2B5EF4-FFF2-40B4-BE49-F238E27FC236}">
+              <a16:creationId xmlns:a16="http://schemas.microsoft.com/office/drawing/2014/main" id="{B2881200-8E0A-4B09-B1C7-4027C625E19C}"/>
+            </a:ext>
+          </a:extLst>
+        </cdr:cNvPr>
+        <cdr:cNvSpPr txBox="1"/>
+      </cdr:nvSpPr>
+      <cdr:spPr>
+        <a:xfrm xmlns:a="http://schemas.openxmlformats.org/drawingml/2006/main">
+          <a:off x="409575" y="4418014"/>
+          <a:ext cx="6791325" cy="428625"/>
+        </a:xfrm>
+        <a:prstGeom xmlns:a="http://schemas.openxmlformats.org/drawingml/2006/main" prst="rect">
+          <a:avLst/>
+        </a:prstGeom>
+      </cdr:spPr>
+      <cdr:txBody>
+        <a:bodyPr xmlns:a="http://schemas.openxmlformats.org/drawingml/2006/main" vertOverflow="clip" wrap="square" rtlCol="0"/>
+        <a:lstStyle xmlns:a="http://schemas.openxmlformats.org/drawingml/2006/main"/>
+        <a:p xmlns:a="http://schemas.openxmlformats.org/drawingml/2006/main">
+          <a:endParaRPr lang="de-DE" sz="1100" dirty="0"/>
+        </a:p>
+      </cdr:txBody>
+    </cdr:sp>
+  </cdr:relSizeAnchor>
+  <cdr:relSizeAnchor xmlns:cdr="http://schemas.openxmlformats.org/drawingml/2006/chartDrawing">
+    <cdr:from>
+      <cdr:x>0.06951</cdr:x>
+      <cdr:y>0.83528</cdr:y>
+    </cdr:from>
+    <cdr:to>
+      <cdr:x>0.58222</cdr:x>
+      <cdr:y>0.92744</cdr:y>
+    </cdr:to>
+    <cdr:sp macro="" textlink="">
+      <cdr:nvSpPr>
+        <cdr:cNvPr id="3" name="Textfeld 2">
+          <a:extLst xmlns:a="http://schemas.openxmlformats.org/drawingml/2006/main">
+            <a:ext uri="{FF2B5EF4-FFF2-40B4-BE49-F238E27FC236}">
+              <a16:creationId xmlns:a16="http://schemas.microsoft.com/office/drawing/2014/main" id="{FF64E274-CA21-42B1-AA23-38483E802B57}"/>
+            </a:ext>
+          </a:extLst>
+        </cdr:cNvPr>
+        <cdr:cNvSpPr txBox="1"/>
+      </cdr:nvSpPr>
+      <cdr:spPr>
+        <a:xfrm xmlns:a="http://schemas.openxmlformats.org/drawingml/2006/main">
+          <a:off x="790574" y="4203425"/>
+          <a:ext cx="5830958" cy="463826"/>
+        </a:xfrm>
+        <a:prstGeom xmlns:a="http://schemas.openxmlformats.org/drawingml/2006/main" prst="rect">
+          <a:avLst/>
+        </a:prstGeom>
+      </cdr:spPr>
+      <cdr:txBody>
+        <a:bodyPr xmlns:a="http://schemas.openxmlformats.org/drawingml/2006/main" vertOverflow="clip" wrap="square" rtlCol="0"/>
+        <a:lstStyle xmlns:a="http://schemas.openxmlformats.org/drawingml/2006/main"/>
+        <a:p xmlns:a="http://schemas.openxmlformats.org/drawingml/2006/main">
+          <a:r>
+            <a:rPr lang="de-DE" sz="1600" dirty="0"/>
+            <a:t>Mean- Abstand zwischen Cluster x und einem anderen Cluster</a:t>
+          </a:r>
+        </a:p>
+      </cdr:txBody>
+    </cdr:sp>
+  </cdr:relSizeAnchor>
+  <cdr:relSizeAnchor xmlns:cdr="http://schemas.openxmlformats.org/drawingml/2006/chartDrawing">
+    <cdr:from>
+      <cdr:x>0.0565</cdr:x>
+      <cdr:y>0.85604</cdr:y>
+    </cdr:from>
+    <cdr:to>
+      <cdr:x>0.07049</cdr:x>
+      <cdr:y>0.87448</cdr:y>
+    </cdr:to>
+    <cdr:sp macro="" textlink="">
+      <cdr:nvSpPr>
+        <cdr:cNvPr id="5" name="Rechteck 4">
+          <a:extLst xmlns:a="http://schemas.openxmlformats.org/drawingml/2006/main">
+            <a:ext uri="{FF2B5EF4-FFF2-40B4-BE49-F238E27FC236}">
+              <a16:creationId xmlns:a16="http://schemas.microsoft.com/office/drawing/2014/main" id="{152A09C4-935B-49BD-A529-F770FFD1A261}"/>
+            </a:ext>
+          </a:extLst>
+        </cdr:cNvPr>
+        <cdr:cNvSpPr/>
+      </cdr:nvSpPr>
+      <cdr:spPr>
+        <a:xfrm xmlns:a="http://schemas.openxmlformats.org/drawingml/2006/main">
+          <a:off x="642592" y="4307924"/>
+          <a:ext cx="159026" cy="92765"/>
+        </a:xfrm>
+        <a:prstGeom xmlns:a="http://schemas.openxmlformats.org/drawingml/2006/main" prst="rect">
+          <a:avLst/>
+        </a:prstGeom>
+        <a:solidFill xmlns:a="http://schemas.openxmlformats.org/drawingml/2006/main">
+          <a:schemeClr val="accent6"/>
+        </a:solidFill>
+        <a:ln xmlns:a="http://schemas.openxmlformats.org/drawingml/2006/main">
+          <a:solidFill>
+            <a:schemeClr val="accent6"/>
+          </a:solidFill>
+        </a:ln>
+      </cdr:spPr>
+      <cdr:style>
+        <a:lnRef xmlns:a="http://schemas.openxmlformats.org/drawingml/2006/main" idx="2">
+          <a:schemeClr val="accent1">
+            <a:shade val="50000"/>
+          </a:schemeClr>
+        </a:lnRef>
+        <a:fillRef xmlns:a="http://schemas.openxmlformats.org/drawingml/2006/main" idx="1">
+          <a:schemeClr val="accent1"/>
+        </a:fillRef>
+        <a:effectRef xmlns:a="http://schemas.openxmlformats.org/drawingml/2006/main" idx="0">
+          <a:schemeClr val="accent1"/>
+        </a:effectRef>
+        <a:fontRef xmlns:a="http://schemas.openxmlformats.org/drawingml/2006/main" idx="minor">
+          <a:schemeClr val="lt1"/>
+        </a:fontRef>
+      </cdr:style>
+      <cdr:txBody>
+        <a:bodyPr xmlns:a="http://schemas.openxmlformats.org/drawingml/2006/main"/>
+        <a:lstStyle xmlns:a="http://schemas.openxmlformats.org/drawingml/2006/main">
+          <a:lvl1pPr marL="0" indent="0">
+            <a:defRPr sz="1100">
+              <a:solidFill>
+                <a:schemeClr val="lt1"/>
+              </a:solidFill>
+              <a:latin typeface="+mn-lt"/>
+              <a:ea typeface="+mn-ea"/>
+              <a:cs typeface="+mn-cs"/>
+            </a:defRPr>
+          </a:lvl1pPr>
+          <a:lvl2pPr marL="457200" indent="0">
+            <a:defRPr sz="1100">
+              <a:solidFill>
+                <a:schemeClr val="lt1"/>
+              </a:solidFill>
+              <a:latin typeface="+mn-lt"/>
+              <a:ea typeface="+mn-ea"/>
+              <a:cs typeface="+mn-cs"/>
+            </a:defRPr>
+          </a:lvl2pPr>
+          <a:lvl3pPr marL="914400" indent="0">
+            <a:defRPr sz="1100">
+              <a:solidFill>
+                <a:schemeClr val="lt1"/>
+              </a:solidFill>
+              <a:latin typeface="+mn-lt"/>
+              <a:ea typeface="+mn-ea"/>
+              <a:cs typeface="+mn-cs"/>
+            </a:defRPr>
+          </a:lvl3pPr>
+          <a:lvl4pPr marL="1371600" indent="0">
+            <a:defRPr sz="1100">
+              <a:solidFill>
+                <a:schemeClr val="lt1"/>
+              </a:solidFill>
+              <a:latin typeface="+mn-lt"/>
+              <a:ea typeface="+mn-ea"/>
+              <a:cs typeface="+mn-cs"/>
+            </a:defRPr>
+          </a:lvl4pPr>
+          <a:lvl5pPr marL="1828800" indent="0">
+            <a:defRPr sz="1100">
+              <a:solidFill>
+                <a:schemeClr val="lt1"/>
+              </a:solidFill>
+              <a:latin typeface="+mn-lt"/>
+              <a:ea typeface="+mn-ea"/>
+              <a:cs typeface="+mn-cs"/>
+            </a:defRPr>
+          </a:lvl5pPr>
+          <a:lvl6pPr marL="2286000" indent="0">
+            <a:defRPr sz="1100">
+              <a:solidFill>
+                <a:schemeClr val="lt1"/>
+              </a:solidFill>
+              <a:latin typeface="+mn-lt"/>
+              <a:ea typeface="+mn-ea"/>
+              <a:cs typeface="+mn-cs"/>
+            </a:defRPr>
+          </a:lvl6pPr>
+          <a:lvl7pPr marL="2743200" indent="0">
+            <a:defRPr sz="1100">
+              <a:solidFill>
+                <a:schemeClr val="lt1"/>
+              </a:solidFill>
+              <a:latin typeface="+mn-lt"/>
+              <a:ea typeface="+mn-ea"/>
+              <a:cs typeface="+mn-cs"/>
+            </a:defRPr>
+          </a:lvl7pPr>
+          <a:lvl8pPr marL="3200400" indent="0">
+            <a:defRPr sz="1100">
+              <a:solidFill>
+                <a:schemeClr val="lt1"/>
+              </a:solidFill>
+              <a:latin typeface="+mn-lt"/>
+              <a:ea typeface="+mn-ea"/>
+              <a:cs typeface="+mn-cs"/>
+            </a:defRPr>
+          </a:lvl8pPr>
+          <a:lvl9pPr marL="3657600" indent="0">
+            <a:defRPr sz="1100">
+              <a:solidFill>
+                <a:schemeClr val="lt1"/>
+              </a:solidFill>
+              <a:latin typeface="+mn-lt"/>
+              <a:ea typeface="+mn-ea"/>
+              <a:cs typeface="+mn-cs"/>
+            </a:defRPr>
+          </a:lvl9pPr>
+        </a:lstStyle>
+        <a:p xmlns:a="http://schemas.openxmlformats.org/drawingml/2006/main">
+          <a:endParaRPr lang="de-DE"/>
+        </a:p>
+      </cdr:txBody>
+    </cdr:sp>
+  </cdr:relSizeAnchor>
+</c:userShapes>
+</file>
+
 <file path=ppt/slideLayouts/slideLayout1.xml><?xml version="1.0" encoding="utf-8"?>
-<p:sldLayout xmlns:a="http://schemas.openxmlformats.org/drawingml/2006/main" xmlns:r="http://schemas.openxmlformats.org/officeDocument/2006/relationships" xmlns:p="http://schemas.openxmlformats.org/presentationml/2006/main" type="title" preserve="1">
+<p:sldLayout xmlns:a="http://schemas.openxmlformats.org/drawingml/2006/main" xmlns:r="http://schemas.openxmlformats.org/officeDocument/2006/relationships" xmlns:p="http://schemas.openxmlformats.org/presentationml/2006/main" showMasterSp="0" type="title" preserve="1">
   <p:cSld name="Titelfolie">
+    <p:bg>
+      <p:bgPr>
+        <a:solidFill>
+          <a:schemeClr val="bg2"/>
+        </a:solidFill>
+        <a:effectLst/>
+      </p:bgPr>
+    </p:bg>
     <p:spTree>
       <p:nvGrpSpPr>
         <p:cNvPr id="1" name=""/>
@@ -2746,13 +4200,7 @@
       </p:grpSpPr>
       <p:sp>
         <p:nvSpPr>
-          <p:cNvPr id="2" name="Titel 1">
-            <a:extLst>
-              <a:ext uri="{FF2B5EF4-FFF2-40B4-BE49-F238E27FC236}">
-                <a16:creationId xmlns:a16="http://schemas.microsoft.com/office/drawing/2014/main" id="{EB8C6810-26D5-41A4-943F-083C62C34A12}"/>
-              </a:ext>
-            </a:extLst>
-          </p:cNvPr>
+          <p:cNvPr id="2" name="Title 1"/>
           <p:cNvSpPr>
             <a:spLocks noGrp="1"/>
           </p:cNvSpPr>
@@ -2762,15 +4210,21 @@
         </p:nvSpPr>
         <p:spPr>
           <a:xfrm>
-            <a:off x="1524000" y="1122363"/>
-            <a:ext cx="9144000" cy="2387600"/>
+            <a:off x="1915128" y="1788454"/>
+            <a:ext cx="8361229" cy="2098226"/>
           </a:xfrm>
         </p:spPr>
         <p:txBody>
-          <a:bodyPr anchor="b"/>
+          <a:bodyPr anchor="b">
+            <a:noAutofit/>
+          </a:bodyPr>
           <a:lstStyle>
             <a:lvl1pPr algn="ctr">
-              <a:defRPr sz="6000"/>
+              <a:defRPr sz="7200" cap="all" baseline="0">
+                <a:solidFill>
+                  <a:schemeClr val="tx2"/>
+                </a:solidFill>
+              </a:defRPr>
             </a:lvl1pPr>
           </a:lstStyle>
           <a:p>
@@ -2778,18 +4232,13 @@
               <a:rPr lang="de-DE"/>
               <a:t>Mastertitelformat bearbeiten</a:t>
             </a:r>
+            <a:endParaRPr lang="en-US" dirty="0"/>
           </a:p>
         </p:txBody>
       </p:sp>
       <p:sp>
         <p:nvSpPr>
-          <p:cNvPr id="3" name="Untertitel 2">
-            <a:extLst>
-              <a:ext uri="{FF2B5EF4-FFF2-40B4-BE49-F238E27FC236}">
-                <a16:creationId xmlns:a16="http://schemas.microsoft.com/office/drawing/2014/main" id="{71446B25-1C8D-4798-90BB-EE9DDA848458}"/>
-              </a:ext>
-            </a:extLst>
-          </p:cNvPr>
+          <p:cNvPr id="3" name="Subtitle 2"/>
           <p:cNvSpPr>
             <a:spLocks noGrp="1"/>
           </p:cNvSpPr>
@@ -2799,16 +4248,27 @@
         </p:nvSpPr>
         <p:spPr>
           <a:xfrm>
-            <a:off x="1524000" y="3602038"/>
-            <a:ext cx="9144000" cy="1655762"/>
+            <a:off x="2679906" y="3956279"/>
+            <a:ext cx="6831673" cy="1086237"/>
           </a:xfrm>
         </p:spPr>
         <p:txBody>
-          <a:bodyPr/>
+          <a:bodyPr>
+            <a:normAutofit/>
+          </a:bodyPr>
           <a:lstStyle>
             <a:lvl1pPr marL="0" indent="0" algn="ctr">
+              <a:lnSpc>
+                <a:spcPct val="112000"/>
+              </a:lnSpc>
+              <a:spcBef>
+                <a:spcPts val="0"/>
+              </a:spcBef>
+              <a:spcAft>
+                <a:spcPts val="0"/>
+              </a:spcAft>
               <a:buNone/>
-              <a:defRPr sz="2400"/>
+              <a:defRPr sz="2300"/>
             </a:lvl1pPr>
             <a:lvl2pPr marL="457200" indent="0" algn="ctr">
               <a:buNone/>
@@ -2848,18 +4308,13 @@
               <a:rPr lang="de-DE"/>
               <a:t>Master-Untertitelformat bearbeiten</a:t>
             </a:r>
+            <a:endParaRPr lang="en-US" dirty="0"/>
           </a:p>
         </p:txBody>
       </p:sp>
       <p:sp>
         <p:nvSpPr>
-          <p:cNvPr id="4" name="Datumsplatzhalter 3">
-            <a:extLst>
-              <a:ext uri="{FF2B5EF4-FFF2-40B4-BE49-F238E27FC236}">
-                <a16:creationId xmlns:a16="http://schemas.microsoft.com/office/drawing/2014/main" id="{EC0DDF10-8216-4C49-9002-2FC6DB9FA5EC}"/>
-              </a:ext>
-            </a:extLst>
-          </p:cNvPr>
+          <p:cNvPr id="4" name="Date Placeholder 3"/>
           <p:cNvSpPr>
             <a:spLocks noGrp="1"/>
           </p:cNvSpPr>
@@ -2867,10 +4322,23 @@
             <p:ph type="dt" sz="half" idx="10"/>
           </p:nvPr>
         </p:nvSpPr>
-        <p:spPr/>
+        <p:spPr>
+          <a:xfrm>
+            <a:off x="752858" y="6453386"/>
+            <a:ext cx="1607944" cy="404614"/>
+          </a:xfrm>
+        </p:spPr>
         <p:txBody>
           <a:bodyPr/>
-          <a:lstStyle/>
+          <a:lstStyle>
+            <a:lvl1pPr>
+              <a:defRPr baseline="0">
+                <a:solidFill>
+                  <a:schemeClr val="tx2"/>
+                </a:solidFill>
+              </a:defRPr>
+            </a:lvl1pPr>
+          </a:lstStyle>
           <a:p>
             <a:fld id="{24BE881B-86F0-40F3-B037-CEF78111F2C0}" type="datetimeFigureOut">
               <a:rPr lang="de-DE" smtClean="0"/>
@@ -2882,13 +4350,7 @@
       </p:sp>
       <p:sp>
         <p:nvSpPr>
-          <p:cNvPr id="5" name="Fußzeilenplatzhalter 4">
-            <a:extLst>
-              <a:ext uri="{FF2B5EF4-FFF2-40B4-BE49-F238E27FC236}">
-                <a16:creationId xmlns:a16="http://schemas.microsoft.com/office/drawing/2014/main" id="{4B0BE13D-3AB5-4F27-9059-87CCAC5F4C58}"/>
-              </a:ext>
-            </a:extLst>
-          </p:cNvPr>
+          <p:cNvPr id="5" name="Footer Placeholder 4"/>
           <p:cNvSpPr>
             <a:spLocks noGrp="1"/>
           </p:cNvSpPr>
@@ -2896,10 +4358,23 @@
             <p:ph type="ftr" sz="quarter" idx="11"/>
           </p:nvPr>
         </p:nvSpPr>
-        <p:spPr/>
+        <p:spPr>
+          <a:xfrm>
+            <a:off x="2584054" y="6453386"/>
+            <a:ext cx="7023377" cy="404614"/>
+          </a:xfrm>
+        </p:spPr>
         <p:txBody>
           <a:bodyPr/>
-          <a:lstStyle/>
+          <a:lstStyle>
+            <a:lvl1pPr algn="ctr">
+              <a:defRPr baseline="0">
+                <a:solidFill>
+                  <a:schemeClr val="tx2"/>
+                </a:solidFill>
+              </a:defRPr>
+            </a:lvl1pPr>
+          </a:lstStyle>
           <a:p>
             <a:endParaRPr lang="de-DE"/>
           </a:p>
@@ -2907,13 +4382,7 @@
       </p:sp>
       <p:sp>
         <p:nvSpPr>
-          <p:cNvPr id="6" name="Foliennummernplatzhalter 5">
-            <a:extLst>
-              <a:ext uri="{FF2B5EF4-FFF2-40B4-BE49-F238E27FC236}">
-                <a16:creationId xmlns:a16="http://schemas.microsoft.com/office/drawing/2014/main" id="{925CACE7-FDF0-4FB9-8096-22872FC2C2EB}"/>
-              </a:ext>
-            </a:extLst>
-          </p:cNvPr>
+          <p:cNvPr id="6" name="Slide Number Placeholder 5"/>
           <p:cNvSpPr>
             <a:spLocks noGrp="1"/>
           </p:cNvSpPr>
@@ -2921,10 +4390,23 @@
             <p:ph type="sldNum" sz="quarter" idx="12"/>
           </p:nvPr>
         </p:nvSpPr>
-        <p:spPr/>
+        <p:spPr>
+          <a:xfrm>
+            <a:off x="9830683" y="6453386"/>
+            <a:ext cx="1596292" cy="404614"/>
+          </a:xfrm>
+        </p:spPr>
         <p:txBody>
           <a:bodyPr/>
-          <a:lstStyle/>
+          <a:lstStyle>
+            <a:lvl1pPr>
+              <a:defRPr baseline="0">
+                <a:solidFill>
+                  <a:schemeClr val="tx2"/>
+                </a:solidFill>
+              </a:defRPr>
+            </a:lvl1pPr>
+          </a:lstStyle>
           <a:p>
             <a:fld id="{93E1662D-DE1C-40C2-A906-F6B0E04132E1}" type="slidenum">
               <a:rPr lang="de-DE" smtClean="0"/>
@@ -2934,15 +4416,144 @@
           </a:p>
         </p:txBody>
       </p:sp>
+      <p:grpSp>
+        <p:nvGrpSpPr>
+          <p:cNvPr id="7" name="Group 6"/>
+          <p:cNvGrpSpPr/>
+          <p:nvPr/>
+        </p:nvGrpSpPr>
+        <p:grpSpPr>
+          <a:xfrm>
+            <a:off x="752858" y="744469"/>
+            <a:ext cx="10674117" cy="5349671"/>
+            <a:chOff x="752858" y="744469"/>
+            <a:chExt cx="10674117" cy="5349671"/>
+          </a:xfrm>
+        </p:grpSpPr>
+        <p:sp>
+          <p:nvSpPr>
+            <p:cNvPr id="11" name="Freeform 6"/>
+            <p:cNvSpPr/>
+            <p:nvPr/>
+          </p:nvSpPr>
+          <p:spPr bwMode="auto">
+            <a:xfrm>
+              <a:off x="8151962" y="1685652"/>
+              <a:ext cx="3275013" cy="4408488"/>
+            </a:xfrm>
+            <a:custGeom>
+              <a:avLst/>
+              <a:gdLst/>
+              <a:ahLst/>
+              <a:cxnLst/>
+              <a:rect l="l" t="t" r="r" b="b"/>
+              <a:pathLst>
+                <a:path w="10000" h="10000">
+                  <a:moveTo>
+                    <a:pt x="8761" y="0"/>
+                  </a:moveTo>
+                  <a:lnTo>
+                    <a:pt x="10000" y="0"/>
+                  </a:lnTo>
+                  <a:lnTo>
+                    <a:pt x="10000" y="10000"/>
+                  </a:lnTo>
+                  <a:lnTo>
+                    <a:pt x="0" y="10000"/>
+                  </a:lnTo>
+                  <a:lnTo>
+                    <a:pt x="0" y="9126"/>
+                  </a:lnTo>
+                  <a:lnTo>
+                    <a:pt x="8761" y="9127"/>
+                  </a:lnTo>
+                  <a:lnTo>
+                    <a:pt x="8761" y="0"/>
+                  </a:lnTo>
+                  <a:close/>
+                </a:path>
+              </a:pathLst>
+            </a:custGeom>
+            <a:solidFill>
+              <a:schemeClr val="tx2"/>
+            </a:solidFill>
+            <a:ln w="0">
+              <a:noFill/>
+              <a:prstDash val="solid"/>
+              <a:round/>
+              <a:headEnd/>
+              <a:tailEnd/>
+            </a:ln>
+          </p:spPr>
+        </p:sp>
+        <p:sp>
+          <p:nvSpPr>
+            <p:cNvPr id="14" name="Freeform 6"/>
+            <p:cNvSpPr/>
+            <p:nvPr/>
+          </p:nvSpPr>
+          <p:spPr bwMode="auto">
+            <a:xfrm flipH="1" flipV="1">
+              <a:off x="752858" y="744469"/>
+              <a:ext cx="3275668" cy="4408488"/>
+            </a:xfrm>
+            <a:custGeom>
+              <a:avLst/>
+              <a:gdLst/>
+              <a:ahLst/>
+              <a:cxnLst/>
+              <a:rect l="l" t="t" r="r" b="b"/>
+              <a:pathLst>
+                <a:path w="10002" h="10000">
+                  <a:moveTo>
+                    <a:pt x="8763" y="0"/>
+                  </a:moveTo>
+                  <a:lnTo>
+                    <a:pt x="10002" y="0"/>
+                  </a:lnTo>
+                  <a:lnTo>
+                    <a:pt x="10002" y="10000"/>
+                  </a:lnTo>
+                  <a:lnTo>
+                    <a:pt x="2" y="10000"/>
+                  </a:lnTo>
+                  <a:cubicBezTo>
+                    <a:pt x="-2" y="9698"/>
+                    <a:pt x="4" y="9427"/>
+                    <a:pt x="0" y="9125"/>
+                  </a:cubicBezTo>
+                  <a:lnTo>
+                    <a:pt x="8763" y="9128"/>
+                  </a:lnTo>
+                  <a:lnTo>
+                    <a:pt x="8763" y="0"/>
+                  </a:lnTo>
+                  <a:close/>
+                </a:path>
+              </a:pathLst>
+            </a:custGeom>
+            <a:solidFill>
+              <a:schemeClr val="tx2"/>
+            </a:solidFill>
+            <a:ln w="0">
+              <a:noFill/>
+              <a:prstDash val="solid"/>
+              <a:round/>
+              <a:headEnd/>
+              <a:tailEnd/>
+            </a:ln>
+          </p:spPr>
+        </p:sp>
+      </p:grpSp>
     </p:spTree>
     <p:extLst>
       <p:ext uri="{BB962C8B-B14F-4D97-AF65-F5344CB8AC3E}">
-        <p14:creationId xmlns:p14="http://schemas.microsoft.com/office/powerpoint/2010/main" val="2199798826"/>
+        <p14:creationId xmlns:p14="http://schemas.microsoft.com/office/powerpoint/2010/main" val="707071094"/>
       </p:ext>
     </p:extLst>
   </p:cSld>
   <p:clrMapOvr>
-    <a:masterClrMapping/>
+    <a:overrideClrMapping bg1="lt1" tx1="dk1" bg2="lt2" tx2="dk2" accent1="accent1" accent2="accent2" accent3="accent3" accent4="accent4" accent5="accent5" accent6="accent6" hlink="hlink" folHlink="folHlink"/>
   </p:clrMapOvr>
 </p:sldLayout>
 </file>
@@ -2966,13 +4577,7 @@
       </p:grpSpPr>
       <p:sp>
         <p:nvSpPr>
-          <p:cNvPr id="2" name="Titel 1">
-            <a:extLst>
-              <a:ext uri="{FF2B5EF4-FFF2-40B4-BE49-F238E27FC236}">
-                <a16:creationId xmlns:a16="http://schemas.microsoft.com/office/drawing/2014/main" id="{0840CC17-54E7-4F4A-9DB9-5168E9BD86D4}"/>
-              </a:ext>
-            </a:extLst>
-          </p:cNvPr>
+          <p:cNvPr id="2" name="Title 1"/>
           <p:cNvSpPr>
             <a:spLocks noGrp="1"/>
           </p:cNvSpPr>
@@ -2989,18 +4594,13 @@
               <a:rPr lang="de-DE"/>
               <a:t>Mastertitelformat bearbeiten</a:t>
             </a:r>
+            <a:endParaRPr lang="en-US" dirty="0"/>
           </a:p>
         </p:txBody>
       </p:sp>
       <p:sp>
         <p:nvSpPr>
-          <p:cNvPr id="3" name="Vertikaler Textplatzhalter 2">
-            <a:extLst>
-              <a:ext uri="{FF2B5EF4-FFF2-40B4-BE49-F238E27FC236}">
-                <a16:creationId xmlns:a16="http://schemas.microsoft.com/office/drawing/2014/main" id="{A41A39CB-F72D-4A95-884B-81BC0DDC73D1}"/>
-              </a:ext>
-            </a:extLst>
-          </p:cNvPr>
+          <p:cNvPr id="3" name="Vertical Text Placeholder 2"/>
           <p:cNvSpPr>
             <a:spLocks noGrp="1"/>
           </p:cNvSpPr>
@@ -3008,7 +4608,12 @@
             <p:ph type="body" orient="vert" idx="1"/>
           </p:nvPr>
         </p:nvSpPr>
-        <p:spPr/>
+        <p:spPr>
+          <a:xfrm>
+            <a:off x="1371600" y="2295525"/>
+            <a:ext cx="9601200" cy="3571875"/>
+          </a:xfrm>
+        </p:spPr>
         <p:txBody>
           <a:bodyPr vert="eaVert"/>
           <a:lstStyle/>
@@ -3046,18 +4651,13 @@
               <a:rPr lang="de-DE"/>
               <a:t>Fünfte Ebene</a:t>
             </a:r>
+            <a:endParaRPr lang="en-US" dirty="0"/>
           </a:p>
         </p:txBody>
       </p:sp>
       <p:sp>
         <p:nvSpPr>
-          <p:cNvPr id="4" name="Datumsplatzhalter 3">
-            <a:extLst>
-              <a:ext uri="{FF2B5EF4-FFF2-40B4-BE49-F238E27FC236}">
-                <a16:creationId xmlns:a16="http://schemas.microsoft.com/office/drawing/2014/main" id="{0775E943-A698-4FFF-8090-567FD6055E75}"/>
-              </a:ext>
-            </a:extLst>
-          </p:cNvPr>
+          <p:cNvPr id="4" name="Date Placeholder 3"/>
           <p:cNvSpPr>
             <a:spLocks noGrp="1"/>
           </p:cNvSpPr>
@@ -3080,13 +4680,7 @@
       </p:sp>
       <p:sp>
         <p:nvSpPr>
-          <p:cNvPr id="5" name="Fußzeilenplatzhalter 4">
-            <a:extLst>
-              <a:ext uri="{FF2B5EF4-FFF2-40B4-BE49-F238E27FC236}">
-                <a16:creationId xmlns:a16="http://schemas.microsoft.com/office/drawing/2014/main" id="{AEF6F4CB-03F4-4709-BBF4-A68665149882}"/>
-              </a:ext>
-            </a:extLst>
-          </p:cNvPr>
+          <p:cNvPr id="5" name="Footer Placeholder 4"/>
           <p:cNvSpPr>
             <a:spLocks noGrp="1"/>
           </p:cNvSpPr>
@@ -3105,13 +4699,7 @@
       </p:sp>
       <p:sp>
         <p:nvSpPr>
-          <p:cNvPr id="6" name="Foliennummernplatzhalter 5">
-            <a:extLst>
-              <a:ext uri="{FF2B5EF4-FFF2-40B4-BE49-F238E27FC236}">
-                <a16:creationId xmlns:a16="http://schemas.microsoft.com/office/drawing/2014/main" id="{CA20FD28-02EA-4D24-8635-DAA225386E3F}"/>
-              </a:ext>
-            </a:extLst>
-          </p:cNvPr>
+          <p:cNvPr id="6" name="Slide Number Placeholder 5"/>
           <p:cNvSpPr>
             <a:spLocks noGrp="1"/>
           </p:cNvSpPr>
@@ -3135,7 +4723,7 @@
     </p:spTree>
     <p:extLst>
       <p:ext uri="{BB962C8B-B14F-4D97-AF65-F5344CB8AC3E}">
-        <p14:creationId xmlns:p14="http://schemas.microsoft.com/office/powerpoint/2010/main" val="2004186459"/>
+        <p14:creationId xmlns:p14="http://schemas.microsoft.com/office/powerpoint/2010/main" val="2445557666"/>
       </p:ext>
     </p:extLst>
   </p:cSld>
@@ -3164,13 +4752,7 @@
       </p:grpSpPr>
       <p:sp>
         <p:nvSpPr>
-          <p:cNvPr id="2" name="Vertikaler Titel 1">
-            <a:extLst>
-              <a:ext uri="{FF2B5EF4-FFF2-40B4-BE49-F238E27FC236}">
-                <a16:creationId xmlns:a16="http://schemas.microsoft.com/office/drawing/2014/main" id="{EA753AA1-DE1C-4EC6-A6A2-FF42ED1F979D}"/>
-              </a:ext>
-            </a:extLst>
-          </p:cNvPr>
+          <p:cNvPr id="2" name="Vertical Title 1"/>
           <p:cNvSpPr>
             <a:spLocks noGrp="1"/>
           </p:cNvSpPr>
@@ -3180,8 +4762,8 @@
         </p:nvSpPr>
         <p:spPr>
           <a:xfrm>
-            <a:off x="8724900" y="365125"/>
-            <a:ext cx="2628900" cy="5811838"/>
+            <a:off x="9596561" y="624156"/>
+            <a:ext cx="1565766" cy="5243244"/>
           </a:xfrm>
         </p:spPr>
         <p:txBody>
@@ -3192,18 +4774,13 @@
               <a:rPr lang="de-DE"/>
               <a:t>Mastertitelformat bearbeiten</a:t>
             </a:r>
+            <a:endParaRPr lang="en-US" dirty="0"/>
           </a:p>
         </p:txBody>
       </p:sp>
       <p:sp>
         <p:nvSpPr>
-          <p:cNvPr id="3" name="Vertikaler Textplatzhalter 2">
-            <a:extLst>
-              <a:ext uri="{FF2B5EF4-FFF2-40B4-BE49-F238E27FC236}">
-                <a16:creationId xmlns:a16="http://schemas.microsoft.com/office/drawing/2014/main" id="{BC211D07-172A-4B35-BF9B-47EF1EEAB92F}"/>
-              </a:ext>
-            </a:extLst>
-          </p:cNvPr>
+          <p:cNvPr id="3" name="Vertical Text Placeholder 2"/>
           <p:cNvSpPr>
             <a:spLocks noGrp="1"/>
           </p:cNvSpPr>
@@ -3213,8 +4790,8 @@
         </p:nvSpPr>
         <p:spPr>
           <a:xfrm>
-            <a:off x="838200" y="365125"/>
-            <a:ext cx="7734300" cy="5811838"/>
+            <a:off x="1371600" y="624156"/>
+            <a:ext cx="8179641" cy="5243244"/>
           </a:xfrm>
         </p:spPr>
         <p:txBody>
@@ -3254,18 +4831,13 @@
               <a:rPr lang="de-DE"/>
               <a:t>Fünfte Ebene</a:t>
             </a:r>
+            <a:endParaRPr lang="en-US" dirty="0"/>
           </a:p>
         </p:txBody>
       </p:sp>
       <p:sp>
         <p:nvSpPr>
-          <p:cNvPr id="4" name="Datumsplatzhalter 3">
-            <a:extLst>
-              <a:ext uri="{FF2B5EF4-FFF2-40B4-BE49-F238E27FC236}">
-                <a16:creationId xmlns:a16="http://schemas.microsoft.com/office/drawing/2014/main" id="{E3709717-977E-495B-AA18-60E9093A3503}"/>
-              </a:ext>
-            </a:extLst>
-          </p:cNvPr>
+          <p:cNvPr id="4" name="Date Placeholder 3"/>
           <p:cNvSpPr>
             <a:spLocks noGrp="1"/>
           </p:cNvSpPr>
@@ -3288,13 +4860,7 @@
       </p:sp>
       <p:sp>
         <p:nvSpPr>
-          <p:cNvPr id="5" name="Fußzeilenplatzhalter 4">
-            <a:extLst>
-              <a:ext uri="{FF2B5EF4-FFF2-40B4-BE49-F238E27FC236}">
-                <a16:creationId xmlns:a16="http://schemas.microsoft.com/office/drawing/2014/main" id="{B4DD53F4-290B-403E-A59C-9E14901F6EA0}"/>
-              </a:ext>
-            </a:extLst>
-          </p:cNvPr>
+          <p:cNvPr id="5" name="Footer Placeholder 4"/>
           <p:cNvSpPr>
             <a:spLocks noGrp="1"/>
           </p:cNvSpPr>
@@ -3313,13 +4879,7 @@
       </p:sp>
       <p:sp>
         <p:nvSpPr>
-          <p:cNvPr id="6" name="Foliennummernplatzhalter 5">
-            <a:extLst>
-              <a:ext uri="{FF2B5EF4-FFF2-40B4-BE49-F238E27FC236}">
-                <a16:creationId xmlns:a16="http://schemas.microsoft.com/office/drawing/2014/main" id="{CC9F60D7-7E2B-4ACE-9579-354D022F6C0E}"/>
-              </a:ext>
-            </a:extLst>
-          </p:cNvPr>
+          <p:cNvPr id="6" name="Slide Number Placeholder 5"/>
           <p:cNvSpPr>
             <a:spLocks noGrp="1"/>
           </p:cNvSpPr>
@@ -3343,7 +4903,7 @@
     </p:spTree>
     <p:extLst>
       <p:ext uri="{BB962C8B-B14F-4D97-AF65-F5344CB8AC3E}">
-        <p14:creationId xmlns:p14="http://schemas.microsoft.com/office/powerpoint/2010/main" val="1340025145"/>
+        <p14:creationId xmlns:p14="http://schemas.microsoft.com/office/powerpoint/2010/main" val="1584182673"/>
       </p:ext>
     </p:extLst>
   </p:cSld>
@@ -3372,13 +4932,7 @@
       </p:grpSpPr>
       <p:sp>
         <p:nvSpPr>
-          <p:cNvPr id="2" name="Titel 1">
-            <a:extLst>
-              <a:ext uri="{FF2B5EF4-FFF2-40B4-BE49-F238E27FC236}">
-                <a16:creationId xmlns:a16="http://schemas.microsoft.com/office/drawing/2014/main" id="{7EF43A75-49BB-42DC-963E-7D3184BEF67F}"/>
-              </a:ext>
-            </a:extLst>
-          </p:cNvPr>
+          <p:cNvPr id="2" name="Title 1"/>
           <p:cNvSpPr>
             <a:spLocks noGrp="1"/>
           </p:cNvSpPr>
@@ -3395,18 +4949,13 @@
               <a:rPr lang="de-DE"/>
               <a:t>Mastertitelformat bearbeiten</a:t>
             </a:r>
+            <a:endParaRPr lang="en-US" dirty="0"/>
           </a:p>
         </p:txBody>
       </p:sp>
       <p:sp>
         <p:nvSpPr>
-          <p:cNvPr id="3" name="Inhaltsplatzhalter 2">
-            <a:extLst>
-              <a:ext uri="{FF2B5EF4-FFF2-40B4-BE49-F238E27FC236}">
-                <a16:creationId xmlns:a16="http://schemas.microsoft.com/office/drawing/2014/main" id="{68C3CA0D-0ABC-4DBD-A11C-C4603A791989}"/>
-              </a:ext>
-            </a:extLst>
-          </p:cNvPr>
+          <p:cNvPr id="3" name="Content Placeholder 2"/>
           <p:cNvSpPr>
             <a:spLocks noGrp="1"/>
           </p:cNvSpPr>
@@ -3452,18 +5001,13 @@
               <a:rPr lang="de-DE"/>
               <a:t>Fünfte Ebene</a:t>
             </a:r>
+            <a:endParaRPr lang="en-US" dirty="0"/>
           </a:p>
         </p:txBody>
       </p:sp>
       <p:sp>
         <p:nvSpPr>
-          <p:cNvPr id="4" name="Datumsplatzhalter 3">
-            <a:extLst>
-              <a:ext uri="{FF2B5EF4-FFF2-40B4-BE49-F238E27FC236}">
-                <a16:creationId xmlns:a16="http://schemas.microsoft.com/office/drawing/2014/main" id="{B245813E-219B-4784-A60D-FC01478503E1}"/>
-              </a:ext>
-            </a:extLst>
-          </p:cNvPr>
+          <p:cNvPr id="4" name="Date Placeholder 3"/>
           <p:cNvSpPr>
             <a:spLocks noGrp="1"/>
           </p:cNvSpPr>
@@ -3486,13 +5030,7 @@
       </p:sp>
       <p:sp>
         <p:nvSpPr>
-          <p:cNvPr id="5" name="Fußzeilenplatzhalter 4">
-            <a:extLst>
-              <a:ext uri="{FF2B5EF4-FFF2-40B4-BE49-F238E27FC236}">
-                <a16:creationId xmlns:a16="http://schemas.microsoft.com/office/drawing/2014/main" id="{1B00652D-8B95-4C6B-9D1C-2733D61E73E0}"/>
-              </a:ext>
-            </a:extLst>
-          </p:cNvPr>
+          <p:cNvPr id="5" name="Footer Placeholder 4"/>
           <p:cNvSpPr>
             <a:spLocks noGrp="1"/>
           </p:cNvSpPr>
@@ -3511,13 +5049,7 @@
       </p:sp>
       <p:sp>
         <p:nvSpPr>
-          <p:cNvPr id="6" name="Foliennummernplatzhalter 5">
-            <a:extLst>
-              <a:ext uri="{FF2B5EF4-FFF2-40B4-BE49-F238E27FC236}">
-                <a16:creationId xmlns:a16="http://schemas.microsoft.com/office/drawing/2014/main" id="{B436035F-2417-4A3E-BE04-0C034480C0D0}"/>
-              </a:ext>
-            </a:extLst>
-          </p:cNvPr>
+          <p:cNvPr id="6" name="Slide Number Placeholder 5"/>
           <p:cNvSpPr>
             <a:spLocks noGrp="1"/>
           </p:cNvSpPr>
@@ -3541,7 +5073,7 @@
     </p:spTree>
     <p:extLst>
       <p:ext uri="{BB962C8B-B14F-4D97-AF65-F5344CB8AC3E}">
-        <p14:creationId xmlns:p14="http://schemas.microsoft.com/office/powerpoint/2010/main" val="3164078822"/>
+        <p14:creationId xmlns:p14="http://schemas.microsoft.com/office/powerpoint/2010/main" val="381729857"/>
       </p:ext>
     </p:extLst>
   </p:cSld>
@@ -3552,8 +5084,13 @@
 </file>
 
 <file path=ppt/slideLayouts/slideLayout3.xml><?xml version="1.0" encoding="utf-8"?>
-<p:sldLayout xmlns:a="http://schemas.openxmlformats.org/drawingml/2006/main" xmlns:r="http://schemas.openxmlformats.org/officeDocument/2006/relationships" xmlns:p="http://schemas.openxmlformats.org/presentationml/2006/main" type="secHead" preserve="1">
+<p:sldLayout xmlns:a="http://schemas.openxmlformats.org/drawingml/2006/main" xmlns:r="http://schemas.openxmlformats.org/officeDocument/2006/relationships" xmlns:p="http://schemas.openxmlformats.org/presentationml/2006/main" showMasterSp="0" type="secHead" preserve="1">
   <p:cSld name="Abschnitts-&#10;überschrift">
+    <p:bg>
+      <p:bgRef idx="1001">
+        <a:schemeClr val="bg2"/>
+      </p:bgRef>
+    </p:bg>
     <p:spTree>
       <p:nvGrpSpPr>
         <p:cNvPr id="1" name=""/>
@@ -3570,13 +5107,7 @@
       </p:grpSpPr>
       <p:sp>
         <p:nvSpPr>
-          <p:cNvPr id="2" name="Titel 1">
-            <a:extLst>
-              <a:ext uri="{FF2B5EF4-FFF2-40B4-BE49-F238E27FC236}">
-                <a16:creationId xmlns:a16="http://schemas.microsoft.com/office/drawing/2014/main" id="{3CD1B4CD-0D1F-4948-B18E-82766D270D55}"/>
-              </a:ext>
-            </a:extLst>
-          </p:cNvPr>
+          <p:cNvPr id="2" name="Title 1"/>
           <p:cNvSpPr>
             <a:spLocks noGrp="1"/>
           </p:cNvSpPr>
@@ -3586,15 +5117,21 @@
         </p:nvSpPr>
         <p:spPr>
           <a:xfrm>
-            <a:off x="831850" y="1709738"/>
-            <a:ext cx="10515600" cy="2852737"/>
+            <a:off x="765025" y="1301360"/>
+            <a:ext cx="9612971" cy="2852737"/>
           </a:xfrm>
         </p:spPr>
         <p:txBody>
-          <a:bodyPr anchor="b"/>
+          <a:bodyPr anchor="b">
+            <a:normAutofit/>
+          </a:bodyPr>
           <a:lstStyle>
-            <a:lvl1pPr>
-              <a:defRPr sz="6000"/>
+            <a:lvl1pPr algn="r">
+              <a:defRPr sz="7200" cap="all" baseline="0">
+                <a:solidFill>
+                  <a:schemeClr val="tx2"/>
+                </a:solidFill>
+              </a:defRPr>
             </a:lvl1pPr>
           </a:lstStyle>
           <a:p>
@@ -3602,18 +5139,13 @@
               <a:rPr lang="de-DE"/>
               <a:t>Mastertitelformat bearbeiten</a:t>
             </a:r>
+            <a:endParaRPr lang="en-US" dirty="0"/>
           </a:p>
         </p:txBody>
       </p:sp>
       <p:sp>
         <p:nvSpPr>
-          <p:cNvPr id="3" name="Textplatzhalter 2">
-            <a:extLst>
-              <a:ext uri="{FF2B5EF4-FFF2-40B4-BE49-F238E27FC236}">
-                <a16:creationId xmlns:a16="http://schemas.microsoft.com/office/drawing/2014/main" id="{7A92D2ED-DABD-4538-9328-33CA0B0EA405}"/>
-              </a:ext>
-            </a:extLst>
-          </p:cNvPr>
+          <p:cNvPr id="3" name="Text Placeholder 2"/>
           <p:cNvSpPr>
             <a:spLocks noGrp="1"/>
           </p:cNvSpPr>
@@ -3623,20 +5155,27 @@
         </p:nvSpPr>
         <p:spPr>
           <a:xfrm>
-            <a:off x="831850" y="4589463"/>
-            <a:ext cx="10515600" cy="1500187"/>
+            <a:off x="765025" y="4216328"/>
+            <a:ext cx="9612971" cy="1143324"/>
           </a:xfrm>
         </p:spPr>
         <p:txBody>
           <a:bodyPr/>
           <a:lstStyle>
-            <a:lvl1pPr marL="0" indent="0">
+            <a:lvl1pPr marL="0" indent="0" algn="r">
+              <a:lnSpc>
+                <a:spcPct val="112000"/>
+              </a:lnSpc>
+              <a:spcBef>
+                <a:spcPts val="0"/>
+              </a:spcBef>
+              <a:spcAft>
+                <a:spcPts val="0"/>
+              </a:spcAft>
               <a:buNone/>
               <a:defRPr sz="2400">
                 <a:solidFill>
-                  <a:schemeClr val="tx1">
-                    <a:tint val="75000"/>
-                  </a:schemeClr>
+                  <a:schemeClr val="tx2"/>
                 </a:solidFill>
               </a:defRPr>
             </a:lvl1pPr>
@@ -3732,13 +5271,7 @@
       </p:sp>
       <p:sp>
         <p:nvSpPr>
-          <p:cNvPr id="4" name="Datumsplatzhalter 3">
-            <a:extLst>
-              <a:ext uri="{FF2B5EF4-FFF2-40B4-BE49-F238E27FC236}">
-                <a16:creationId xmlns:a16="http://schemas.microsoft.com/office/drawing/2014/main" id="{78903242-50C8-482C-B7AC-D8B227020084}"/>
-              </a:ext>
-            </a:extLst>
-          </p:cNvPr>
+          <p:cNvPr id="4" name="Date Placeholder 3"/>
           <p:cNvSpPr>
             <a:spLocks noGrp="1"/>
           </p:cNvSpPr>
@@ -3746,10 +5279,23 @@
             <p:ph type="dt" sz="half" idx="10"/>
           </p:nvPr>
         </p:nvSpPr>
-        <p:spPr/>
+        <p:spPr>
+          <a:xfrm>
+            <a:off x="738908" y="6453386"/>
+            <a:ext cx="1622409" cy="404614"/>
+          </a:xfrm>
+        </p:spPr>
         <p:txBody>
           <a:bodyPr/>
-          <a:lstStyle/>
+          <a:lstStyle>
+            <a:lvl1pPr>
+              <a:defRPr>
+                <a:solidFill>
+                  <a:schemeClr val="tx2"/>
+                </a:solidFill>
+              </a:defRPr>
+            </a:lvl1pPr>
+          </a:lstStyle>
           <a:p>
             <a:fld id="{24BE881B-86F0-40F3-B037-CEF78111F2C0}" type="datetimeFigureOut">
               <a:rPr lang="de-DE" smtClean="0"/>
@@ -3761,13 +5307,7 @@
       </p:sp>
       <p:sp>
         <p:nvSpPr>
-          <p:cNvPr id="5" name="Fußzeilenplatzhalter 4">
-            <a:extLst>
-              <a:ext uri="{FF2B5EF4-FFF2-40B4-BE49-F238E27FC236}">
-                <a16:creationId xmlns:a16="http://schemas.microsoft.com/office/drawing/2014/main" id="{1E04B88D-E0D6-4A38-9251-809E3B23D9F3}"/>
-              </a:ext>
-            </a:extLst>
-          </p:cNvPr>
+          <p:cNvPr id="5" name="Footer Placeholder 4"/>
           <p:cNvSpPr>
             <a:spLocks noGrp="1"/>
           </p:cNvSpPr>
@@ -3775,10 +5315,23 @@
             <p:ph type="ftr" sz="quarter" idx="11"/>
           </p:nvPr>
         </p:nvSpPr>
-        <p:spPr/>
+        <p:spPr>
+          <a:xfrm>
+            <a:off x="2584312" y="6453386"/>
+            <a:ext cx="7023377" cy="404614"/>
+          </a:xfrm>
+        </p:spPr>
         <p:txBody>
           <a:bodyPr/>
-          <a:lstStyle/>
+          <a:lstStyle>
+            <a:lvl1pPr algn="ctr">
+              <a:defRPr>
+                <a:solidFill>
+                  <a:schemeClr val="tx2"/>
+                </a:solidFill>
+              </a:defRPr>
+            </a:lvl1pPr>
+          </a:lstStyle>
           <a:p>
             <a:endParaRPr lang="de-DE"/>
           </a:p>
@@ -3786,13 +5339,7 @@
       </p:sp>
       <p:sp>
         <p:nvSpPr>
-          <p:cNvPr id="6" name="Foliennummernplatzhalter 5">
-            <a:extLst>
-              <a:ext uri="{FF2B5EF4-FFF2-40B4-BE49-F238E27FC236}">
-                <a16:creationId xmlns:a16="http://schemas.microsoft.com/office/drawing/2014/main" id="{1906D311-A788-4DA2-B2A8-C56ABBE31035}"/>
-              </a:ext>
-            </a:extLst>
-          </p:cNvPr>
+          <p:cNvPr id="6" name="Slide Number Placeholder 5"/>
           <p:cNvSpPr>
             <a:spLocks noGrp="1"/>
           </p:cNvSpPr>
@@ -3800,10 +5347,23 @@
             <p:ph type="sldNum" sz="quarter" idx="12"/>
           </p:nvPr>
         </p:nvSpPr>
-        <p:spPr/>
+        <p:spPr>
+          <a:xfrm>
+            <a:off x="9830683" y="6453386"/>
+            <a:ext cx="1596292" cy="404614"/>
+          </a:xfrm>
+        </p:spPr>
         <p:txBody>
           <a:bodyPr/>
-          <a:lstStyle/>
+          <a:lstStyle>
+            <a:lvl1pPr>
+              <a:defRPr>
+                <a:solidFill>
+                  <a:schemeClr val="tx2"/>
+                </a:solidFill>
+              </a:defRPr>
+            </a:lvl1pPr>
+          </a:lstStyle>
           <a:p>
             <a:fld id="{93E1662D-DE1C-40C2-A906-F6B0E04132E1}" type="slidenum">
               <a:rPr lang="de-DE" smtClean="0"/>
@@ -3813,15 +5373,71 @@
           </a:p>
         </p:txBody>
       </p:sp>
+      <p:sp>
+        <p:nvSpPr>
+          <p:cNvPr id="7" name="Freeform 6" title="Crop Mark"/>
+          <p:cNvSpPr/>
+          <p:nvPr/>
+        </p:nvSpPr>
+        <p:spPr bwMode="auto">
+          <a:xfrm>
+            <a:off x="8151962" y="1685652"/>
+            <a:ext cx="3275013" cy="4408488"/>
+          </a:xfrm>
+          <a:custGeom>
+            <a:avLst/>
+            <a:gdLst/>
+            <a:ahLst/>
+            <a:cxnLst/>
+            <a:rect l="0" t="0" r="r" b="b"/>
+            <a:pathLst>
+              <a:path w="4125" h="5554">
+                <a:moveTo>
+                  <a:pt x="3614" y="0"/>
+                </a:moveTo>
+                <a:lnTo>
+                  <a:pt x="4125" y="0"/>
+                </a:lnTo>
+                <a:lnTo>
+                  <a:pt x="4125" y="5554"/>
+                </a:lnTo>
+                <a:lnTo>
+                  <a:pt x="0" y="5554"/>
+                </a:lnTo>
+                <a:lnTo>
+                  <a:pt x="0" y="5074"/>
+                </a:lnTo>
+                <a:lnTo>
+                  <a:pt x="3614" y="5074"/>
+                </a:lnTo>
+                <a:lnTo>
+                  <a:pt x="3614" y="0"/>
+                </a:lnTo>
+                <a:close/>
+              </a:path>
+            </a:pathLst>
+          </a:custGeom>
+          <a:solidFill>
+            <a:schemeClr val="tx2"/>
+          </a:solidFill>
+          <a:ln w="0">
+            <a:noFill/>
+            <a:prstDash val="solid"/>
+            <a:round/>
+            <a:headEnd/>
+            <a:tailEnd/>
+          </a:ln>
+        </p:spPr>
+      </p:sp>
     </p:spTree>
     <p:extLst>
       <p:ext uri="{BB962C8B-B14F-4D97-AF65-F5344CB8AC3E}">
-        <p14:creationId xmlns:p14="http://schemas.microsoft.com/office/powerpoint/2010/main" val="2789590371"/>
+        <p14:creationId xmlns:p14="http://schemas.microsoft.com/office/powerpoint/2010/main" val="2532896980"/>
       </p:ext>
     </p:extLst>
   </p:cSld>
   <p:clrMapOvr>
-    <a:masterClrMapping/>
+    <a:overrideClrMapping bg1="dk1" tx1="lt1" bg2="dk2" tx2="lt2" accent1="accent1" accent2="accent2" accent3="accent3" accent4="accent4" accent5="accent5" accent6="accent6" hlink="hlink" folHlink="folHlink"/>
   </p:clrMapOvr>
 </p:sldLayout>
 </file>
@@ -3845,13 +5461,7 @@
       </p:grpSpPr>
       <p:sp>
         <p:nvSpPr>
-          <p:cNvPr id="2" name="Titel 1">
-            <a:extLst>
-              <a:ext uri="{FF2B5EF4-FFF2-40B4-BE49-F238E27FC236}">
-                <a16:creationId xmlns:a16="http://schemas.microsoft.com/office/drawing/2014/main" id="{424F1DF0-B067-44FD-A324-3600CD241218}"/>
-              </a:ext>
-            </a:extLst>
-          </p:cNvPr>
+          <p:cNvPr id="2" name="Title 1"/>
           <p:cNvSpPr>
             <a:spLocks noGrp="1"/>
           </p:cNvSpPr>
@@ -3862,24 +5472,27 @@
         <p:spPr/>
         <p:txBody>
           <a:bodyPr/>
-          <a:lstStyle/>
+          <a:lstStyle>
+            <a:lvl1pPr>
+              <a:defRPr>
+                <a:solidFill>
+                  <a:schemeClr val="tx2"/>
+                </a:solidFill>
+              </a:defRPr>
+            </a:lvl1pPr>
+          </a:lstStyle>
           <a:p>
             <a:r>
               <a:rPr lang="de-DE"/>
               <a:t>Mastertitelformat bearbeiten</a:t>
             </a:r>
+            <a:endParaRPr lang="en-US" dirty="0"/>
           </a:p>
         </p:txBody>
       </p:sp>
       <p:sp>
         <p:nvSpPr>
-          <p:cNvPr id="3" name="Inhaltsplatzhalter 2">
-            <a:extLst>
-              <a:ext uri="{FF2B5EF4-FFF2-40B4-BE49-F238E27FC236}">
-                <a16:creationId xmlns:a16="http://schemas.microsoft.com/office/drawing/2014/main" id="{ADB20FD0-3D50-4282-ACE0-60D3A9F4FA80}"/>
-              </a:ext>
-            </a:extLst>
-          </p:cNvPr>
+          <p:cNvPr id="3" name="Content Placeholder 2"/>
           <p:cNvSpPr>
             <a:spLocks noGrp="1"/>
           </p:cNvSpPr>
@@ -3889,13 +5502,49 @@
         </p:nvSpPr>
         <p:spPr>
           <a:xfrm>
-            <a:off x="838200" y="1825625"/>
-            <a:ext cx="5181600" cy="4351338"/>
+            <a:off x="1371600" y="2285999"/>
+            <a:ext cx="4447786" cy="3581401"/>
           </a:xfrm>
         </p:spPr>
         <p:txBody>
           <a:bodyPr/>
-          <a:lstStyle/>
+          <a:lstStyle>
+            <a:lvl1pPr>
+              <a:defRPr baseline="0">
+                <a:solidFill>
+                  <a:schemeClr val="tx2"/>
+                </a:solidFill>
+              </a:defRPr>
+            </a:lvl1pPr>
+            <a:lvl2pPr>
+              <a:defRPr baseline="0">
+                <a:solidFill>
+                  <a:schemeClr val="tx2"/>
+                </a:solidFill>
+              </a:defRPr>
+            </a:lvl2pPr>
+            <a:lvl3pPr>
+              <a:defRPr baseline="0">
+                <a:solidFill>
+                  <a:schemeClr val="tx2"/>
+                </a:solidFill>
+              </a:defRPr>
+            </a:lvl3pPr>
+            <a:lvl4pPr>
+              <a:defRPr baseline="0">
+                <a:solidFill>
+                  <a:schemeClr val="tx2"/>
+                </a:solidFill>
+              </a:defRPr>
+            </a:lvl4pPr>
+            <a:lvl5pPr>
+              <a:defRPr baseline="0">
+                <a:solidFill>
+                  <a:schemeClr val="tx2"/>
+                </a:solidFill>
+              </a:defRPr>
+            </a:lvl5pPr>
+          </a:lstStyle>
           <a:p>
             <a:pPr lvl="0"/>
             <a:r>
@@ -3930,18 +5579,13 @@
               <a:rPr lang="de-DE"/>
               <a:t>Fünfte Ebene</a:t>
             </a:r>
+            <a:endParaRPr lang="en-US" dirty="0"/>
           </a:p>
         </p:txBody>
       </p:sp>
       <p:sp>
         <p:nvSpPr>
-          <p:cNvPr id="4" name="Inhaltsplatzhalter 3">
-            <a:extLst>
-              <a:ext uri="{FF2B5EF4-FFF2-40B4-BE49-F238E27FC236}">
-                <a16:creationId xmlns:a16="http://schemas.microsoft.com/office/drawing/2014/main" id="{B82E4669-4985-43C0-84EB-0E2310C0EF6C}"/>
-              </a:ext>
-            </a:extLst>
-          </p:cNvPr>
+          <p:cNvPr id="4" name="Content Placeholder 3"/>
           <p:cNvSpPr>
             <a:spLocks noGrp="1"/>
           </p:cNvSpPr>
@@ -3951,13 +5595,49 @@
         </p:nvSpPr>
         <p:spPr>
           <a:xfrm>
-            <a:off x="6172200" y="1825625"/>
-            <a:ext cx="5181600" cy="4351338"/>
+            <a:off x="6525403" y="2285999"/>
+            <a:ext cx="4447786" cy="3581401"/>
           </a:xfrm>
         </p:spPr>
         <p:txBody>
           <a:bodyPr/>
-          <a:lstStyle/>
+          <a:lstStyle>
+            <a:lvl1pPr>
+              <a:defRPr>
+                <a:solidFill>
+                  <a:schemeClr val="tx2"/>
+                </a:solidFill>
+              </a:defRPr>
+            </a:lvl1pPr>
+            <a:lvl2pPr>
+              <a:defRPr>
+                <a:solidFill>
+                  <a:schemeClr val="tx2"/>
+                </a:solidFill>
+              </a:defRPr>
+            </a:lvl2pPr>
+            <a:lvl3pPr>
+              <a:defRPr>
+                <a:solidFill>
+                  <a:schemeClr val="tx2"/>
+                </a:solidFill>
+              </a:defRPr>
+            </a:lvl3pPr>
+            <a:lvl4pPr>
+              <a:defRPr>
+                <a:solidFill>
+                  <a:schemeClr val="tx2"/>
+                </a:solidFill>
+              </a:defRPr>
+            </a:lvl4pPr>
+            <a:lvl5pPr>
+              <a:defRPr>
+                <a:solidFill>
+                  <a:schemeClr val="tx2"/>
+                </a:solidFill>
+              </a:defRPr>
+            </a:lvl5pPr>
+          </a:lstStyle>
           <a:p>
             <a:pPr lvl="0"/>
             <a:r>
@@ -3992,18 +5672,13 @@
               <a:rPr lang="de-DE"/>
               <a:t>Fünfte Ebene</a:t>
             </a:r>
+            <a:endParaRPr lang="en-US" dirty="0"/>
           </a:p>
         </p:txBody>
       </p:sp>
       <p:sp>
         <p:nvSpPr>
-          <p:cNvPr id="5" name="Datumsplatzhalter 4">
-            <a:extLst>
-              <a:ext uri="{FF2B5EF4-FFF2-40B4-BE49-F238E27FC236}">
-                <a16:creationId xmlns:a16="http://schemas.microsoft.com/office/drawing/2014/main" id="{ACF3BDAB-2C4B-45E0-BB7F-C0C8DC2D1E4A}"/>
-              </a:ext>
-            </a:extLst>
-          </p:cNvPr>
+          <p:cNvPr id="5" name="Date Placeholder 4"/>
           <p:cNvSpPr>
             <a:spLocks noGrp="1"/>
           </p:cNvSpPr>
@@ -4026,13 +5701,7 @@
       </p:sp>
       <p:sp>
         <p:nvSpPr>
-          <p:cNvPr id="6" name="Fußzeilenplatzhalter 5">
-            <a:extLst>
-              <a:ext uri="{FF2B5EF4-FFF2-40B4-BE49-F238E27FC236}">
-                <a16:creationId xmlns:a16="http://schemas.microsoft.com/office/drawing/2014/main" id="{931155CC-22E8-4ED5-BA88-634DC0955E05}"/>
-              </a:ext>
-            </a:extLst>
-          </p:cNvPr>
+          <p:cNvPr id="6" name="Footer Placeholder 5"/>
           <p:cNvSpPr>
             <a:spLocks noGrp="1"/>
           </p:cNvSpPr>
@@ -4051,13 +5720,7 @@
       </p:sp>
       <p:sp>
         <p:nvSpPr>
-          <p:cNvPr id="7" name="Foliennummernplatzhalter 6">
-            <a:extLst>
-              <a:ext uri="{FF2B5EF4-FFF2-40B4-BE49-F238E27FC236}">
-                <a16:creationId xmlns:a16="http://schemas.microsoft.com/office/drawing/2014/main" id="{FF5E4F05-401D-4DD5-B961-DDE0EA9F3125}"/>
-              </a:ext>
-            </a:extLst>
-          </p:cNvPr>
+          <p:cNvPr id="7" name="Slide Number Placeholder 6"/>
           <p:cNvSpPr>
             <a:spLocks noGrp="1"/>
           </p:cNvSpPr>
@@ -4081,7 +5744,7 @@
     </p:spTree>
     <p:extLst>
       <p:ext uri="{BB962C8B-B14F-4D97-AF65-F5344CB8AC3E}">
-        <p14:creationId xmlns:p14="http://schemas.microsoft.com/office/powerpoint/2010/main" val="1166144530"/>
+        <p14:creationId xmlns:p14="http://schemas.microsoft.com/office/powerpoint/2010/main" val="1147679268"/>
       </p:ext>
     </p:extLst>
   </p:cSld>
@@ -4110,13 +5773,7 @@
       </p:grpSpPr>
       <p:sp>
         <p:nvSpPr>
-          <p:cNvPr id="2" name="Titel 1">
-            <a:extLst>
-              <a:ext uri="{FF2B5EF4-FFF2-40B4-BE49-F238E27FC236}">
-                <a16:creationId xmlns:a16="http://schemas.microsoft.com/office/drawing/2014/main" id="{B6281A0D-40A9-497C-BA00-E53E824C849B}"/>
-              </a:ext>
-            </a:extLst>
-          </p:cNvPr>
+          <p:cNvPr id="2" name="Title 1"/>
           <p:cNvSpPr>
             <a:spLocks noGrp="1"/>
           </p:cNvSpPr>
@@ -4126,30 +5783,33 @@
         </p:nvSpPr>
         <p:spPr>
           <a:xfrm>
-            <a:off x="839788" y="365125"/>
-            <a:ext cx="10515600" cy="1325563"/>
+            <a:off x="1371600" y="685800"/>
+            <a:ext cx="9601200" cy="1485900"/>
           </a:xfrm>
         </p:spPr>
         <p:txBody>
           <a:bodyPr/>
-          <a:lstStyle/>
+          <a:lstStyle>
+            <a:lvl1pPr>
+              <a:defRPr>
+                <a:solidFill>
+                  <a:schemeClr val="tx2"/>
+                </a:solidFill>
+              </a:defRPr>
+            </a:lvl1pPr>
+          </a:lstStyle>
           <a:p>
             <a:r>
               <a:rPr lang="de-DE"/>
               <a:t>Mastertitelformat bearbeiten</a:t>
             </a:r>
+            <a:endParaRPr lang="en-US" dirty="0"/>
           </a:p>
         </p:txBody>
       </p:sp>
       <p:sp>
         <p:nvSpPr>
-          <p:cNvPr id="3" name="Textplatzhalter 2">
-            <a:extLst>
-              <a:ext uri="{FF2B5EF4-FFF2-40B4-BE49-F238E27FC236}">
-                <a16:creationId xmlns:a16="http://schemas.microsoft.com/office/drawing/2014/main" id="{5948B42D-57EC-40B5-975A-40C88BBF6CD7}"/>
-              </a:ext>
-            </a:extLst>
-          </p:cNvPr>
+          <p:cNvPr id="3" name="Text Placeholder 2"/>
           <p:cNvSpPr>
             <a:spLocks noGrp="1"/>
           </p:cNvSpPr>
@@ -4159,16 +5819,31 @@
         </p:nvSpPr>
         <p:spPr>
           <a:xfrm>
-            <a:off x="839788" y="1681163"/>
-            <a:ext cx="5157787" cy="823912"/>
+            <a:off x="1371600" y="2340864"/>
+            <a:ext cx="4443984" cy="823912"/>
           </a:xfrm>
         </p:spPr>
         <p:txBody>
-          <a:bodyPr anchor="b"/>
+          <a:bodyPr anchor="b">
+            <a:noAutofit/>
+          </a:bodyPr>
           <a:lstStyle>
             <a:lvl1pPr marL="0" indent="0">
+              <a:lnSpc>
+                <a:spcPct val="84000"/>
+              </a:lnSpc>
+              <a:spcBef>
+                <a:spcPts val="0"/>
+              </a:spcBef>
+              <a:spcAft>
+                <a:spcPts val="0"/>
+              </a:spcAft>
               <a:buNone/>
-              <a:defRPr sz="2400" b="1"/>
+              <a:defRPr sz="3000" b="0" baseline="0">
+                <a:solidFill>
+                  <a:schemeClr val="tx2"/>
+                </a:solidFill>
+              </a:defRPr>
             </a:lvl1pPr>
             <a:lvl2pPr marL="457200" indent="0">
               <a:buNone/>
@@ -4214,13 +5889,7 @@
       </p:sp>
       <p:sp>
         <p:nvSpPr>
-          <p:cNvPr id="4" name="Inhaltsplatzhalter 3">
-            <a:extLst>
-              <a:ext uri="{FF2B5EF4-FFF2-40B4-BE49-F238E27FC236}">
-                <a16:creationId xmlns:a16="http://schemas.microsoft.com/office/drawing/2014/main" id="{B490A1CA-2364-45E3-A3B1-E38B3F69CF27}"/>
-              </a:ext>
-            </a:extLst>
-          </p:cNvPr>
+          <p:cNvPr id="4" name="Content Placeholder 3"/>
           <p:cNvSpPr>
             <a:spLocks noGrp="1"/>
           </p:cNvSpPr>
@@ -4230,13 +5899,49 @@
         </p:nvSpPr>
         <p:spPr>
           <a:xfrm>
-            <a:off x="839788" y="2505075"/>
-            <a:ext cx="5157787" cy="3684588"/>
+            <a:off x="1371600" y="3305207"/>
+            <a:ext cx="4443984" cy="2562193"/>
           </a:xfrm>
         </p:spPr>
         <p:txBody>
           <a:bodyPr/>
-          <a:lstStyle/>
+          <a:lstStyle>
+            <a:lvl1pPr>
+              <a:defRPr baseline="0">
+                <a:solidFill>
+                  <a:schemeClr val="tx2"/>
+                </a:solidFill>
+              </a:defRPr>
+            </a:lvl1pPr>
+            <a:lvl2pPr>
+              <a:defRPr baseline="0">
+                <a:solidFill>
+                  <a:schemeClr val="tx2"/>
+                </a:solidFill>
+              </a:defRPr>
+            </a:lvl2pPr>
+            <a:lvl3pPr>
+              <a:defRPr baseline="0">
+                <a:solidFill>
+                  <a:schemeClr val="tx2"/>
+                </a:solidFill>
+              </a:defRPr>
+            </a:lvl3pPr>
+            <a:lvl4pPr>
+              <a:defRPr baseline="0">
+                <a:solidFill>
+                  <a:schemeClr val="tx2"/>
+                </a:solidFill>
+              </a:defRPr>
+            </a:lvl4pPr>
+            <a:lvl5pPr>
+              <a:defRPr baseline="0">
+                <a:solidFill>
+                  <a:schemeClr val="tx2"/>
+                </a:solidFill>
+              </a:defRPr>
+            </a:lvl5pPr>
+          </a:lstStyle>
           <a:p>
             <a:pPr lvl="0"/>
             <a:r>
@@ -4271,18 +5976,13 @@
               <a:rPr lang="de-DE"/>
               <a:t>Fünfte Ebene</a:t>
             </a:r>
+            <a:endParaRPr lang="en-US" dirty="0"/>
           </a:p>
         </p:txBody>
       </p:sp>
       <p:sp>
         <p:nvSpPr>
-          <p:cNvPr id="5" name="Textplatzhalter 4">
-            <a:extLst>
-              <a:ext uri="{FF2B5EF4-FFF2-40B4-BE49-F238E27FC236}">
-                <a16:creationId xmlns:a16="http://schemas.microsoft.com/office/drawing/2014/main" id="{45B01656-5631-4611-82DA-58374030D322}"/>
-              </a:ext>
-            </a:extLst>
-          </p:cNvPr>
+          <p:cNvPr id="5" name="Text Placeholder 4"/>
           <p:cNvSpPr>
             <a:spLocks noGrp="1"/>
           </p:cNvSpPr>
@@ -4292,16 +5992,31 @@
         </p:nvSpPr>
         <p:spPr>
           <a:xfrm>
-            <a:off x="6172200" y="1681163"/>
-            <a:ext cx="5183188" cy="823912"/>
+            <a:off x="6525014" y="2340864"/>
+            <a:ext cx="4443984" cy="823912"/>
           </a:xfrm>
         </p:spPr>
         <p:txBody>
-          <a:bodyPr anchor="b"/>
+          <a:bodyPr anchor="b">
+            <a:noAutofit/>
+          </a:bodyPr>
           <a:lstStyle>
             <a:lvl1pPr marL="0" indent="0">
+              <a:lnSpc>
+                <a:spcPct val="84000"/>
+              </a:lnSpc>
+              <a:spcBef>
+                <a:spcPts val="0"/>
+              </a:spcBef>
+              <a:spcAft>
+                <a:spcPts val="0"/>
+              </a:spcAft>
               <a:buNone/>
-              <a:defRPr sz="2400" b="1"/>
+              <a:defRPr sz="3000" b="0" baseline="0">
+                <a:solidFill>
+                  <a:schemeClr val="tx2"/>
+                </a:solidFill>
+              </a:defRPr>
             </a:lvl1pPr>
             <a:lvl2pPr marL="457200" indent="0">
               <a:buNone/>
@@ -4347,13 +6062,7 @@
       </p:sp>
       <p:sp>
         <p:nvSpPr>
-          <p:cNvPr id="6" name="Inhaltsplatzhalter 5">
-            <a:extLst>
-              <a:ext uri="{FF2B5EF4-FFF2-40B4-BE49-F238E27FC236}">
-                <a16:creationId xmlns:a16="http://schemas.microsoft.com/office/drawing/2014/main" id="{DEB1C629-E6A8-487C-B5B0-30E7F6623139}"/>
-              </a:ext>
-            </a:extLst>
-          </p:cNvPr>
+          <p:cNvPr id="6" name="Content Placeholder 5"/>
           <p:cNvSpPr>
             <a:spLocks noGrp="1"/>
           </p:cNvSpPr>
@@ -4363,13 +6072,49 @@
         </p:nvSpPr>
         <p:spPr>
           <a:xfrm>
-            <a:off x="6172200" y="2505075"/>
-            <a:ext cx="5183188" cy="3684588"/>
+            <a:off x="6525014" y="3305207"/>
+            <a:ext cx="4443984" cy="2562193"/>
           </a:xfrm>
         </p:spPr>
         <p:txBody>
           <a:bodyPr/>
-          <a:lstStyle/>
+          <a:lstStyle>
+            <a:lvl1pPr>
+              <a:defRPr baseline="0">
+                <a:solidFill>
+                  <a:schemeClr val="tx2"/>
+                </a:solidFill>
+              </a:defRPr>
+            </a:lvl1pPr>
+            <a:lvl2pPr>
+              <a:defRPr baseline="0">
+                <a:solidFill>
+                  <a:schemeClr val="tx2"/>
+                </a:solidFill>
+              </a:defRPr>
+            </a:lvl2pPr>
+            <a:lvl3pPr>
+              <a:defRPr baseline="0">
+                <a:solidFill>
+                  <a:schemeClr val="tx2"/>
+                </a:solidFill>
+              </a:defRPr>
+            </a:lvl3pPr>
+            <a:lvl4pPr>
+              <a:defRPr baseline="0">
+                <a:solidFill>
+                  <a:schemeClr val="tx2"/>
+                </a:solidFill>
+              </a:defRPr>
+            </a:lvl4pPr>
+            <a:lvl5pPr>
+              <a:defRPr baseline="0">
+                <a:solidFill>
+                  <a:schemeClr val="tx2"/>
+                </a:solidFill>
+              </a:defRPr>
+            </a:lvl5pPr>
+          </a:lstStyle>
           <a:p>
             <a:pPr lvl="0"/>
             <a:r>
@@ -4404,18 +6149,13 @@
               <a:rPr lang="de-DE"/>
               <a:t>Fünfte Ebene</a:t>
             </a:r>
+            <a:endParaRPr lang="en-US" dirty="0"/>
           </a:p>
         </p:txBody>
       </p:sp>
       <p:sp>
         <p:nvSpPr>
-          <p:cNvPr id="7" name="Datumsplatzhalter 6">
-            <a:extLst>
-              <a:ext uri="{FF2B5EF4-FFF2-40B4-BE49-F238E27FC236}">
-                <a16:creationId xmlns:a16="http://schemas.microsoft.com/office/drawing/2014/main" id="{414DE1EE-4C4A-48FB-9DCF-AED92D665FDC}"/>
-              </a:ext>
-            </a:extLst>
-          </p:cNvPr>
+          <p:cNvPr id="7" name="Date Placeholder 6"/>
           <p:cNvSpPr>
             <a:spLocks noGrp="1"/>
           </p:cNvSpPr>
@@ -4438,13 +6178,7 @@
       </p:sp>
       <p:sp>
         <p:nvSpPr>
-          <p:cNvPr id="8" name="Fußzeilenplatzhalter 7">
-            <a:extLst>
-              <a:ext uri="{FF2B5EF4-FFF2-40B4-BE49-F238E27FC236}">
-                <a16:creationId xmlns:a16="http://schemas.microsoft.com/office/drawing/2014/main" id="{80669B67-48DB-4B46-BE46-C274C8C7D939}"/>
-              </a:ext>
-            </a:extLst>
-          </p:cNvPr>
+          <p:cNvPr id="8" name="Footer Placeholder 7"/>
           <p:cNvSpPr>
             <a:spLocks noGrp="1"/>
           </p:cNvSpPr>
@@ -4463,13 +6197,7 @@
       </p:sp>
       <p:sp>
         <p:nvSpPr>
-          <p:cNvPr id="9" name="Foliennummernplatzhalter 8">
-            <a:extLst>
-              <a:ext uri="{FF2B5EF4-FFF2-40B4-BE49-F238E27FC236}">
-                <a16:creationId xmlns:a16="http://schemas.microsoft.com/office/drawing/2014/main" id="{9F8579F4-12BB-47A1-AF6B-5D6EC94E449C}"/>
-              </a:ext>
-            </a:extLst>
-          </p:cNvPr>
+          <p:cNvPr id="9" name="Slide Number Placeholder 8"/>
           <p:cNvSpPr>
             <a:spLocks noGrp="1"/>
           </p:cNvSpPr>
@@ -4493,7 +6221,7 @@
     </p:spTree>
     <p:extLst>
       <p:ext uri="{BB962C8B-B14F-4D97-AF65-F5344CB8AC3E}">
-        <p14:creationId xmlns:p14="http://schemas.microsoft.com/office/powerpoint/2010/main" val="1925379784"/>
+        <p14:creationId xmlns:p14="http://schemas.microsoft.com/office/powerpoint/2010/main" val="3756641603"/>
       </p:ext>
     </p:extLst>
   </p:cSld>
@@ -4522,13 +6250,7 @@
       </p:grpSpPr>
       <p:sp>
         <p:nvSpPr>
-          <p:cNvPr id="2" name="Titel 1">
-            <a:extLst>
-              <a:ext uri="{FF2B5EF4-FFF2-40B4-BE49-F238E27FC236}">
-                <a16:creationId xmlns:a16="http://schemas.microsoft.com/office/drawing/2014/main" id="{C5807CE6-C348-4215-8529-B46DD1114CBC}"/>
-              </a:ext>
-            </a:extLst>
-          </p:cNvPr>
+          <p:cNvPr id="2" name="Title 1"/>
           <p:cNvSpPr>
             <a:spLocks noGrp="1"/>
           </p:cNvSpPr>
@@ -4545,18 +6267,13 @@
               <a:rPr lang="de-DE"/>
               <a:t>Mastertitelformat bearbeiten</a:t>
             </a:r>
+            <a:endParaRPr lang="en-US" dirty="0"/>
           </a:p>
         </p:txBody>
       </p:sp>
       <p:sp>
         <p:nvSpPr>
-          <p:cNvPr id="3" name="Datumsplatzhalter 2">
-            <a:extLst>
-              <a:ext uri="{FF2B5EF4-FFF2-40B4-BE49-F238E27FC236}">
-                <a16:creationId xmlns:a16="http://schemas.microsoft.com/office/drawing/2014/main" id="{EDA506E2-4D6A-4037-A0AF-643597BCBEB1}"/>
-              </a:ext>
-            </a:extLst>
-          </p:cNvPr>
+          <p:cNvPr id="3" name="Date Placeholder 2"/>
           <p:cNvSpPr>
             <a:spLocks noGrp="1"/>
           </p:cNvSpPr>
@@ -4579,13 +6296,7 @@
       </p:sp>
       <p:sp>
         <p:nvSpPr>
-          <p:cNvPr id="4" name="Fußzeilenplatzhalter 3">
-            <a:extLst>
-              <a:ext uri="{FF2B5EF4-FFF2-40B4-BE49-F238E27FC236}">
-                <a16:creationId xmlns:a16="http://schemas.microsoft.com/office/drawing/2014/main" id="{D50EB220-55E7-4EDD-B321-7DE8BF8029A1}"/>
-              </a:ext>
-            </a:extLst>
-          </p:cNvPr>
+          <p:cNvPr id="4" name="Footer Placeholder 3"/>
           <p:cNvSpPr>
             <a:spLocks noGrp="1"/>
           </p:cNvSpPr>
@@ -4604,13 +6315,7 @@
       </p:sp>
       <p:sp>
         <p:nvSpPr>
-          <p:cNvPr id="5" name="Foliennummernplatzhalter 4">
-            <a:extLst>
-              <a:ext uri="{FF2B5EF4-FFF2-40B4-BE49-F238E27FC236}">
-                <a16:creationId xmlns:a16="http://schemas.microsoft.com/office/drawing/2014/main" id="{17B9C1A9-3C4D-478A-B7D5-F5F35C60E3A6}"/>
-              </a:ext>
-            </a:extLst>
-          </p:cNvPr>
+          <p:cNvPr id="5" name="Slide Number Placeholder 4"/>
           <p:cNvSpPr>
             <a:spLocks noGrp="1"/>
           </p:cNvSpPr>
@@ -4634,7 +6339,7 @@
     </p:spTree>
     <p:extLst>
       <p:ext uri="{BB962C8B-B14F-4D97-AF65-F5344CB8AC3E}">
-        <p14:creationId xmlns:p14="http://schemas.microsoft.com/office/powerpoint/2010/main" val="599653284"/>
+        <p14:creationId xmlns:p14="http://schemas.microsoft.com/office/powerpoint/2010/main" val="134631508"/>
       </p:ext>
     </p:extLst>
   </p:cSld>
@@ -4663,13 +6368,7 @@
       </p:grpSpPr>
       <p:sp>
         <p:nvSpPr>
-          <p:cNvPr id="2" name="Datumsplatzhalter 1">
-            <a:extLst>
-              <a:ext uri="{FF2B5EF4-FFF2-40B4-BE49-F238E27FC236}">
-                <a16:creationId xmlns:a16="http://schemas.microsoft.com/office/drawing/2014/main" id="{AB2369E6-07A1-416D-94D3-2C7E02307BB0}"/>
-              </a:ext>
-            </a:extLst>
-          </p:cNvPr>
+          <p:cNvPr id="2" name="Date Placeholder 1"/>
           <p:cNvSpPr>
             <a:spLocks noGrp="1"/>
           </p:cNvSpPr>
@@ -4692,13 +6391,7 @@
       </p:sp>
       <p:sp>
         <p:nvSpPr>
-          <p:cNvPr id="3" name="Fußzeilenplatzhalter 2">
-            <a:extLst>
-              <a:ext uri="{FF2B5EF4-FFF2-40B4-BE49-F238E27FC236}">
-                <a16:creationId xmlns:a16="http://schemas.microsoft.com/office/drawing/2014/main" id="{A73AC169-3BD4-48C4-902F-4F7259BFDAA8}"/>
-              </a:ext>
-            </a:extLst>
-          </p:cNvPr>
+          <p:cNvPr id="3" name="Footer Placeholder 2"/>
           <p:cNvSpPr>
             <a:spLocks noGrp="1"/>
           </p:cNvSpPr>
@@ -4717,13 +6410,7 @@
       </p:sp>
       <p:sp>
         <p:nvSpPr>
-          <p:cNvPr id="4" name="Foliennummernplatzhalter 3">
-            <a:extLst>
-              <a:ext uri="{FF2B5EF4-FFF2-40B4-BE49-F238E27FC236}">
-                <a16:creationId xmlns:a16="http://schemas.microsoft.com/office/drawing/2014/main" id="{A1FD8870-10D2-4039-98A3-24B1B4EB7888}"/>
-              </a:ext>
-            </a:extLst>
-          </p:cNvPr>
+          <p:cNvPr id="4" name="Slide Number Placeholder 3"/>
           <p:cNvSpPr>
             <a:spLocks noGrp="1"/>
           </p:cNvSpPr>
@@ -4747,7 +6434,7 @@
     </p:spTree>
     <p:extLst>
       <p:ext uri="{BB962C8B-B14F-4D97-AF65-F5344CB8AC3E}">
-        <p14:creationId xmlns:p14="http://schemas.microsoft.com/office/powerpoint/2010/main" val="3907388922"/>
+        <p14:creationId xmlns:p14="http://schemas.microsoft.com/office/powerpoint/2010/main" val="4071729485"/>
       </p:ext>
     </p:extLst>
   </p:cSld>
@@ -4758,7 +6445,7 @@
 </file>
 
 <file path=ppt/slideLayouts/slideLayout8.xml><?xml version="1.0" encoding="utf-8"?>
-<p:sldLayout xmlns:a="http://schemas.openxmlformats.org/drawingml/2006/main" xmlns:r="http://schemas.openxmlformats.org/officeDocument/2006/relationships" xmlns:p="http://schemas.openxmlformats.org/presentationml/2006/main" type="objTx" preserve="1">
+<p:sldLayout xmlns:a="http://schemas.openxmlformats.org/drawingml/2006/main" xmlns:r="http://schemas.openxmlformats.org/officeDocument/2006/relationships" xmlns:p="http://schemas.openxmlformats.org/presentationml/2006/main" showMasterSp="0" type="objTx" preserve="1">
   <p:cSld name="Inhalt mit Überschrift">
     <p:spTree>
       <p:nvGrpSpPr>
@@ -4776,13 +6463,45 @@
       </p:grpSpPr>
       <p:sp>
         <p:nvSpPr>
-          <p:cNvPr id="2" name="Titel 1">
-            <a:extLst>
-              <a:ext uri="{FF2B5EF4-FFF2-40B4-BE49-F238E27FC236}">
-                <a16:creationId xmlns:a16="http://schemas.microsoft.com/office/drawing/2014/main" id="{FF8B8E6C-2F9E-4865-A859-68DBB8FFCBCF}"/>
-              </a:ext>
-            </a:extLst>
-          </p:cNvPr>
+          <p:cNvPr id="8" name="Rectangle 7" title="Background Shape"/>
+          <p:cNvSpPr/>
+          <p:nvPr/>
+        </p:nvSpPr>
+        <p:spPr>
+          <a:xfrm>
+            <a:off x="0" y="376"/>
+            <a:ext cx="5303520" cy="6857624"/>
+          </a:xfrm>
+          <a:prstGeom prst="rect">
+            <a:avLst/>
+          </a:prstGeom>
+          <a:solidFill>
+            <a:schemeClr val="accent1"/>
+          </a:solidFill>
+          <a:ln>
+            <a:noFill/>
+          </a:ln>
+        </p:spPr>
+        <p:style>
+          <a:lnRef idx="2">
+            <a:schemeClr val="accent1">
+              <a:shade val="50000"/>
+            </a:schemeClr>
+          </a:lnRef>
+          <a:fillRef idx="1">
+            <a:schemeClr val="accent1"/>
+          </a:fillRef>
+          <a:effectRef idx="0">
+            <a:schemeClr val="accent1"/>
+          </a:effectRef>
+          <a:fontRef idx="minor">
+            <a:schemeClr val="lt1"/>
+          </a:fontRef>
+        </p:style>
+      </p:sp>
+      <p:sp>
+        <p:nvSpPr>
+          <p:cNvPr id="2" name="Title 1"/>
           <p:cNvSpPr>
             <a:spLocks noGrp="1"/>
           </p:cNvSpPr>
@@ -4792,15 +6511,24 @@
         </p:nvSpPr>
         <p:spPr>
           <a:xfrm>
-            <a:off x="839788" y="457200"/>
-            <a:ext cx="3932237" cy="1600200"/>
+            <a:off x="723900" y="685800"/>
+            <a:ext cx="3855720" cy="2157884"/>
           </a:xfrm>
         </p:spPr>
         <p:txBody>
-          <a:bodyPr anchor="b"/>
+          <a:bodyPr anchor="t">
+            <a:noAutofit/>
+          </a:bodyPr>
           <a:lstStyle>
             <a:lvl1pPr>
-              <a:defRPr sz="3200"/>
+              <a:lnSpc>
+                <a:spcPct val="84000"/>
+              </a:lnSpc>
+              <a:defRPr sz="4800" baseline="0">
+                <a:solidFill>
+                  <a:schemeClr val="tx2"/>
+                </a:solidFill>
+              </a:defRPr>
             </a:lvl1pPr>
           </a:lstStyle>
           <a:p>
@@ -4808,18 +6536,13 @@
               <a:rPr lang="de-DE"/>
               <a:t>Mastertitelformat bearbeiten</a:t>
             </a:r>
+            <a:endParaRPr lang="en-US" dirty="0"/>
           </a:p>
         </p:txBody>
       </p:sp>
       <p:sp>
         <p:nvSpPr>
-          <p:cNvPr id="3" name="Inhaltsplatzhalter 2">
-            <a:extLst>
-              <a:ext uri="{FF2B5EF4-FFF2-40B4-BE49-F238E27FC236}">
-                <a16:creationId xmlns:a16="http://schemas.microsoft.com/office/drawing/2014/main" id="{3422B217-9669-48CD-9BC5-47B7780E2002}"/>
-              </a:ext>
-            </a:extLst>
-          </p:cNvPr>
+          <p:cNvPr id="3" name="Content Placeholder 2"/>
           <p:cNvSpPr>
             <a:spLocks noGrp="1"/>
           </p:cNvSpPr>
@@ -4829,39 +6552,39 @@
         </p:nvSpPr>
         <p:spPr>
           <a:xfrm>
-            <a:off x="5183188" y="987425"/>
-            <a:ext cx="6172200" cy="4873625"/>
+            <a:off x="6256020" y="685801"/>
+            <a:ext cx="5212080" cy="5175250"/>
           </a:xfrm>
         </p:spPr>
         <p:txBody>
           <a:bodyPr/>
           <a:lstStyle>
             <a:lvl1pPr>
-              <a:defRPr sz="3200"/>
+              <a:defRPr sz="2000"/>
             </a:lvl1pPr>
             <a:lvl2pPr>
-              <a:defRPr sz="2800"/>
+              <a:defRPr sz="2000"/>
             </a:lvl2pPr>
             <a:lvl3pPr>
-              <a:defRPr sz="2400"/>
+              <a:defRPr sz="1800"/>
             </a:lvl3pPr>
             <a:lvl4pPr>
-              <a:defRPr sz="2000"/>
+              <a:defRPr sz="1800"/>
             </a:lvl4pPr>
             <a:lvl5pPr>
-              <a:defRPr sz="2000"/>
+              <a:defRPr sz="1600"/>
             </a:lvl5pPr>
             <a:lvl6pPr>
-              <a:defRPr sz="2000"/>
+              <a:defRPr sz="1600"/>
             </a:lvl6pPr>
             <a:lvl7pPr>
-              <a:defRPr sz="2000"/>
+              <a:defRPr sz="1600"/>
             </a:lvl7pPr>
             <a:lvl8pPr>
-              <a:defRPr sz="2000"/>
+              <a:defRPr sz="1600"/>
             </a:lvl8pPr>
             <a:lvl9pPr>
-              <a:defRPr sz="2000"/>
+              <a:defRPr sz="1600"/>
             </a:lvl9pPr>
           </a:lstStyle>
           <a:p>
@@ -4898,18 +6621,13 @@
               <a:rPr lang="de-DE"/>
               <a:t>Fünfte Ebene</a:t>
             </a:r>
+            <a:endParaRPr lang="en-US" dirty="0"/>
           </a:p>
         </p:txBody>
       </p:sp>
       <p:sp>
         <p:nvSpPr>
-          <p:cNvPr id="4" name="Textplatzhalter 3">
-            <a:extLst>
-              <a:ext uri="{FF2B5EF4-FFF2-40B4-BE49-F238E27FC236}">
-                <a16:creationId xmlns:a16="http://schemas.microsoft.com/office/drawing/2014/main" id="{ED4E3B41-44CF-4565-9086-AB994E4C60A9}"/>
-              </a:ext>
-            </a:extLst>
-          </p:cNvPr>
+          <p:cNvPr id="4" name="Text Placeholder 3"/>
           <p:cNvSpPr>
             <a:spLocks noGrp="1"/>
           </p:cNvSpPr>
@@ -4919,14 +6637,23 @@
         </p:nvSpPr>
         <p:spPr>
           <a:xfrm>
-            <a:off x="839788" y="2057400"/>
-            <a:ext cx="3932237" cy="3811588"/>
+            <a:off x="723900" y="2856344"/>
+            <a:ext cx="3855720" cy="3011056"/>
           </a:xfrm>
         </p:spPr>
         <p:txBody>
           <a:bodyPr/>
           <a:lstStyle>
             <a:lvl1pPr marL="0" indent="0">
+              <a:lnSpc>
+                <a:spcPct val="113000"/>
+              </a:lnSpc>
+              <a:spcBef>
+                <a:spcPts val="0"/>
+              </a:spcBef>
+              <a:spcAft>
+                <a:spcPts val="1500"/>
+              </a:spcAft>
               <a:buNone/>
               <a:defRPr sz="1600"/>
             </a:lvl1pPr>
@@ -4974,13 +6701,7 @@
       </p:sp>
       <p:sp>
         <p:nvSpPr>
-          <p:cNvPr id="5" name="Datumsplatzhalter 4">
-            <a:extLst>
-              <a:ext uri="{FF2B5EF4-FFF2-40B4-BE49-F238E27FC236}">
-                <a16:creationId xmlns:a16="http://schemas.microsoft.com/office/drawing/2014/main" id="{D20D4769-0A8F-4290-AA14-310266CCF5C4}"/>
-              </a:ext>
-            </a:extLst>
-          </p:cNvPr>
+          <p:cNvPr id="5" name="Date Placeholder 4"/>
           <p:cNvSpPr>
             <a:spLocks noGrp="1"/>
           </p:cNvSpPr>
@@ -4988,10 +6709,23 @@
             <p:ph type="dt" sz="half" idx="10"/>
           </p:nvPr>
         </p:nvSpPr>
-        <p:spPr/>
+        <p:spPr>
+          <a:xfrm>
+            <a:off x="723900" y="6453386"/>
+            <a:ext cx="1204572" cy="404614"/>
+          </a:xfrm>
+        </p:spPr>
         <p:txBody>
           <a:bodyPr/>
-          <a:lstStyle/>
+          <a:lstStyle>
+            <a:lvl1pPr>
+              <a:defRPr>
+                <a:solidFill>
+                  <a:schemeClr val="tx2"/>
+                </a:solidFill>
+              </a:defRPr>
+            </a:lvl1pPr>
+          </a:lstStyle>
           <a:p>
             <a:fld id="{24BE881B-86F0-40F3-B037-CEF78111F2C0}" type="datetimeFigureOut">
               <a:rPr lang="de-DE" smtClean="0"/>
@@ -5003,13 +6737,7 @@
       </p:sp>
       <p:sp>
         <p:nvSpPr>
-          <p:cNvPr id="6" name="Fußzeilenplatzhalter 5">
-            <a:extLst>
-              <a:ext uri="{FF2B5EF4-FFF2-40B4-BE49-F238E27FC236}">
-                <a16:creationId xmlns:a16="http://schemas.microsoft.com/office/drawing/2014/main" id="{95885E3D-9616-41D9-BD78-CFC8E326F7BA}"/>
-              </a:ext>
-            </a:extLst>
-          </p:cNvPr>
+          <p:cNvPr id="6" name="Footer Placeholder 5"/>
           <p:cNvSpPr>
             <a:spLocks noGrp="1"/>
           </p:cNvSpPr>
@@ -5017,10 +6745,23 @@
             <p:ph type="ftr" sz="quarter" idx="11"/>
           </p:nvPr>
         </p:nvSpPr>
-        <p:spPr/>
+        <p:spPr>
+          <a:xfrm>
+            <a:off x="2205945" y="6453386"/>
+            <a:ext cx="2373675" cy="404614"/>
+          </a:xfrm>
+        </p:spPr>
         <p:txBody>
           <a:bodyPr/>
-          <a:lstStyle/>
+          <a:lstStyle>
+            <a:lvl1pPr>
+              <a:defRPr>
+                <a:solidFill>
+                  <a:schemeClr val="tx2"/>
+                </a:solidFill>
+              </a:defRPr>
+            </a:lvl1pPr>
+          </a:lstStyle>
           <a:p>
             <a:endParaRPr lang="de-DE"/>
           </a:p>
@@ -5028,13 +6769,7 @@
       </p:sp>
       <p:sp>
         <p:nvSpPr>
-          <p:cNvPr id="7" name="Foliennummernplatzhalter 6">
-            <a:extLst>
-              <a:ext uri="{FF2B5EF4-FFF2-40B4-BE49-F238E27FC236}">
-                <a16:creationId xmlns:a16="http://schemas.microsoft.com/office/drawing/2014/main" id="{1E685817-EF4F-4B2A-B827-D256EFDDFC17}"/>
-              </a:ext>
-            </a:extLst>
-          </p:cNvPr>
+          <p:cNvPr id="7" name="Slide Number Placeholder 6"/>
           <p:cNvSpPr>
             <a:spLocks noGrp="1"/>
           </p:cNvSpPr>
@@ -5042,10 +6777,23 @@
             <p:ph type="sldNum" sz="quarter" idx="12"/>
           </p:nvPr>
         </p:nvSpPr>
-        <p:spPr/>
+        <p:spPr>
+          <a:xfrm>
+            <a:off x="9883140" y="6453386"/>
+            <a:ext cx="1596292" cy="404614"/>
+          </a:xfrm>
+        </p:spPr>
         <p:txBody>
           <a:bodyPr/>
-          <a:lstStyle/>
+          <a:lstStyle>
+            <a:lvl1pPr>
+              <a:defRPr>
+                <a:solidFill>
+                  <a:schemeClr val="tx2"/>
+                </a:solidFill>
+              </a:defRPr>
+            </a:lvl1pPr>
+          </a:lstStyle>
           <a:p>
             <a:fld id="{93E1662D-DE1C-40C2-A906-F6B0E04132E1}" type="slidenum">
               <a:rPr lang="de-DE" smtClean="0"/>
@@ -5055,10 +6803,48 @@
           </a:p>
         </p:txBody>
       </p:sp>
+      <p:sp>
+        <p:nvSpPr>
+          <p:cNvPr id="9" name="Rectangle 8" title="Divider Bar"/>
+          <p:cNvSpPr/>
+          <p:nvPr/>
+        </p:nvSpPr>
+        <p:spPr>
+          <a:xfrm>
+            <a:off x="5303520" y="376"/>
+            <a:ext cx="228600" cy="6858000"/>
+          </a:xfrm>
+          <a:prstGeom prst="rect">
+            <a:avLst/>
+          </a:prstGeom>
+          <a:solidFill>
+            <a:schemeClr val="tx2"/>
+          </a:solidFill>
+          <a:ln>
+            <a:noFill/>
+          </a:ln>
+        </p:spPr>
+        <p:style>
+          <a:lnRef idx="2">
+            <a:schemeClr val="accent1">
+              <a:shade val="50000"/>
+            </a:schemeClr>
+          </a:lnRef>
+          <a:fillRef idx="1">
+            <a:schemeClr val="accent1"/>
+          </a:fillRef>
+          <a:effectRef idx="0">
+            <a:schemeClr val="accent1"/>
+          </a:effectRef>
+          <a:fontRef idx="minor">
+            <a:schemeClr val="lt1"/>
+          </a:fontRef>
+        </p:style>
+      </p:sp>
     </p:spTree>
     <p:extLst>
       <p:ext uri="{BB962C8B-B14F-4D97-AF65-F5344CB8AC3E}">
-        <p14:creationId xmlns:p14="http://schemas.microsoft.com/office/powerpoint/2010/main" val="567064929"/>
+        <p14:creationId xmlns:p14="http://schemas.microsoft.com/office/powerpoint/2010/main" val="1640266515"/>
       </p:ext>
     </p:extLst>
   </p:cSld>
@@ -5069,7 +6855,7 @@
 </file>
 
 <file path=ppt/slideLayouts/slideLayout9.xml><?xml version="1.0" encoding="utf-8"?>
-<p:sldLayout xmlns:a="http://schemas.openxmlformats.org/drawingml/2006/main" xmlns:r="http://schemas.openxmlformats.org/officeDocument/2006/relationships" xmlns:p="http://schemas.openxmlformats.org/presentationml/2006/main" type="picTx" preserve="1">
+<p:sldLayout xmlns:a="http://schemas.openxmlformats.org/drawingml/2006/main" xmlns:r="http://schemas.openxmlformats.org/officeDocument/2006/relationships" xmlns:p="http://schemas.openxmlformats.org/presentationml/2006/main" showMasterSp="0" type="picTx" preserve="1">
   <p:cSld name="Bild mit Überschrift">
     <p:spTree>
       <p:nvGrpSpPr>
@@ -5087,13 +6873,45 @@
       </p:grpSpPr>
       <p:sp>
         <p:nvSpPr>
-          <p:cNvPr id="2" name="Titel 1">
-            <a:extLst>
-              <a:ext uri="{FF2B5EF4-FFF2-40B4-BE49-F238E27FC236}">
-                <a16:creationId xmlns:a16="http://schemas.microsoft.com/office/drawing/2014/main" id="{F8220B75-0138-41C7-81B8-E1B760A7F476}"/>
-              </a:ext>
-            </a:extLst>
-          </p:cNvPr>
+          <p:cNvPr id="8" name="Rectangle 7" title="Background Shape"/>
+          <p:cNvSpPr/>
+          <p:nvPr/>
+        </p:nvSpPr>
+        <p:spPr>
+          <a:xfrm>
+            <a:off x="0" y="376"/>
+            <a:ext cx="5303520" cy="6857624"/>
+          </a:xfrm>
+          <a:prstGeom prst="rect">
+            <a:avLst/>
+          </a:prstGeom>
+          <a:solidFill>
+            <a:schemeClr val="accent1"/>
+          </a:solidFill>
+          <a:ln>
+            <a:noFill/>
+          </a:ln>
+        </p:spPr>
+        <p:style>
+          <a:lnRef idx="2">
+            <a:schemeClr val="accent1">
+              <a:shade val="50000"/>
+            </a:schemeClr>
+          </a:lnRef>
+          <a:fillRef idx="1">
+            <a:schemeClr val="accent1"/>
+          </a:fillRef>
+          <a:effectRef idx="0">
+            <a:schemeClr val="accent1"/>
+          </a:effectRef>
+          <a:fontRef idx="minor">
+            <a:schemeClr val="lt1"/>
+          </a:fontRef>
+        </p:style>
+      </p:sp>
+      <p:sp>
+        <p:nvSpPr>
+          <p:cNvPr id="2" name="Title 1"/>
           <p:cNvSpPr>
             <a:spLocks noGrp="1"/>
           </p:cNvSpPr>
@@ -5103,15 +6921,20 @@
         </p:nvSpPr>
         <p:spPr>
           <a:xfrm>
-            <a:off x="839788" y="457200"/>
-            <a:ext cx="3932237" cy="1600200"/>
+            <a:off x="723900" y="685800"/>
+            <a:ext cx="3855720" cy="2157884"/>
           </a:xfrm>
         </p:spPr>
         <p:txBody>
-          <a:bodyPr anchor="b"/>
+          <a:bodyPr anchor="t">
+            <a:normAutofit/>
+          </a:bodyPr>
           <a:lstStyle>
             <a:lvl1pPr>
-              <a:defRPr sz="3200"/>
+              <a:lnSpc>
+                <a:spcPct val="84000"/>
+              </a:lnSpc>
+              <a:defRPr sz="4800" baseline="0"/>
             </a:lvl1pPr>
           </a:lstStyle>
           <a:p>
@@ -5119,20 +6942,15 @@
               <a:rPr lang="de-DE"/>
               <a:t>Mastertitelformat bearbeiten</a:t>
             </a:r>
+            <a:endParaRPr lang="en-US" dirty="0"/>
           </a:p>
         </p:txBody>
       </p:sp>
       <p:sp>
         <p:nvSpPr>
-          <p:cNvPr id="3" name="Bildplatzhalter 2">
-            <a:extLst>
-              <a:ext uri="{FF2B5EF4-FFF2-40B4-BE49-F238E27FC236}">
-                <a16:creationId xmlns:a16="http://schemas.microsoft.com/office/drawing/2014/main" id="{9E5C1DAF-FB85-4293-A979-986B0A7E0F0B}"/>
-              </a:ext>
-            </a:extLst>
-          </p:cNvPr>
+          <p:cNvPr id="3" name="Picture Placeholder 2"/>
           <p:cNvSpPr>
-            <a:spLocks noGrp="1"/>
+            <a:spLocks noGrp="1" noChangeAspect="1"/>
           </p:cNvSpPr>
           <p:nvPr>
             <p:ph type="pic" idx="1"/>
@@ -5140,24 +6958,26 @@
         </p:nvSpPr>
         <p:spPr>
           <a:xfrm>
-            <a:off x="5183188" y="987425"/>
-            <a:ext cx="6172200" cy="4873625"/>
+            <a:off x="5532120" y="0"/>
+            <a:ext cx="6659880" cy="6857999"/>
           </a:xfrm>
         </p:spPr>
         <p:txBody>
-          <a:bodyPr/>
+          <a:bodyPr anchor="t">
+            <a:normAutofit/>
+          </a:bodyPr>
           <a:lstStyle>
             <a:lvl1pPr marL="0" indent="0">
               <a:buNone/>
-              <a:defRPr sz="3200"/>
+              <a:defRPr sz="2000"/>
             </a:lvl1pPr>
             <a:lvl2pPr marL="457200" indent="0">
               <a:buNone/>
-              <a:defRPr sz="2800"/>
+              <a:defRPr sz="2000"/>
             </a:lvl2pPr>
             <a:lvl3pPr marL="914400" indent="0">
               <a:buNone/>
-              <a:defRPr sz="2400"/>
+              <a:defRPr sz="2000"/>
             </a:lvl3pPr>
             <a:lvl4pPr marL="1371600" indent="0">
               <a:buNone/>
@@ -5185,19 +7005,17 @@
             </a:lvl9pPr>
           </a:lstStyle>
           <a:p>
-            <a:endParaRPr lang="de-DE"/>
+            <a:r>
+              <a:rPr lang="de-DE"/>
+              <a:t>Bild durch Klicken auf Symbol hinzufügen</a:t>
+            </a:r>
+            <a:endParaRPr lang="en-US" dirty="0"/>
           </a:p>
         </p:txBody>
       </p:sp>
       <p:sp>
         <p:nvSpPr>
-          <p:cNvPr id="4" name="Textplatzhalter 3">
-            <a:extLst>
-              <a:ext uri="{FF2B5EF4-FFF2-40B4-BE49-F238E27FC236}">
-                <a16:creationId xmlns:a16="http://schemas.microsoft.com/office/drawing/2014/main" id="{3A4645B4-9254-464C-A600-CCD3499B267C}"/>
-              </a:ext>
-            </a:extLst>
-          </p:cNvPr>
+          <p:cNvPr id="4" name="Text Placeholder 3"/>
           <p:cNvSpPr>
             <a:spLocks noGrp="1"/>
           </p:cNvSpPr>
@@ -5207,14 +7025,23 @@
         </p:nvSpPr>
         <p:spPr>
           <a:xfrm>
-            <a:off x="839788" y="2057400"/>
-            <a:ext cx="3932237" cy="3811588"/>
+            <a:off x="723900" y="2855968"/>
+            <a:ext cx="3855720" cy="3011432"/>
           </a:xfrm>
         </p:spPr>
         <p:txBody>
           <a:bodyPr/>
           <a:lstStyle>
             <a:lvl1pPr marL="0" indent="0">
+              <a:lnSpc>
+                <a:spcPct val="113000"/>
+              </a:lnSpc>
+              <a:spcBef>
+                <a:spcPts val="0"/>
+              </a:spcBef>
+              <a:spcAft>
+                <a:spcPts val="1500"/>
+              </a:spcAft>
               <a:buNone/>
               <a:defRPr sz="1600"/>
             </a:lvl1pPr>
@@ -5262,13 +7089,7 @@
       </p:sp>
       <p:sp>
         <p:nvSpPr>
-          <p:cNvPr id="5" name="Datumsplatzhalter 4">
-            <a:extLst>
-              <a:ext uri="{FF2B5EF4-FFF2-40B4-BE49-F238E27FC236}">
-                <a16:creationId xmlns:a16="http://schemas.microsoft.com/office/drawing/2014/main" id="{33FCE861-7F3A-46E7-AE8A-8741E0F52A20}"/>
-              </a:ext>
-            </a:extLst>
-          </p:cNvPr>
+          <p:cNvPr id="5" name="Date Placeholder 4"/>
           <p:cNvSpPr>
             <a:spLocks noGrp="1"/>
           </p:cNvSpPr>
@@ -5276,10 +7097,23 @@
             <p:ph type="dt" sz="half" idx="10"/>
           </p:nvPr>
         </p:nvSpPr>
-        <p:spPr/>
+        <p:spPr>
+          <a:xfrm>
+            <a:off x="723900" y="6453386"/>
+            <a:ext cx="1204572" cy="404614"/>
+          </a:xfrm>
+        </p:spPr>
         <p:txBody>
           <a:bodyPr/>
-          <a:lstStyle/>
+          <a:lstStyle>
+            <a:lvl1pPr>
+              <a:defRPr>
+                <a:solidFill>
+                  <a:schemeClr val="tx2"/>
+                </a:solidFill>
+              </a:defRPr>
+            </a:lvl1pPr>
+          </a:lstStyle>
           <a:p>
             <a:fld id="{24BE881B-86F0-40F3-B037-CEF78111F2C0}" type="datetimeFigureOut">
               <a:rPr lang="de-DE" smtClean="0"/>
@@ -5291,13 +7125,7 @@
       </p:sp>
       <p:sp>
         <p:nvSpPr>
-          <p:cNvPr id="6" name="Fußzeilenplatzhalter 5">
-            <a:extLst>
-              <a:ext uri="{FF2B5EF4-FFF2-40B4-BE49-F238E27FC236}">
-                <a16:creationId xmlns:a16="http://schemas.microsoft.com/office/drawing/2014/main" id="{5C667581-900E-4B04-997F-9046F2F82D48}"/>
-              </a:ext>
-            </a:extLst>
-          </p:cNvPr>
+          <p:cNvPr id="6" name="Footer Placeholder 5"/>
           <p:cNvSpPr>
             <a:spLocks noGrp="1"/>
           </p:cNvSpPr>
@@ -5305,10 +7133,23 @@
             <p:ph type="ftr" sz="quarter" idx="11"/>
           </p:nvPr>
         </p:nvSpPr>
-        <p:spPr/>
+        <p:spPr>
+          <a:xfrm>
+            <a:off x="2205945" y="6453386"/>
+            <a:ext cx="2373675" cy="404614"/>
+          </a:xfrm>
+        </p:spPr>
         <p:txBody>
           <a:bodyPr/>
-          <a:lstStyle/>
+          <a:lstStyle>
+            <a:lvl1pPr>
+              <a:defRPr>
+                <a:solidFill>
+                  <a:schemeClr val="tx2"/>
+                </a:solidFill>
+              </a:defRPr>
+            </a:lvl1pPr>
+          </a:lstStyle>
           <a:p>
             <a:endParaRPr lang="de-DE"/>
           </a:p>
@@ -5316,13 +7157,7 @@
       </p:sp>
       <p:sp>
         <p:nvSpPr>
-          <p:cNvPr id="7" name="Foliennummernplatzhalter 6">
-            <a:extLst>
-              <a:ext uri="{FF2B5EF4-FFF2-40B4-BE49-F238E27FC236}">
-                <a16:creationId xmlns:a16="http://schemas.microsoft.com/office/drawing/2014/main" id="{2A9CD9C4-8C9B-47DB-94EC-53624C3246C2}"/>
-              </a:ext>
-            </a:extLst>
-          </p:cNvPr>
+          <p:cNvPr id="7" name="Slide Number Placeholder 6"/>
           <p:cNvSpPr>
             <a:spLocks noGrp="1"/>
           </p:cNvSpPr>
@@ -5330,10 +7165,23 @@
             <p:ph type="sldNum" sz="quarter" idx="12"/>
           </p:nvPr>
         </p:nvSpPr>
-        <p:spPr/>
+        <p:spPr>
+          <a:xfrm>
+            <a:off x="9883140" y="6453386"/>
+            <a:ext cx="1596292" cy="404614"/>
+          </a:xfrm>
+        </p:spPr>
         <p:txBody>
           <a:bodyPr/>
-          <a:lstStyle/>
+          <a:lstStyle>
+            <a:lvl1pPr>
+              <a:defRPr>
+                <a:solidFill>
+                  <a:schemeClr val="tx2"/>
+                </a:solidFill>
+              </a:defRPr>
+            </a:lvl1pPr>
+          </a:lstStyle>
           <a:p>
             <a:fld id="{93E1662D-DE1C-40C2-A906-F6B0E04132E1}" type="slidenum">
               <a:rPr lang="de-DE" smtClean="0"/>
@@ -5343,10 +7191,48 @@
           </a:p>
         </p:txBody>
       </p:sp>
+      <p:sp>
+        <p:nvSpPr>
+          <p:cNvPr id="9" name="Rectangle 8" title="Divider Bar"/>
+          <p:cNvSpPr/>
+          <p:nvPr/>
+        </p:nvSpPr>
+        <p:spPr>
+          <a:xfrm>
+            <a:off x="5303520" y="376"/>
+            <a:ext cx="228600" cy="6858000"/>
+          </a:xfrm>
+          <a:prstGeom prst="rect">
+            <a:avLst/>
+          </a:prstGeom>
+          <a:solidFill>
+            <a:schemeClr val="tx2"/>
+          </a:solidFill>
+          <a:ln>
+            <a:noFill/>
+          </a:ln>
+        </p:spPr>
+        <p:style>
+          <a:lnRef idx="2">
+            <a:schemeClr val="accent1">
+              <a:shade val="50000"/>
+            </a:schemeClr>
+          </a:lnRef>
+          <a:fillRef idx="1">
+            <a:schemeClr val="accent1"/>
+          </a:fillRef>
+          <a:effectRef idx="0">
+            <a:schemeClr val="accent1"/>
+          </a:effectRef>
+          <a:fontRef idx="minor">
+            <a:schemeClr val="lt1"/>
+          </a:fontRef>
+        </p:style>
+      </p:sp>
     </p:spTree>
     <p:extLst>
       <p:ext uri="{BB962C8B-B14F-4D97-AF65-F5344CB8AC3E}">
-        <p14:creationId xmlns:p14="http://schemas.microsoft.com/office/powerpoint/2010/main" val="3060190989"/>
+        <p14:creationId xmlns:p14="http://schemas.microsoft.com/office/powerpoint/2010/main" val="2249360662"/>
       </p:ext>
     </p:extLst>
   </p:cSld>
@@ -5360,9 +7246,12 @@
 <p:sldMaster xmlns:a="http://schemas.openxmlformats.org/drawingml/2006/main" xmlns:r="http://schemas.openxmlformats.org/officeDocument/2006/relationships" xmlns:p="http://schemas.openxmlformats.org/presentationml/2006/main">
   <p:cSld>
     <p:bg>
-      <p:bgRef idx="1001">
-        <a:schemeClr val="bg1"/>
-      </p:bgRef>
+      <p:bgPr>
+        <a:solidFill>
+          <a:schemeClr val="bg2"/>
+        </a:solidFill>
+        <a:effectLst/>
+      </p:bgPr>
     </p:bg>
     <p:spTree>
       <p:nvGrpSpPr>
@@ -5380,13 +7269,7 @@
       </p:grpSpPr>
       <p:sp>
         <p:nvSpPr>
-          <p:cNvPr id="2" name="Titelplatzhalter 1">
-            <a:extLst>
-              <a:ext uri="{FF2B5EF4-FFF2-40B4-BE49-F238E27FC236}">
-                <a16:creationId xmlns:a16="http://schemas.microsoft.com/office/drawing/2014/main" id="{8E2693E0-60A0-4EF2-B5B5-993C2490FE05}"/>
-              </a:ext>
-            </a:extLst>
-          </p:cNvPr>
+          <p:cNvPr id="2" name="Title Placeholder 1"/>
           <p:cNvSpPr>
             <a:spLocks noGrp="1"/>
           </p:cNvSpPr>
@@ -5396,15 +7279,15 @@
         </p:nvSpPr>
         <p:spPr>
           <a:xfrm>
-            <a:off x="838200" y="365125"/>
-            <a:ext cx="10515600" cy="1325563"/>
+            <a:off x="1371600" y="685800"/>
+            <a:ext cx="9601200" cy="1485900"/>
           </a:xfrm>
           <a:prstGeom prst="rect">
             <a:avLst/>
           </a:prstGeom>
         </p:spPr>
         <p:txBody>
-          <a:bodyPr vert="horz" lIns="91440" tIns="45720" rIns="91440" bIns="45720" rtlCol="0" anchor="ctr">
+          <a:bodyPr vert="horz" lIns="91440" tIns="45720" rIns="91440" bIns="45720" rtlCol="0" anchor="t">
             <a:normAutofit/>
           </a:bodyPr>
           <a:lstStyle/>
@@ -5413,18 +7296,13 @@
               <a:rPr lang="de-DE"/>
               <a:t>Mastertitelformat bearbeiten</a:t>
             </a:r>
+            <a:endParaRPr lang="en-US" dirty="0"/>
           </a:p>
         </p:txBody>
       </p:sp>
       <p:sp>
         <p:nvSpPr>
-          <p:cNvPr id="3" name="Textplatzhalter 2">
-            <a:extLst>
-              <a:ext uri="{FF2B5EF4-FFF2-40B4-BE49-F238E27FC236}">
-                <a16:creationId xmlns:a16="http://schemas.microsoft.com/office/drawing/2014/main" id="{861A5003-9E5F-4905-ADC8-EB635409F534}"/>
-              </a:ext>
-            </a:extLst>
-          </p:cNvPr>
+          <p:cNvPr id="3" name="Text Placeholder 2"/>
           <p:cNvSpPr>
             <a:spLocks noGrp="1"/>
           </p:cNvSpPr>
@@ -5434,8 +7312,8 @@
         </p:nvSpPr>
         <p:spPr>
           <a:xfrm>
-            <a:off x="838200" y="1825625"/>
-            <a:ext cx="10515600" cy="4351338"/>
+            <a:off x="1371600" y="2286000"/>
+            <a:ext cx="9601200" cy="3581400"/>
           </a:xfrm>
           <a:prstGeom prst="rect">
             <a:avLst/>
@@ -5480,18 +7358,13 @@
               <a:rPr lang="de-DE"/>
               <a:t>Fünfte Ebene</a:t>
             </a:r>
+            <a:endParaRPr lang="en-US" dirty="0"/>
           </a:p>
         </p:txBody>
       </p:sp>
       <p:sp>
         <p:nvSpPr>
-          <p:cNvPr id="4" name="Datumsplatzhalter 3">
-            <a:extLst>
-              <a:ext uri="{FF2B5EF4-FFF2-40B4-BE49-F238E27FC236}">
-                <a16:creationId xmlns:a16="http://schemas.microsoft.com/office/drawing/2014/main" id="{1EA2216B-27F2-4C87-B9DC-58D52B70B7B1}"/>
-              </a:ext>
-            </a:extLst>
-          </p:cNvPr>
+          <p:cNvPr id="4" name="Date Placeholder 3"/>
           <p:cNvSpPr>
             <a:spLocks noGrp="1"/>
           </p:cNvSpPr>
@@ -5501,8 +7374,8 @@
         </p:nvSpPr>
         <p:spPr>
           <a:xfrm>
-            <a:off x="838200" y="6356350"/>
-            <a:ext cx="2743200" cy="365125"/>
+            <a:off x="1390650" y="6453386"/>
+            <a:ext cx="1204572" cy="404614"/>
           </a:xfrm>
           <a:prstGeom prst="rect">
             <a:avLst/>
@@ -5512,11 +7385,9 @@
           <a:bodyPr vert="horz" lIns="91440" tIns="45720" rIns="91440" bIns="45720" rtlCol="0" anchor="ctr"/>
           <a:lstStyle>
             <a:lvl1pPr algn="l">
-              <a:defRPr sz="1200">
+              <a:defRPr sz="1200" baseline="0">
                 <a:solidFill>
-                  <a:schemeClr val="tx1">
-                    <a:tint val="75000"/>
-                  </a:schemeClr>
+                  <a:schemeClr val="tx2"/>
                 </a:solidFill>
               </a:defRPr>
             </a:lvl1pPr>
@@ -5532,13 +7403,7 @@
       </p:sp>
       <p:sp>
         <p:nvSpPr>
-          <p:cNvPr id="5" name="Fußzeilenplatzhalter 4">
-            <a:extLst>
-              <a:ext uri="{FF2B5EF4-FFF2-40B4-BE49-F238E27FC236}">
-                <a16:creationId xmlns:a16="http://schemas.microsoft.com/office/drawing/2014/main" id="{F2CF3F5F-12E1-4F4B-AE68-D98E70C902AE}"/>
-              </a:ext>
-            </a:extLst>
-          </p:cNvPr>
+          <p:cNvPr id="5" name="Footer Placeholder 4"/>
           <p:cNvSpPr>
             <a:spLocks noGrp="1"/>
           </p:cNvSpPr>
@@ -5548,8 +7413,8 @@
         </p:nvSpPr>
         <p:spPr>
           <a:xfrm>
-            <a:off x="4038600" y="6356350"/>
-            <a:ext cx="4114800" cy="365125"/>
+            <a:off x="2893564" y="6453386"/>
+            <a:ext cx="6280830" cy="404614"/>
           </a:xfrm>
           <a:prstGeom prst="rect">
             <a:avLst/>
@@ -5558,12 +7423,10 @@
         <p:txBody>
           <a:bodyPr vert="horz" lIns="91440" tIns="45720" rIns="91440" bIns="45720" rtlCol="0" anchor="ctr"/>
           <a:lstStyle>
-            <a:lvl1pPr algn="ctr">
-              <a:defRPr sz="1200">
+            <a:lvl1pPr algn="l">
+              <a:defRPr sz="1200" baseline="0">
                 <a:solidFill>
-                  <a:schemeClr val="tx1">
-                    <a:tint val="75000"/>
-                  </a:schemeClr>
+                  <a:schemeClr val="tx2"/>
                 </a:solidFill>
               </a:defRPr>
             </a:lvl1pPr>
@@ -5575,13 +7438,7 @@
       </p:sp>
       <p:sp>
         <p:nvSpPr>
-          <p:cNvPr id="6" name="Foliennummernplatzhalter 5">
-            <a:extLst>
-              <a:ext uri="{FF2B5EF4-FFF2-40B4-BE49-F238E27FC236}">
-                <a16:creationId xmlns:a16="http://schemas.microsoft.com/office/drawing/2014/main" id="{703D24B1-C886-48FE-A12F-9FC9B5E853A1}"/>
-              </a:ext>
-            </a:extLst>
-          </p:cNvPr>
+          <p:cNvPr id="6" name="Slide Number Placeholder 5"/>
           <p:cNvSpPr>
             <a:spLocks noGrp="1"/>
           </p:cNvSpPr>
@@ -5591,8 +7448,8 @@
         </p:nvSpPr>
         <p:spPr>
           <a:xfrm>
-            <a:off x="8610600" y="6356350"/>
-            <a:ext cx="2743200" cy="365125"/>
+            <a:off x="9472736" y="6453386"/>
+            <a:ext cx="1596292" cy="404614"/>
           </a:xfrm>
           <a:prstGeom prst="rect">
             <a:avLst/>
@@ -5602,11 +7459,9 @@
           <a:bodyPr vert="horz" lIns="91440" tIns="45720" rIns="91440" bIns="45720" rtlCol="0" anchor="ctr"/>
           <a:lstStyle>
             <a:lvl1pPr algn="r">
-              <a:defRPr sz="1200">
+              <a:defRPr sz="1200" baseline="0">
                 <a:solidFill>
-                  <a:schemeClr val="tx1">
-                    <a:tint val="75000"/>
-                  </a:schemeClr>
+                  <a:schemeClr val="tx2"/>
                 </a:solidFill>
               </a:defRPr>
             </a:lvl1pPr>
@@ -5620,40 +7475,78 @@
           </a:p>
         </p:txBody>
       </p:sp>
+      <p:sp>
+        <p:nvSpPr>
+          <p:cNvPr id="9" name="Rectangle 8" title="Side bar"/>
+          <p:cNvSpPr/>
+          <p:nvPr/>
+        </p:nvSpPr>
+        <p:spPr>
+          <a:xfrm>
+            <a:off x="478095" y="376"/>
+            <a:ext cx="228600" cy="6858000"/>
+          </a:xfrm>
+          <a:prstGeom prst="rect">
+            <a:avLst/>
+          </a:prstGeom>
+          <a:solidFill>
+            <a:schemeClr val="tx2"/>
+          </a:solidFill>
+          <a:ln>
+            <a:noFill/>
+          </a:ln>
+        </p:spPr>
+        <p:style>
+          <a:lnRef idx="2">
+            <a:schemeClr val="accent1">
+              <a:shade val="50000"/>
+            </a:schemeClr>
+          </a:lnRef>
+          <a:fillRef idx="1">
+            <a:schemeClr val="accent1"/>
+          </a:fillRef>
+          <a:effectRef idx="0">
+            <a:schemeClr val="accent1"/>
+          </a:effectRef>
+          <a:fontRef idx="minor">
+            <a:schemeClr val="lt1"/>
+          </a:fontRef>
+        </p:style>
+      </p:sp>
     </p:spTree>
     <p:extLst>
       <p:ext uri="{BB962C8B-B14F-4D97-AF65-F5344CB8AC3E}">
-        <p14:creationId xmlns:p14="http://schemas.microsoft.com/office/powerpoint/2010/main" val="737647192"/>
+        <p14:creationId xmlns:p14="http://schemas.microsoft.com/office/powerpoint/2010/main" val="887675419"/>
       </p:ext>
     </p:extLst>
   </p:cSld>
   <p:clrMap bg1="lt1" tx1="dk1" bg2="lt2" tx2="dk2" accent1="accent1" accent2="accent2" accent3="accent3" accent4="accent4" accent5="accent5" accent6="accent6" hlink="hlink" folHlink="folHlink"/>
   <p:sldLayoutIdLst>
-    <p:sldLayoutId id="2147483649" r:id="rId1"/>
-    <p:sldLayoutId id="2147483650" r:id="rId2"/>
-    <p:sldLayoutId id="2147483651" r:id="rId3"/>
-    <p:sldLayoutId id="2147483652" r:id="rId4"/>
-    <p:sldLayoutId id="2147483653" r:id="rId5"/>
-    <p:sldLayoutId id="2147483654" r:id="rId6"/>
-    <p:sldLayoutId id="2147483655" r:id="rId7"/>
-    <p:sldLayoutId id="2147483656" r:id="rId8"/>
-    <p:sldLayoutId id="2147483657" r:id="rId9"/>
-    <p:sldLayoutId id="2147483658" r:id="rId10"/>
-    <p:sldLayoutId id="2147483659" r:id="rId11"/>
+    <p:sldLayoutId id="2147483661" r:id="rId1"/>
+    <p:sldLayoutId id="2147483662" r:id="rId2"/>
+    <p:sldLayoutId id="2147483663" r:id="rId3"/>
+    <p:sldLayoutId id="2147483664" r:id="rId4"/>
+    <p:sldLayoutId id="2147483665" r:id="rId5"/>
+    <p:sldLayoutId id="2147483666" r:id="rId6"/>
+    <p:sldLayoutId id="2147483667" r:id="rId7"/>
+    <p:sldLayoutId id="2147483668" r:id="rId8"/>
+    <p:sldLayoutId id="2147483669" r:id="rId9"/>
+    <p:sldLayoutId id="2147483670" r:id="rId10"/>
+    <p:sldLayoutId id="2147483671" r:id="rId11"/>
   </p:sldLayoutIdLst>
   <p:txStyles>
     <p:titleStyle>
       <a:lvl1pPr algn="l" defTabSz="914400" rtl="0" eaLnBrk="1" latinLnBrk="0" hangingPunct="1">
         <a:lnSpc>
-          <a:spcPct val="90000"/>
+          <a:spcPct val="89000"/>
         </a:lnSpc>
         <a:spcBef>
           <a:spcPct val="0"/>
         </a:spcBef>
         <a:buNone/>
-        <a:defRPr sz="4400" kern="1200">
+        <a:defRPr sz="4400" kern="1200" baseline="0">
           <a:solidFill>
-            <a:schemeClr val="tx1"/>
+            <a:schemeClr val="tx2"/>
           </a:solidFill>
           <a:latin typeface="+mj-lt"/>
           <a:ea typeface="+mj-ea"/>
@@ -5662,162 +7555,189 @@
       </a:lvl1pPr>
     </p:titleStyle>
     <p:bodyStyle>
-      <a:lvl1pPr marL="228600" indent="-228600" algn="l" defTabSz="914400" rtl="0" eaLnBrk="1" latinLnBrk="0" hangingPunct="1">
+      <a:lvl1pPr marL="384048" indent="-384048" algn="l" defTabSz="914400" rtl="0" eaLnBrk="1" latinLnBrk="0" hangingPunct="1">
         <a:lnSpc>
-          <a:spcPct val="90000"/>
+          <a:spcPct val="94000"/>
         </a:lnSpc>
         <a:spcBef>
           <a:spcPts val="1000"/>
         </a:spcBef>
-        <a:buFont typeface="Arial" panose="020B0604020202020204" pitchFamily="34" charset="0"/>
-        <a:buChar char="•"/>
-        <a:defRPr sz="2800" kern="1200">
+        <a:spcAft>
+          <a:spcPts val="200"/>
+        </a:spcAft>
+        <a:buFont typeface="Franklin Gothic Book" panose="020B0503020102020204" pitchFamily="34" charset="0"/>
+        <a:buChar char="■"/>
+        <a:defRPr sz="2000" kern="1200" baseline="0">
           <a:solidFill>
-            <a:schemeClr val="tx1"/>
+            <a:schemeClr val="tx2"/>
           </a:solidFill>
           <a:latin typeface="+mn-lt"/>
           <a:ea typeface="+mn-ea"/>
           <a:cs typeface="+mn-cs"/>
         </a:defRPr>
       </a:lvl1pPr>
-      <a:lvl2pPr marL="685800" indent="-228600" algn="l" defTabSz="914400" rtl="0" eaLnBrk="1" latinLnBrk="0" hangingPunct="1">
+      <a:lvl2pPr marL="914400" indent="-384048" algn="l" defTabSz="914400" rtl="0" eaLnBrk="1" latinLnBrk="0" hangingPunct="1">
         <a:lnSpc>
-          <a:spcPct val="90000"/>
+          <a:spcPct val="94000"/>
         </a:lnSpc>
         <a:spcBef>
           <a:spcPts val="500"/>
         </a:spcBef>
-        <a:buFont typeface="Arial" panose="020B0604020202020204" pitchFamily="34" charset="0"/>
-        <a:buChar char="•"/>
-        <a:defRPr sz="2400" kern="1200">
+        <a:spcAft>
+          <a:spcPts val="200"/>
+        </a:spcAft>
+        <a:buFont typeface="Franklin Gothic Book" panose="020B0503020102020204" pitchFamily="34" charset="0"/>
+        <a:buChar char="–"/>
+        <a:defRPr sz="2000" i="1" kern="1200" baseline="0">
           <a:solidFill>
-            <a:schemeClr val="tx1"/>
+            <a:schemeClr val="tx2"/>
           </a:solidFill>
           <a:latin typeface="+mn-lt"/>
           <a:ea typeface="+mn-ea"/>
           <a:cs typeface="+mn-cs"/>
         </a:defRPr>
       </a:lvl2pPr>
-      <a:lvl3pPr marL="1143000" indent="-228600" algn="l" defTabSz="914400" rtl="0" eaLnBrk="1" latinLnBrk="0" hangingPunct="1">
+      <a:lvl3pPr marL="1371600" indent="-384048" algn="l" defTabSz="914400" rtl="0" eaLnBrk="1" latinLnBrk="0" hangingPunct="1">
         <a:lnSpc>
-          <a:spcPct val="90000"/>
+          <a:spcPct val="94000"/>
         </a:lnSpc>
         <a:spcBef>
           <a:spcPts val="500"/>
         </a:spcBef>
-        <a:buFont typeface="Arial" panose="020B0604020202020204" pitchFamily="34" charset="0"/>
-        <a:buChar char="•"/>
-        <a:defRPr sz="2000" kern="1200">
+        <a:spcAft>
+          <a:spcPts val="200"/>
+        </a:spcAft>
+        <a:buFont typeface="Franklin Gothic Book" panose="020B0503020102020204" pitchFamily="34" charset="0"/>
+        <a:buChar char="■"/>
+        <a:defRPr sz="1800" kern="1200" baseline="0">
           <a:solidFill>
-            <a:schemeClr val="tx1"/>
+            <a:schemeClr val="tx2"/>
           </a:solidFill>
           <a:latin typeface="+mn-lt"/>
           <a:ea typeface="+mn-ea"/>
           <a:cs typeface="+mn-cs"/>
         </a:defRPr>
       </a:lvl3pPr>
-      <a:lvl4pPr marL="1600200" indent="-228600" algn="l" defTabSz="914400" rtl="0" eaLnBrk="1" latinLnBrk="0" hangingPunct="1">
+      <a:lvl4pPr marL="1828800" indent="-384048" algn="l" defTabSz="914400" rtl="0" eaLnBrk="1" latinLnBrk="0" hangingPunct="1">
         <a:lnSpc>
-          <a:spcPct val="90000"/>
+          <a:spcPct val="94000"/>
         </a:lnSpc>
         <a:spcBef>
           <a:spcPts val="500"/>
         </a:spcBef>
-        <a:buFont typeface="Arial" panose="020B0604020202020204" pitchFamily="34" charset="0"/>
-        <a:buChar char="•"/>
-        <a:defRPr sz="1800" kern="1200">
+        <a:spcAft>
+          <a:spcPts val="200"/>
+        </a:spcAft>
+        <a:buFont typeface="Franklin Gothic Book" panose="020B0503020102020204" pitchFamily="34" charset="0"/>
+        <a:buChar char="–"/>
+        <a:defRPr sz="1800" i="1" kern="1200" baseline="0">
           <a:solidFill>
-            <a:schemeClr val="tx1"/>
+            <a:schemeClr val="tx2"/>
           </a:solidFill>
           <a:latin typeface="+mn-lt"/>
           <a:ea typeface="+mn-ea"/>
           <a:cs typeface="+mn-cs"/>
         </a:defRPr>
       </a:lvl4pPr>
-      <a:lvl5pPr marL="2057400" indent="-228600" algn="l" defTabSz="914400" rtl="0" eaLnBrk="1" latinLnBrk="0" hangingPunct="1">
+      <a:lvl5pPr marL="2286000" indent="-384048" algn="l" defTabSz="914400" rtl="0" eaLnBrk="1" latinLnBrk="0" hangingPunct="1">
         <a:lnSpc>
-          <a:spcPct val="90000"/>
+          <a:spcPct val="94000"/>
         </a:lnSpc>
         <a:spcBef>
           <a:spcPts val="500"/>
         </a:spcBef>
-        <a:buFont typeface="Arial" panose="020B0604020202020204" pitchFamily="34" charset="0"/>
-        <a:buChar char="•"/>
-        <a:defRPr sz="1800" kern="1200">
+        <a:spcAft>
+          <a:spcPts val="200"/>
+        </a:spcAft>
+        <a:buFont typeface="Franklin Gothic Book" panose="020B0503020102020204" pitchFamily="34" charset="0"/>
+        <a:buChar char="■"/>
+        <a:defRPr sz="1600" kern="1200" baseline="0">
           <a:solidFill>
-            <a:schemeClr val="tx1"/>
+            <a:schemeClr val="tx2"/>
           </a:solidFill>
           <a:latin typeface="+mn-lt"/>
           <a:ea typeface="+mn-ea"/>
           <a:cs typeface="+mn-cs"/>
         </a:defRPr>
       </a:lvl5pPr>
-      <a:lvl6pPr marL="2514600" indent="-228600" algn="l" defTabSz="914400" rtl="0" eaLnBrk="1" latinLnBrk="0" hangingPunct="1">
+      <a:lvl6pPr marL="2743200" indent="-384048" algn="l" defTabSz="914400" rtl="0" eaLnBrk="1" latinLnBrk="0" hangingPunct="1">
         <a:lnSpc>
-          <a:spcPct val="90000"/>
+          <a:spcPct val="94000"/>
         </a:lnSpc>
         <a:spcBef>
           <a:spcPts val="500"/>
         </a:spcBef>
-        <a:buFont typeface="Arial" panose="020B0604020202020204" pitchFamily="34" charset="0"/>
-        <a:buChar char="•"/>
-        <a:defRPr sz="1800" kern="1200">
+        <a:spcAft>
+          <a:spcPts val="200"/>
+        </a:spcAft>
+        <a:buFont typeface="Franklin Gothic Book" panose="020B0503020102020204" pitchFamily="34" charset="0"/>
+        <a:buChar char="–"/>
+        <a:defRPr sz="1600" i="1" kern="1200" baseline="0">
           <a:solidFill>
-            <a:schemeClr val="tx1"/>
+            <a:schemeClr val="tx2"/>
           </a:solidFill>
           <a:latin typeface="+mn-lt"/>
           <a:ea typeface="+mn-ea"/>
           <a:cs typeface="+mn-cs"/>
         </a:defRPr>
       </a:lvl6pPr>
-      <a:lvl7pPr marL="2971800" indent="-228600" algn="l" defTabSz="914400" rtl="0" eaLnBrk="1" latinLnBrk="0" hangingPunct="1">
+      <a:lvl7pPr marL="3200400" indent="-384048" algn="l" defTabSz="914400" rtl="0" eaLnBrk="1" latinLnBrk="0" hangingPunct="1">
         <a:lnSpc>
-          <a:spcPct val="90000"/>
+          <a:spcPct val="94000"/>
         </a:lnSpc>
         <a:spcBef>
           <a:spcPts val="500"/>
         </a:spcBef>
-        <a:buFont typeface="Arial" panose="020B0604020202020204" pitchFamily="34" charset="0"/>
-        <a:buChar char="•"/>
-        <a:defRPr sz="1800" kern="1200">
+        <a:spcAft>
+          <a:spcPts val="200"/>
+        </a:spcAft>
+        <a:buFont typeface="Franklin Gothic Book" panose="020B0503020102020204" pitchFamily="34" charset="0"/>
+        <a:buChar char="■"/>
+        <a:defRPr sz="1400" kern="1200" baseline="0">
           <a:solidFill>
-            <a:schemeClr val="tx1"/>
+            <a:schemeClr val="tx2"/>
           </a:solidFill>
           <a:latin typeface="+mn-lt"/>
           <a:ea typeface="+mn-ea"/>
           <a:cs typeface="+mn-cs"/>
         </a:defRPr>
       </a:lvl7pPr>
-      <a:lvl8pPr marL="3429000" indent="-228600" algn="l" defTabSz="914400" rtl="0" eaLnBrk="1" latinLnBrk="0" hangingPunct="1">
+      <a:lvl8pPr marL="3657600" indent="-384048" algn="l" defTabSz="914400" rtl="0" eaLnBrk="1" latinLnBrk="0" hangingPunct="1">
         <a:lnSpc>
-          <a:spcPct val="90000"/>
+          <a:spcPct val="94000"/>
         </a:lnSpc>
         <a:spcBef>
           <a:spcPts val="500"/>
         </a:spcBef>
-        <a:buFont typeface="Arial" panose="020B0604020202020204" pitchFamily="34" charset="0"/>
-        <a:buChar char="•"/>
-        <a:defRPr sz="1800" kern="1200">
+        <a:spcAft>
+          <a:spcPts val="200"/>
+        </a:spcAft>
+        <a:buFont typeface="Franklin Gothic Book" panose="020B0503020102020204" pitchFamily="34" charset="0"/>
+        <a:buChar char="–"/>
+        <a:defRPr sz="1400" i="1" kern="1200" baseline="0">
           <a:solidFill>
-            <a:schemeClr val="tx1"/>
+            <a:schemeClr val="tx2"/>
           </a:solidFill>
           <a:latin typeface="+mn-lt"/>
           <a:ea typeface="+mn-ea"/>
           <a:cs typeface="+mn-cs"/>
         </a:defRPr>
       </a:lvl8pPr>
-      <a:lvl9pPr marL="3886200" indent="-228600" algn="l" defTabSz="914400" rtl="0" eaLnBrk="1" latinLnBrk="0" hangingPunct="1">
+      <a:lvl9pPr marL="4114800" indent="-384048" algn="l" defTabSz="914400" rtl="0" eaLnBrk="1" latinLnBrk="0" hangingPunct="1">
         <a:lnSpc>
-          <a:spcPct val="90000"/>
+          <a:spcPct val="94000"/>
         </a:lnSpc>
         <a:spcBef>
           <a:spcPts val="500"/>
         </a:spcBef>
-        <a:buFont typeface="Arial" panose="020B0604020202020204" pitchFamily="34" charset="0"/>
-        <a:buChar char="•"/>
-        <a:defRPr sz="1800" kern="1200">
+        <a:spcAft>
+          <a:spcPts val="200"/>
+        </a:spcAft>
+        <a:buFont typeface="Franklin Gothic Book" panose="020B0503020102020204" pitchFamily="34" charset="0"/>
+        <a:buChar char="■"/>
+        <a:defRPr sz="1400" kern="1200" baseline="0">
           <a:solidFill>
-            <a:schemeClr val="tx1"/>
+            <a:schemeClr val="tx2"/>
           </a:solidFill>
           <a:latin typeface="+mn-lt"/>
           <a:ea typeface="+mn-ea"/>
@@ -5827,7 +7747,7 @@
     </p:bodyStyle>
     <p:otherStyle>
       <a:defPPr>
-        <a:defRPr lang="de-DE"/>
+        <a:defRPr lang="en-US"/>
       </a:defPPr>
       <a:lvl1pPr marL="0" algn="l" defTabSz="914400" rtl="0" eaLnBrk="1" latinLnBrk="0" hangingPunct="1">
         <a:defRPr sz="1800" kern="1200">
@@ -5921,6 +7841,52 @@
       </a:lvl9pPr>
     </p:otherStyle>
   </p:txStyles>
+  <p:extLst mod="1">
+    <p:ext uri="{27BBF7A9-308A-43DC-89C8-2F10F3537804}">
+      <p15:sldGuideLst xmlns:p15="http://schemas.microsoft.com/office/powerpoint/2012/main">
+        <p15:guide id="3" orient="horz" pos="1368">
+          <p15:clr>
+            <a:srgbClr val="F26B43"/>
+          </p15:clr>
+        </p15:guide>
+        <p15:guide id="4" orient="horz" pos="1440">
+          <p15:clr>
+            <a:srgbClr val="F26B43"/>
+          </p15:clr>
+        </p15:guide>
+        <p15:guide id="6" orient="horz" pos="3696">
+          <p15:clr>
+            <a:srgbClr val="F26B43"/>
+          </p15:clr>
+        </p15:guide>
+        <p15:guide id="7" orient="horz" pos="432">
+          <p15:clr>
+            <a:srgbClr val="F26B43"/>
+          </p15:clr>
+        </p15:guide>
+        <p15:guide id="8" orient="horz" pos="1512">
+          <p15:clr>
+            <a:srgbClr val="F26B43"/>
+          </p15:clr>
+        </p15:guide>
+        <p15:guide id="9" pos="6912">
+          <p15:clr>
+            <a:srgbClr val="F26B43"/>
+          </p15:clr>
+        </p15:guide>
+        <p15:guide id="10" pos="936">
+          <p15:clr>
+            <a:srgbClr val="F26B43"/>
+          </p15:clr>
+        </p15:guide>
+        <p15:guide id="11" pos="864">
+          <p15:clr>
+            <a:srgbClr val="F26B43"/>
+          </p15:clr>
+        </p15:guide>
+      </p15:sldGuideLst>
+    </p:ext>
+  </p:extLst>
 </p:sldMaster>
 </file>
 
@@ -5962,7 +7928,18 @@
           <a:bodyPr/>
           <a:lstStyle/>
           <a:p>
-            <a:endParaRPr lang="de-DE"/>
+            <a:r>
+              <a:rPr lang="de-DE" sz="6000" dirty="0"/>
+              <a:t>Music </a:t>
+            </a:r>
+            <a:r>
+              <a:rPr lang="de-DE" sz="6000" dirty="0" err="1"/>
+              <a:t>Recommender</a:t>
+            </a:r>
+            <a:r>
+              <a:rPr lang="de-DE" sz="6000" dirty="0"/>
+              <a:t> System</a:t>
+            </a:r>
           </a:p>
         </p:txBody>
       </p:sp>
@@ -5982,15 +7959,91 @@
             <p:ph type="subTitle" idx="1"/>
           </p:nvPr>
         </p:nvSpPr>
-        <p:spPr/>
+        <p:spPr>
+          <a:xfrm>
+            <a:off x="2679905" y="4247827"/>
+            <a:ext cx="6831673" cy="1086237"/>
+          </a:xfrm>
+        </p:spPr>
         <p:txBody>
-          <a:bodyPr/>
+          <a:bodyPr>
+            <a:normAutofit fontScale="55000" lnSpcReduction="20000"/>
+          </a:bodyPr>
           <a:lstStyle/>
           <a:p>
-            <a:endParaRPr lang="de-DE"/>
+            <a:pPr algn="l"/>
+            <a:r>
+              <a:rPr lang="de-DE" sz="2900" dirty="0"/>
+              <a:t>Jiayi Wang, Tim André Zimmermann, Julian Zenker</a:t>
+            </a:r>
+          </a:p>
+          <a:p>
+            <a:pPr algn="l"/>
+            <a:r>
+              <a:rPr lang="de-DE" sz="2900" dirty="0"/>
+              <a:t>Bachelorprojekt Wirtschaftsinformatik: </a:t>
+            </a:r>
+            <a:br>
+              <a:rPr lang="de-DE" sz="2900" dirty="0"/>
+            </a:br>
+            <a:r>
+              <a:rPr lang="de-DE" sz="2900" dirty="0"/>
+              <a:t>Data Science für Web-Applikationen</a:t>
+            </a:r>
+          </a:p>
+          <a:p>
+            <a:pPr algn="l"/>
+            <a:r>
+              <a:rPr lang="de-DE" sz="2900" dirty="0"/>
+              <a:t>29.05.2018</a:t>
+            </a:r>
+          </a:p>
+          <a:p>
+            <a:endParaRPr lang="de-DE" dirty="0"/>
           </a:p>
         </p:txBody>
       </p:sp>
+      <p:cxnSp>
+        <p:nvCxnSpPr>
+          <p:cNvPr id="12" name="Gerader Verbinder 11">
+            <a:extLst>
+              <a:ext uri="{FF2B5EF4-FFF2-40B4-BE49-F238E27FC236}">
+                <a16:creationId xmlns:a16="http://schemas.microsoft.com/office/drawing/2014/main" id="{EB6A13F9-8D4D-45D9-9711-2DE899F866AF}"/>
+              </a:ext>
+            </a:extLst>
+          </p:cNvPr>
+          <p:cNvCxnSpPr/>
+          <p:nvPr/>
+        </p:nvCxnSpPr>
+        <p:spPr>
+          <a:xfrm>
+            <a:off x="2451649" y="3943027"/>
+            <a:ext cx="7023652" cy="0"/>
+          </a:xfrm>
+          <a:prstGeom prst="line">
+            <a:avLst/>
+          </a:prstGeom>
+          <a:ln w="19050">
+            <a:solidFill>
+              <a:schemeClr val="tx1"/>
+            </a:solidFill>
+          </a:ln>
+        </p:spPr>
+        <p:style>
+          <a:lnRef idx="1">
+            <a:schemeClr val="accent1"/>
+          </a:lnRef>
+          <a:fillRef idx="0">
+            <a:schemeClr val="accent1"/>
+          </a:fillRef>
+          <a:effectRef idx="0">
+            <a:schemeClr val="accent1"/>
+          </a:effectRef>
+          <a:fontRef idx="minor">
+            <a:schemeClr val="tx1"/>
+          </a:fontRef>
+        </p:style>
+      </p:cxnSp>
     </p:spTree>
     <p:extLst>
       <p:ext uri="{BB962C8B-B14F-4D97-AF65-F5344CB8AC3E}">
@@ -6005,6 +8058,458 @@
 </file>
 
 <file path=ppt/slides/slide2.xml><?xml version="1.0" encoding="utf-8"?>
+<p:sld xmlns:a="http://schemas.openxmlformats.org/drawingml/2006/main" xmlns:r="http://schemas.openxmlformats.org/officeDocument/2006/relationships" xmlns:p="http://schemas.openxmlformats.org/presentationml/2006/main">
+  <p:cSld>
+    <p:spTree>
+      <p:nvGrpSpPr>
+        <p:cNvPr id="1" name=""/>
+        <p:cNvGrpSpPr/>
+        <p:nvPr/>
+      </p:nvGrpSpPr>
+      <p:grpSpPr>
+        <a:xfrm>
+          <a:off x="0" y="0"/>
+          <a:ext cx="0" cy="0"/>
+          <a:chOff x="0" y="0"/>
+          <a:chExt cx="0" cy="0"/>
+        </a:xfrm>
+      </p:grpSpPr>
+      <p:sp>
+        <p:nvSpPr>
+          <p:cNvPr id="2" name="Titel 1">
+            <a:extLst>
+              <a:ext uri="{FF2B5EF4-FFF2-40B4-BE49-F238E27FC236}">
+                <a16:creationId xmlns:a16="http://schemas.microsoft.com/office/drawing/2014/main" id="{2AC891A3-21CF-4C98-9571-06A529BF9495}"/>
+              </a:ext>
+            </a:extLst>
+          </p:cNvPr>
+          <p:cNvSpPr>
+            <a:spLocks noGrp="1"/>
+          </p:cNvSpPr>
+          <p:nvPr>
+            <p:ph type="title"/>
+          </p:nvPr>
+        </p:nvSpPr>
+        <p:spPr/>
+        <p:txBody>
+          <a:bodyPr/>
+          <a:lstStyle/>
+          <a:p>
+            <a:r>
+              <a:rPr lang="de-DE" dirty="0"/>
+              <a:t>allgemeine Informationen:</a:t>
+            </a:r>
+          </a:p>
+        </p:txBody>
+      </p:sp>
+      <p:sp>
+        <p:nvSpPr>
+          <p:cNvPr id="3" name="Inhaltsplatzhalter 2">
+            <a:extLst>
+              <a:ext uri="{FF2B5EF4-FFF2-40B4-BE49-F238E27FC236}">
+                <a16:creationId xmlns:a16="http://schemas.microsoft.com/office/drawing/2014/main" id="{294730C8-151E-4AFC-A2F6-B6DABD55E7F4}"/>
+              </a:ext>
+            </a:extLst>
+          </p:cNvPr>
+          <p:cNvSpPr>
+            <a:spLocks noGrp="1"/>
+          </p:cNvSpPr>
+          <p:nvPr>
+            <p:ph idx="1"/>
+          </p:nvPr>
+        </p:nvSpPr>
+        <p:spPr/>
+        <p:txBody>
+          <a:bodyPr/>
+          <a:lstStyle/>
+          <a:p>
+            <a:r>
+              <a:rPr lang="de-DE" dirty="0"/>
+              <a:t>Dauer (</a:t>
+            </a:r>
+            <a:r>
+              <a:rPr lang="de-DE" dirty="0" err="1"/>
+              <a:t>imputation</a:t>
+            </a:r>
+            <a:r>
+              <a:rPr lang="de-DE" dirty="0"/>
+              <a:t> + Eintragen in die DB): 18 </a:t>
+            </a:r>
+            <a:r>
+              <a:rPr lang="de-DE" dirty="0" err="1"/>
+              <a:t>st.</a:t>
+            </a:r>
+            <a:endParaRPr lang="de-DE" dirty="0"/>
+          </a:p>
+          <a:p>
+            <a:r>
+              <a:rPr lang="de-DE" dirty="0"/>
+              <a:t>Insgesamt gültige Songinfos: 999056</a:t>
+            </a:r>
+          </a:p>
+          <a:p>
+            <a:r>
+              <a:rPr lang="de-DE" dirty="0"/>
+              <a:t>Parameter: </a:t>
+            </a:r>
+            <a:r>
+              <a:rPr lang="de-DE" dirty="0" err="1"/>
+              <a:t>loudness</a:t>
+            </a:r>
+            <a:r>
+              <a:rPr lang="de-DE" dirty="0"/>
+              <a:t>, </a:t>
+            </a:r>
+            <a:r>
+              <a:rPr lang="de-DE" dirty="0" err="1"/>
+              <a:t>hotttnesss</a:t>
+            </a:r>
+            <a:r>
+              <a:rPr lang="de-DE" dirty="0"/>
+              <a:t>, tempo, time </a:t>
+            </a:r>
+            <a:r>
+              <a:rPr lang="de-DE" dirty="0" err="1"/>
+              <a:t>signature</a:t>
+            </a:r>
+            <a:r>
+              <a:rPr lang="de-DE" dirty="0"/>
+              <a:t>, </a:t>
+            </a:r>
+            <a:r>
+              <a:rPr lang="de-DE" dirty="0" err="1"/>
+              <a:t>key</a:t>
+            </a:r>
+            <a:r>
+              <a:rPr lang="de-DE" dirty="0"/>
+              <a:t>, </a:t>
+            </a:r>
+            <a:r>
+              <a:rPr lang="de-DE" dirty="0" err="1"/>
+              <a:t>mode</a:t>
+            </a:r>
+            <a:endParaRPr lang="de-DE" dirty="0"/>
+          </a:p>
+          <a:p>
+            <a:r>
+              <a:rPr lang="de-DE" dirty="0" err="1"/>
+              <a:t>Missing</a:t>
+            </a:r>
+            <a:r>
+              <a:rPr lang="de-DE" dirty="0"/>
+              <a:t> </a:t>
+            </a:r>
+            <a:r>
+              <a:rPr lang="de-DE" dirty="0" err="1"/>
+              <a:t>hotttnesss</a:t>
+            </a:r>
+            <a:r>
+              <a:rPr lang="de-DE" dirty="0"/>
+              <a:t> </a:t>
+            </a:r>
+            <a:r>
+              <a:rPr lang="de-DE" dirty="0" err="1"/>
+              <a:t>values</a:t>
+            </a:r>
+            <a:r>
+              <a:rPr lang="de-DE" dirty="0"/>
+              <a:t>: 417795</a:t>
+            </a:r>
+          </a:p>
+        </p:txBody>
+      </p:sp>
+    </p:spTree>
+    <p:extLst>
+      <p:ext uri="{BB962C8B-B14F-4D97-AF65-F5344CB8AC3E}">
+        <p14:creationId xmlns:p14="http://schemas.microsoft.com/office/powerpoint/2010/main" val="705159993"/>
+      </p:ext>
+    </p:extLst>
+  </p:cSld>
+  <p:clrMapOvr>
+    <a:masterClrMapping/>
+  </p:clrMapOvr>
+</p:sld>
+</file>
+
+<file path=ppt/slides/slide3.xml><?xml version="1.0" encoding="utf-8"?>
+<p:sld xmlns:a="http://schemas.openxmlformats.org/drawingml/2006/main" xmlns:r="http://schemas.openxmlformats.org/officeDocument/2006/relationships" xmlns:p="http://schemas.openxmlformats.org/presentationml/2006/main">
+  <p:cSld>
+    <p:spTree>
+      <p:nvGrpSpPr>
+        <p:cNvPr id="1" name=""/>
+        <p:cNvGrpSpPr/>
+        <p:nvPr/>
+      </p:nvGrpSpPr>
+      <p:grpSpPr>
+        <a:xfrm>
+          <a:off x="0" y="0"/>
+          <a:ext cx="0" cy="0"/>
+          <a:chOff x="0" y="0"/>
+          <a:chExt cx="0" cy="0"/>
+        </a:xfrm>
+      </p:grpSpPr>
+      <p:sp>
+        <p:nvSpPr>
+          <p:cNvPr id="2" name="Titel 1">
+            <a:extLst>
+              <a:ext uri="{FF2B5EF4-FFF2-40B4-BE49-F238E27FC236}">
+                <a16:creationId xmlns:a16="http://schemas.microsoft.com/office/drawing/2014/main" id="{C54930FD-846C-4570-A485-79DE3D0159E5}"/>
+              </a:ext>
+            </a:extLst>
+          </p:cNvPr>
+          <p:cNvSpPr>
+            <a:spLocks noGrp="1"/>
+          </p:cNvSpPr>
+          <p:nvPr>
+            <p:ph type="title"/>
+          </p:nvPr>
+        </p:nvSpPr>
+        <p:spPr/>
+        <p:txBody>
+          <a:bodyPr/>
+          <a:lstStyle/>
+          <a:p>
+            <a:r>
+              <a:rPr lang="de-DE" dirty="0"/>
+              <a:t>Imputation</a:t>
+            </a:r>
+          </a:p>
+        </p:txBody>
+      </p:sp>
+      <p:pic>
+        <p:nvPicPr>
+          <p:cNvPr id="5" name="Inhaltsplatzhalter 4" descr="Ein Bild, das Text, Screenshot enthält.&#10;&#10;Mit hoher Zuverlässigkeit generierte Beschreibung">
+            <a:extLst>
+              <a:ext uri="{FF2B5EF4-FFF2-40B4-BE49-F238E27FC236}">
+                <a16:creationId xmlns:a16="http://schemas.microsoft.com/office/drawing/2014/main" id="{267E9362-CD94-4FE1-995B-939FD17AE3DD}"/>
+              </a:ext>
+            </a:extLst>
+          </p:cNvPr>
+          <p:cNvPicPr>
+            <a:picLocks noGrp="1" noChangeAspect="1"/>
+          </p:cNvPicPr>
+          <p:nvPr>
+            <p:ph idx="1"/>
+          </p:nvPr>
+        </p:nvPicPr>
+        <p:blipFill rotWithShape="1">
+          <a:blip r:embed="rId2">
+            <a:extLst>
+              <a:ext uri="{28A0092B-C50C-407E-A947-70E740481C1C}">
+                <a14:useLocalDpi xmlns:a14="http://schemas.microsoft.com/office/drawing/2010/main" val="0"/>
+              </a:ext>
+            </a:extLst>
+          </a:blip>
+          <a:srcRect r="8470"/>
+          <a:stretch/>
+        </p:blipFill>
+        <p:spPr>
+          <a:xfrm>
+            <a:off x="838200" y="1690688"/>
+            <a:ext cx="11170982" cy="3786262"/>
+          </a:xfrm>
+        </p:spPr>
+      </p:pic>
+    </p:spTree>
+    <p:extLst>
+      <p:ext uri="{BB962C8B-B14F-4D97-AF65-F5344CB8AC3E}">
+        <p14:creationId xmlns:p14="http://schemas.microsoft.com/office/powerpoint/2010/main" val="935629171"/>
+      </p:ext>
+    </p:extLst>
+  </p:cSld>
+  <p:clrMapOvr>
+    <a:masterClrMapping/>
+  </p:clrMapOvr>
+</p:sld>
+</file>
+
+<file path=ppt/slides/slide4.xml><?xml version="1.0" encoding="utf-8"?>
+<p:sld xmlns:a="http://schemas.openxmlformats.org/drawingml/2006/main" xmlns:r="http://schemas.openxmlformats.org/officeDocument/2006/relationships" xmlns:p="http://schemas.openxmlformats.org/presentationml/2006/main">
+  <p:cSld>
+    <p:spTree>
+      <p:nvGrpSpPr>
+        <p:cNvPr id="1" name=""/>
+        <p:cNvGrpSpPr/>
+        <p:nvPr/>
+      </p:nvGrpSpPr>
+      <p:grpSpPr>
+        <a:xfrm>
+          <a:off x="0" y="0"/>
+          <a:ext cx="0" cy="0"/>
+          <a:chOff x="0" y="0"/>
+          <a:chExt cx="0" cy="0"/>
+        </a:xfrm>
+      </p:grpSpPr>
+      <p:sp>
+        <p:nvSpPr>
+          <p:cNvPr id="2" name="Titel 1">
+            <a:extLst>
+              <a:ext uri="{FF2B5EF4-FFF2-40B4-BE49-F238E27FC236}">
+                <a16:creationId xmlns:a16="http://schemas.microsoft.com/office/drawing/2014/main" id="{FC450F38-D556-46D9-A2E8-123F519C373E}"/>
+              </a:ext>
+            </a:extLst>
+          </p:cNvPr>
+          <p:cNvSpPr>
+            <a:spLocks noGrp="1"/>
+          </p:cNvSpPr>
+          <p:nvPr>
+            <p:ph type="title"/>
+          </p:nvPr>
+        </p:nvSpPr>
+        <p:spPr/>
+        <p:txBody>
+          <a:bodyPr/>
+          <a:lstStyle/>
+          <a:p>
+            <a:r>
+              <a:rPr lang="de-DE" dirty="0"/>
+              <a:t>Clustering</a:t>
+            </a:r>
+          </a:p>
+        </p:txBody>
+      </p:sp>
+      <p:pic>
+        <p:nvPicPr>
+          <p:cNvPr id="12" name="Grafik 11">
+            <a:extLst>
+              <a:ext uri="{FF2B5EF4-FFF2-40B4-BE49-F238E27FC236}">
+                <a16:creationId xmlns:a16="http://schemas.microsoft.com/office/drawing/2014/main" id="{E4D51584-08B0-43B7-B89A-7BD4808A2CAE}"/>
+              </a:ext>
+            </a:extLst>
+          </p:cNvPr>
+          <p:cNvPicPr>
+            <a:picLocks noChangeAspect="1"/>
+          </p:cNvPicPr>
+          <p:nvPr/>
+        </p:nvPicPr>
+        <p:blipFill>
+          <a:blip r:embed="rId2">
+            <a:extLst>
+              <a:ext uri="{28A0092B-C50C-407E-A947-70E740481C1C}">
+                <a14:useLocalDpi xmlns:a14="http://schemas.microsoft.com/office/drawing/2010/main" val="0"/>
+              </a:ext>
+            </a:extLst>
+          </a:blip>
+          <a:stretch>
+            <a:fillRect/>
+          </a:stretch>
+        </p:blipFill>
+        <p:spPr>
+          <a:xfrm>
+            <a:off x="838200" y="1632303"/>
+            <a:ext cx="8291646" cy="4028267"/>
+          </a:xfrm>
+          <a:prstGeom prst="rect">
+            <a:avLst/>
+          </a:prstGeom>
+        </p:spPr>
+      </p:pic>
+    </p:spTree>
+    <p:extLst>
+      <p:ext uri="{BB962C8B-B14F-4D97-AF65-F5344CB8AC3E}">
+        <p14:creationId xmlns:p14="http://schemas.microsoft.com/office/powerpoint/2010/main" val="1909450073"/>
+      </p:ext>
+    </p:extLst>
+  </p:cSld>
+  <p:clrMapOvr>
+    <a:masterClrMapping/>
+  </p:clrMapOvr>
+</p:sld>
+</file>
+
+<file path=ppt/slides/slide5.xml><?xml version="1.0" encoding="utf-8"?>
+<p:sld xmlns:a="http://schemas.openxmlformats.org/drawingml/2006/main" xmlns:r="http://schemas.openxmlformats.org/officeDocument/2006/relationships" xmlns:p="http://schemas.openxmlformats.org/presentationml/2006/main">
+  <p:cSld>
+    <p:spTree>
+      <p:nvGrpSpPr>
+        <p:cNvPr id="1" name=""/>
+        <p:cNvGrpSpPr/>
+        <p:nvPr/>
+      </p:nvGrpSpPr>
+      <p:grpSpPr>
+        <a:xfrm>
+          <a:off x="0" y="0"/>
+          <a:ext cx="0" cy="0"/>
+          <a:chOff x="0" y="0"/>
+          <a:chExt cx="0" cy="0"/>
+        </a:xfrm>
+      </p:grpSpPr>
+      <p:sp>
+        <p:nvSpPr>
+          <p:cNvPr id="2" name="Titel 1">
+            <a:extLst>
+              <a:ext uri="{FF2B5EF4-FFF2-40B4-BE49-F238E27FC236}">
+                <a16:creationId xmlns:a16="http://schemas.microsoft.com/office/drawing/2014/main" id="{851170A6-D9E5-4631-9564-1127661BE9D5}"/>
+              </a:ext>
+            </a:extLst>
+          </p:cNvPr>
+          <p:cNvSpPr>
+            <a:spLocks noGrp="1"/>
+          </p:cNvSpPr>
+          <p:nvPr>
+            <p:ph type="title"/>
+          </p:nvPr>
+        </p:nvSpPr>
+        <p:spPr/>
+        <p:txBody>
+          <a:bodyPr/>
+          <a:lstStyle/>
+          <a:p>
+            <a:r>
+              <a:rPr lang="de-DE" dirty="0"/>
+              <a:t>Clustering</a:t>
+            </a:r>
+          </a:p>
+        </p:txBody>
+      </p:sp>
+      <p:pic>
+        <p:nvPicPr>
+          <p:cNvPr id="5" name="Inhaltsplatzhalter 4" descr="Ein Bild, das Screenshot enthält.&#10;&#10;Mit sehr hoher Zuverlässigkeit generierte Beschreibung">
+            <a:extLst>
+              <a:ext uri="{FF2B5EF4-FFF2-40B4-BE49-F238E27FC236}">
+                <a16:creationId xmlns:a16="http://schemas.microsoft.com/office/drawing/2014/main" id="{D81E9430-B894-4053-AEA2-78365B608F13}"/>
+              </a:ext>
+            </a:extLst>
+          </p:cNvPr>
+          <p:cNvPicPr>
+            <a:picLocks noGrp="1" noChangeAspect="1"/>
+          </p:cNvPicPr>
+          <p:nvPr>
+            <p:ph idx="1"/>
+          </p:nvPr>
+        </p:nvPicPr>
+        <p:blipFill rotWithShape="1">
+          <a:blip r:embed="rId2">
+            <a:extLst>
+              <a:ext uri="{28A0092B-C50C-407E-A947-70E740481C1C}">
+                <a14:useLocalDpi xmlns:a14="http://schemas.microsoft.com/office/drawing/2010/main" val="0"/>
+              </a:ext>
+            </a:extLst>
+          </a:blip>
+          <a:srcRect l="-6" t="55692"/>
+          <a:stretch/>
+        </p:blipFill>
+        <p:spPr>
+          <a:xfrm>
+            <a:off x="848138" y="1690687"/>
+            <a:ext cx="11343861" cy="3252374"/>
+          </a:xfrm>
+        </p:spPr>
+      </p:pic>
+    </p:spTree>
+    <p:extLst>
+      <p:ext uri="{BB962C8B-B14F-4D97-AF65-F5344CB8AC3E}">
+        <p14:creationId xmlns:p14="http://schemas.microsoft.com/office/powerpoint/2010/main" val="2393456072"/>
+      </p:ext>
+    </p:extLst>
+  </p:cSld>
+  <p:clrMapOvr>
+    <a:masterClrMapping/>
+  </p:clrMapOvr>
+</p:sld>
+</file>
+
+<file path=ppt/slides/slide6.xml><?xml version="1.0" encoding="utf-8"?>
 <p:sld xmlns:a="http://schemas.openxmlformats.org/drawingml/2006/main" xmlns:r="http://schemas.openxmlformats.org/officeDocument/2006/relationships" xmlns:p="http://schemas.openxmlformats.org/presentationml/2006/main">
   <p:cSld>
     <p:spTree>
@@ -6071,8 +8576,8 @@
           </p:nvPr>
         </p:nvGraphicFramePr>
         <p:xfrm>
-          <a:off x="838200" y="1825625"/>
-          <a:ext cx="10515600" cy="4351338"/>
+          <a:off x="1371600" y="2286000"/>
+          <a:ext cx="9601200" cy="3581400"/>
         </p:xfrm>
         <a:graphic>
           <a:graphicData uri="http://schemas.openxmlformats.org/drawingml/2006/chart">
@@ -6093,7 +8598,7 @@
 </p:sld>
 </file>
 
-<file path=ppt/slides/slide3.xml><?xml version="1.0" encoding="utf-8"?>
+<file path=ppt/slides/slide7.xml><?xml version="1.0" encoding="utf-8"?>
 <p:sld xmlns:a="http://schemas.openxmlformats.org/drawingml/2006/main" xmlns:r="http://schemas.openxmlformats.org/officeDocument/2006/relationships" xmlns:p="http://schemas.openxmlformats.org/presentationml/2006/main">
   <p:cSld>
     <p:spTree>
@@ -6131,35 +8636,1607 @@
           <a:bodyPr/>
           <a:lstStyle/>
           <a:p>
-            <a:endParaRPr lang="de-DE"/>
+            <a:r>
+              <a:rPr lang="de-DE" dirty="0"/>
+              <a:t>Clusterverteilung der beliebten Lieder eines Nutzers</a:t>
+            </a:r>
           </a:p>
         </p:txBody>
       </p:sp>
-      <p:sp>
-        <p:nvSpPr>
-          <p:cNvPr id="6" name="Inhaltsplatzhalter 5">
+      <p:graphicFrame>
+        <p:nvGraphicFramePr>
+          <p:cNvPr id="9" name="Inhaltsplatzhalter 8">
             <a:extLst>
               <a:ext uri="{FF2B5EF4-FFF2-40B4-BE49-F238E27FC236}">
-                <a16:creationId xmlns:a16="http://schemas.microsoft.com/office/drawing/2014/main" id="{9A168AAB-821D-464A-A0F9-C31DE3F2C2CF}"/>
+                <a16:creationId xmlns:a16="http://schemas.microsoft.com/office/drawing/2014/main" id="{FD2BDC73-A463-4A5F-9D4A-3A91770F4F44}"/>
               </a:ext>
             </a:extLst>
           </p:cNvPr>
-          <p:cNvSpPr>
-            <a:spLocks noGrp="1"/>
-          </p:cNvSpPr>
+          <p:cNvGraphicFramePr>
+            <a:graphicFrameLocks noGrp="1"/>
+          </p:cNvGraphicFramePr>
           <p:nvPr>
             <p:ph idx="1"/>
+            <p:extLst>
+              <p:ext uri="{D42A27DB-BD31-4B8C-83A1-F6EECF244321}">
+                <p14:modId xmlns:p14="http://schemas.microsoft.com/office/powerpoint/2010/main" val="1320887933"/>
+              </p:ext>
+            </p:extLst>
           </p:nvPr>
-        </p:nvSpPr>
-        <p:spPr/>
-        <p:txBody>
-          <a:bodyPr/>
-          <a:lstStyle/>
-          <a:p>
-            <a:endParaRPr lang="de-DE"/>
-          </a:p>
-        </p:txBody>
-      </p:sp>
+        </p:nvGraphicFramePr>
+        <p:xfrm>
+          <a:off x="1371600" y="2155135"/>
+          <a:ext cx="9840724" cy="4002156"/>
+        </p:xfrm>
+        <a:graphic>
+          <a:graphicData uri="http://schemas.openxmlformats.org/drawingml/2006/table">
+            <a:tbl>
+              <a:tblPr>
+                <a:tableStyleId>{3B4B98B0-60AC-42C2-AFA5-B58CD77FA1E5}</a:tableStyleId>
+              </a:tblPr>
+              <a:tblGrid>
+                <a:gridCol w="2590800">
+                  <a:extLst>
+                    <a:ext uri="{9D8B030D-6E8A-4147-A177-3AD203B41FA5}">
+                      <a16:colId xmlns:a16="http://schemas.microsoft.com/office/drawing/2014/main" val="3913777977"/>
+                    </a:ext>
+                  </a:extLst>
+                </a:gridCol>
+                <a:gridCol w="1099930">
+                  <a:extLst>
+                    <a:ext uri="{9D8B030D-6E8A-4147-A177-3AD203B41FA5}">
+                      <a16:colId xmlns:a16="http://schemas.microsoft.com/office/drawing/2014/main" val="3141559089"/>
+                    </a:ext>
+                  </a:extLst>
+                </a:gridCol>
+                <a:gridCol w="980661">
+                  <a:extLst>
+                    <a:ext uri="{9D8B030D-6E8A-4147-A177-3AD203B41FA5}">
+                      <a16:colId xmlns:a16="http://schemas.microsoft.com/office/drawing/2014/main" val="2886418167"/>
+                    </a:ext>
+                  </a:extLst>
+                </a:gridCol>
+                <a:gridCol w="1404731">
+                  <a:extLst>
+                    <a:ext uri="{9D8B030D-6E8A-4147-A177-3AD203B41FA5}">
+                      <a16:colId xmlns:a16="http://schemas.microsoft.com/office/drawing/2014/main" val="2516576912"/>
+                    </a:ext>
+                  </a:extLst>
+                </a:gridCol>
+                <a:gridCol w="887895">
+                  <a:extLst>
+                    <a:ext uri="{9D8B030D-6E8A-4147-A177-3AD203B41FA5}">
+                      <a16:colId xmlns:a16="http://schemas.microsoft.com/office/drawing/2014/main" val="3994251853"/>
+                    </a:ext>
+                  </a:extLst>
+                </a:gridCol>
+                <a:gridCol w="715618">
+                  <a:extLst>
+                    <a:ext uri="{9D8B030D-6E8A-4147-A177-3AD203B41FA5}">
+                      <a16:colId xmlns:a16="http://schemas.microsoft.com/office/drawing/2014/main" val="2058468603"/>
+                    </a:ext>
+                  </a:extLst>
+                </a:gridCol>
+                <a:gridCol w="569843">
+                  <a:extLst>
+                    <a:ext uri="{9D8B030D-6E8A-4147-A177-3AD203B41FA5}">
+                      <a16:colId xmlns:a16="http://schemas.microsoft.com/office/drawing/2014/main" val="2243896880"/>
+                    </a:ext>
+                  </a:extLst>
+                </a:gridCol>
+                <a:gridCol w="634417">
+                  <a:extLst>
+                    <a:ext uri="{9D8B030D-6E8A-4147-A177-3AD203B41FA5}">
+                      <a16:colId xmlns:a16="http://schemas.microsoft.com/office/drawing/2014/main" val="3512922471"/>
+                    </a:ext>
+                  </a:extLst>
+                </a:gridCol>
+                <a:gridCol w="956829">
+                  <a:extLst>
+                    <a:ext uri="{9D8B030D-6E8A-4147-A177-3AD203B41FA5}">
+                      <a16:colId xmlns:a16="http://schemas.microsoft.com/office/drawing/2014/main" val="395347425"/>
+                    </a:ext>
+                  </a:extLst>
+                </a:gridCol>
+              </a:tblGrid>
+              <a:tr h="667026">
+                <a:tc>
+                  <a:txBody>
+                    <a:bodyPr/>
+                    <a:lstStyle/>
+                    <a:p>
+                      <a:pPr algn="l" fontAlgn="b"/>
+                      <a:r>
+                        <a:rPr lang="de-DE" sz="1600" u="none" strike="noStrike" dirty="0">
+                          <a:effectLst/>
+                        </a:rPr>
+                        <a:t>title</a:t>
+                      </a:r>
+                      <a:endParaRPr lang="de-DE" sz="1600" b="0" i="0" u="none" strike="noStrike" dirty="0">
+                        <a:solidFill>
+                          <a:srgbClr val="000000"/>
+                        </a:solidFill>
+                        <a:effectLst/>
+                        <a:latin typeface="Calibri" panose="020F0502020204030204" pitchFamily="34" charset="0"/>
+                      </a:endParaRPr>
+                    </a:p>
+                  </a:txBody>
+                  <a:tcPr marL="8842" marR="8842" marT="8842" marB="0" anchor="b">
+                    <a:lnB w="12700" cap="flat" cmpd="sng" algn="ctr">
+                      <a:solidFill>
+                        <a:schemeClr val="tx1"/>
+                      </a:solidFill>
+                      <a:prstDash val="solid"/>
+                      <a:round/>
+                      <a:headEnd type="none" w="med" len="med"/>
+                      <a:tailEnd type="none" w="med" len="med"/>
+                    </a:lnB>
+                  </a:tcPr>
+                </a:tc>
+                <a:tc>
+                  <a:txBody>
+                    <a:bodyPr/>
+                    <a:lstStyle/>
+                    <a:p>
+                      <a:pPr algn="l" fontAlgn="b"/>
+                      <a:r>
+                        <a:rPr lang="de-DE" sz="1600" u="none" strike="noStrike">
+                          <a:effectLst/>
+                        </a:rPr>
+                        <a:t>artist</a:t>
+                      </a:r>
+                      <a:endParaRPr lang="de-DE" sz="1600" b="0" i="0" u="none" strike="noStrike">
+                        <a:solidFill>
+                          <a:srgbClr val="000000"/>
+                        </a:solidFill>
+                        <a:effectLst/>
+                        <a:latin typeface="Calibri" panose="020F0502020204030204" pitchFamily="34" charset="0"/>
+                      </a:endParaRPr>
+                    </a:p>
+                  </a:txBody>
+                  <a:tcPr marL="8842" marR="8842" marT="8842" marB="0" anchor="b">
+                    <a:lnB w="12700" cap="flat" cmpd="sng" algn="ctr">
+                      <a:solidFill>
+                        <a:schemeClr val="tx1"/>
+                      </a:solidFill>
+                      <a:prstDash val="solid"/>
+                      <a:round/>
+                      <a:headEnd type="none" w="med" len="med"/>
+                      <a:tailEnd type="none" w="med" len="med"/>
+                    </a:lnB>
+                  </a:tcPr>
+                </a:tc>
+                <a:tc>
+                  <a:txBody>
+                    <a:bodyPr/>
+                    <a:lstStyle/>
+                    <a:p>
+                      <a:pPr algn="l" fontAlgn="b"/>
+                      <a:r>
+                        <a:rPr lang="de-DE" sz="1600" u="none" strike="noStrike">
+                          <a:effectLst/>
+                        </a:rPr>
+                        <a:t>loudness</a:t>
+                      </a:r>
+                      <a:endParaRPr lang="de-DE" sz="1600" b="0" i="0" u="none" strike="noStrike">
+                        <a:solidFill>
+                          <a:srgbClr val="000000"/>
+                        </a:solidFill>
+                        <a:effectLst/>
+                        <a:latin typeface="Calibri" panose="020F0502020204030204" pitchFamily="34" charset="0"/>
+                      </a:endParaRPr>
+                    </a:p>
+                  </a:txBody>
+                  <a:tcPr marL="8842" marR="8842" marT="8842" marB="0" anchor="b">
+                    <a:lnB w="12700" cap="flat" cmpd="sng" algn="ctr">
+                      <a:solidFill>
+                        <a:schemeClr val="tx1"/>
+                      </a:solidFill>
+                      <a:prstDash val="solid"/>
+                      <a:round/>
+                      <a:headEnd type="none" w="med" len="med"/>
+                      <a:tailEnd type="none" w="med" len="med"/>
+                    </a:lnB>
+                  </a:tcPr>
+                </a:tc>
+                <a:tc>
+                  <a:txBody>
+                    <a:bodyPr/>
+                    <a:lstStyle/>
+                    <a:p>
+                      <a:pPr algn="l" fontAlgn="b"/>
+                      <a:r>
+                        <a:rPr lang="de-DE" sz="1600" u="none" strike="noStrike">
+                          <a:effectLst/>
+                        </a:rPr>
+                        <a:t>hotttnesss</a:t>
+                      </a:r>
+                      <a:endParaRPr lang="de-DE" sz="1600" b="0" i="0" u="none" strike="noStrike">
+                        <a:solidFill>
+                          <a:srgbClr val="000000"/>
+                        </a:solidFill>
+                        <a:effectLst/>
+                        <a:latin typeface="Calibri" panose="020F0502020204030204" pitchFamily="34" charset="0"/>
+                      </a:endParaRPr>
+                    </a:p>
+                  </a:txBody>
+                  <a:tcPr marL="8842" marR="8842" marT="8842" marB="0" anchor="b">
+                    <a:lnB w="12700" cap="flat" cmpd="sng" algn="ctr">
+                      <a:solidFill>
+                        <a:schemeClr val="tx1"/>
+                      </a:solidFill>
+                      <a:prstDash val="solid"/>
+                      <a:round/>
+                      <a:headEnd type="none" w="med" len="med"/>
+                      <a:tailEnd type="none" w="med" len="med"/>
+                    </a:lnB>
+                  </a:tcPr>
+                </a:tc>
+                <a:tc>
+                  <a:txBody>
+                    <a:bodyPr/>
+                    <a:lstStyle/>
+                    <a:p>
+                      <a:pPr algn="l" fontAlgn="b"/>
+                      <a:r>
+                        <a:rPr lang="de-DE" sz="1600" u="none" strike="noStrike">
+                          <a:effectLst/>
+                        </a:rPr>
+                        <a:t>tempo</a:t>
+                      </a:r>
+                      <a:endParaRPr lang="de-DE" sz="1600" b="0" i="0" u="none" strike="noStrike">
+                        <a:solidFill>
+                          <a:srgbClr val="000000"/>
+                        </a:solidFill>
+                        <a:effectLst/>
+                        <a:latin typeface="Calibri" panose="020F0502020204030204" pitchFamily="34" charset="0"/>
+                      </a:endParaRPr>
+                    </a:p>
+                  </a:txBody>
+                  <a:tcPr marL="8842" marR="8842" marT="8842" marB="0" anchor="b">
+                    <a:lnB w="12700" cap="flat" cmpd="sng" algn="ctr">
+                      <a:solidFill>
+                        <a:schemeClr val="tx1"/>
+                      </a:solidFill>
+                      <a:prstDash val="solid"/>
+                      <a:round/>
+                      <a:headEnd type="none" w="med" len="med"/>
+                      <a:tailEnd type="none" w="med" len="med"/>
+                    </a:lnB>
+                  </a:tcPr>
+                </a:tc>
+                <a:tc>
+                  <a:txBody>
+                    <a:bodyPr/>
+                    <a:lstStyle/>
+                    <a:p>
+                      <a:pPr algn="l" fontAlgn="b"/>
+                      <a:r>
+                        <a:rPr lang="de-DE" sz="1600" u="none" strike="noStrike">
+                          <a:effectLst/>
+                        </a:rPr>
+                        <a:t>timeSig</a:t>
+                      </a:r>
+                      <a:endParaRPr lang="de-DE" sz="1600" b="0" i="0" u="none" strike="noStrike">
+                        <a:solidFill>
+                          <a:srgbClr val="000000"/>
+                        </a:solidFill>
+                        <a:effectLst/>
+                        <a:latin typeface="Calibri" panose="020F0502020204030204" pitchFamily="34" charset="0"/>
+                      </a:endParaRPr>
+                    </a:p>
+                  </a:txBody>
+                  <a:tcPr marL="8842" marR="8842" marT="8842" marB="0" anchor="b">
+                    <a:lnB w="12700" cap="flat" cmpd="sng" algn="ctr">
+                      <a:solidFill>
+                        <a:schemeClr val="tx1"/>
+                      </a:solidFill>
+                      <a:prstDash val="solid"/>
+                      <a:round/>
+                      <a:headEnd type="none" w="med" len="med"/>
+                      <a:tailEnd type="none" w="med" len="med"/>
+                    </a:lnB>
+                  </a:tcPr>
+                </a:tc>
+                <a:tc>
+                  <a:txBody>
+                    <a:bodyPr/>
+                    <a:lstStyle/>
+                    <a:p>
+                      <a:pPr algn="l" fontAlgn="b"/>
+                      <a:r>
+                        <a:rPr lang="de-DE" sz="1600" u="none" strike="noStrike" dirty="0" err="1">
+                          <a:effectLst/>
+                        </a:rPr>
+                        <a:t>key</a:t>
+                      </a:r>
+                      <a:endParaRPr lang="de-DE" sz="1600" b="0" i="0" u="none" strike="noStrike" dirty="0">
+                        <a:solidFill>
+                          <a:srgbClr val="000000"/>
+                        </a:solidFill>
+                        <a:effectLst/>
+                        <a:latin typeface="Calibri" panose="020F0502020204030204" pitchFamily="34" charset="0"/>
+                      </a:endParaRPr>
+                    </a:p>
+                  </a:txBody>
+                  <a:tcPr marL="8842" marR="8842" marT="8842" marB="0" anchor="b">
+                    <a:lnB w="12700" cap="flat" cmpd="sng" algn="ctr">
+                      <a:solidFill>
+                        <a:schemeClr val="tx1"/>
+                      </a:solidFill>
+                      <a:prstDash val="solid"/>
+                      <a:round/>
+                      <a:headEnd type="none" w="med" len="med"/>
+                      <a:tailEnd type="none" w="med" len="med"/>
+                    </a:lnB>
+                  </a:tcPr>
+                </a:tc>
+                <a:tc>
+                  <a:txBody>
+                    <a:bodyPr/>
+                    <a:lstStyle/>
+                    <a:p>
+                      <a:pPr algn="l" fontAlgn="b"/>
+                      <a:r>
+                        <a:rPr lang="de-DE" sz="1600" u="none" strike="noStrike" dirty="0" err="1">
+                          <a:effectLst/>
+                        </a:rPr>
+                        <a:t>mode</a:t>
+                      </a:r>
+                      <a:endParaRPr lang="de-DE" sz="1600" b="0" i="0" u="none" strike="noStrike" dirty="0">
+                        <a:solidFill>
+                          <a:srgbClr val="000000"/>
+                        </a:solidFill>
+                        <a:effectLst/>
+                        <a:latin typeface="Calibri" panose="020F0502020204030204" pitchFamily="34" charset="0"/>
+                      </a:endParaRPr>
+                    </a:p>
+                  </a:txBody>
+                  <a:tcPr marL="8842" marR="8842" marT="8842" marB="0" anchor="b">
+                    <a:lnB w="12700" cap="flat" cmpd="sng" algn="ctr">
+                      <a:solidFill>
+                        <a:schemeClr val="tx1"/>
+                      </a:solidFill>
+                      <a:prstDash val="solid"/>
+                      <a:round/>
+                      <a:headEnd type="none" w="med" len="med"/>
+                      <a:tailEnd type="none" w="med" len="med"/>
+                    </a:lnB>
+                  </a:tcPr>
+                </a:tc>
+                <a:tc>
+                  <a:txBody>
+                    <a:bodyPr/>
+                    <a:lstStyle/>
+                    <a:p>
+                      <a:pPr algn="l" fontAlgn="b"/>
+                      <a:r>
+                        <a:rPr lang="de-DE" sz="1600" u="none" strike="noStrike" dirty="0" err="1">
+                          <a:effectLst/>
+                        </a:rPr>
+                        <a:t>label</a:t>
+                      </a:r>
+                      <a:r>
+                        <a:rPr lang="de-DE" sz="1600" u="none" strike="noStrike" dirty="0">
+                          <a:effectLst/>
+                        </a:rPr>
+                        <a:t> (</a:t>
+                      </a:r>
+                      <a:r>
+                        <a:rPr lang="de-DE" sz="1600" u="none" strike="noStrike" dirty="0" err="1">
+                          <a:effectLst/>
+                        </a:rPr>
+                        <a:t>cluster</a:t>
+                      </a:r>
+                      <a:r>
+                        <a:rPr lang="de-DE" sz="1600" u="none" strike="noStrike" dirty="0">
+                          <a:effectLst/>
+                        </a:rPr>
+                        <a:t>)</a:t>
+                      </a:r>
+                      <a:endParaRPr lang="de-DE" sz="1600" b="0" i="0" u="none" strike="noStrike" dirty="0">
+                        <a:solidFill>
+                          <a:srgbClr val="000000"/>
+                        </a:solidFill>
+                        <a:effectLst/>
+                        <a:latin typeface="Calibri" panose="020F0502020204030204" pitchFamily="34" charset="0"/>
+                      </a:endParaRPr>
+                    </a:p>
+                  </a:txBody>
+                  <a:tcPr marL="8842" marR="8842" marT="8842" marB="0" anchor="b">
+                    <a:lnB w="12700" cap="flat" cmpd="sng" algn="ctr">
+                      <a:solidFill>
+                        <a:schemeClr val="tx1"/>
+                      </a:solidFill>
+                      <a:prstDash val="solid"/>
+                      <a:round/>
+                      <a:headEnd type="none" w="med" len="med"/>
+                      <a:tailEnd type="none" w="med" len="med"/>
+                    </a:lnB>
+                  </a:tcPr>
+                </a:tc>
+                <a:extLst>
+                  <a:ext uri="{0D108BD9-81ED-4DB2-BD59-A6C34878D82A}">
+                    <a16:rowId xmlns:a16="http://schemas.microsoft.com/office/drawing/2014/main" val="3127106440"/>
+                  </a:ext>
+                </a:extLst>
+              </a:tr>
+              <a:tr h="667026">
+                <a:tc>
+                  <a:txBody>
+                    <a:bodyPr/>
+                    <a:lstStyle/>
+                    <a:p>
+                      <a:pPr algn="l" fontAlgn="b"/>
+                      <a:r>
+                        <a:rPr lang="de-DE" sz="1600" u="none" strike="noStrike" dirty="0" err="1">
+                          <a:effectLst/>
+                        </a:rPr>
+                        <a:t>Bodies</a:t>
+                      </a:r>
+                      <a:endParaRPr lang="de-DE" sz="1600" b="0" i="0" u="none" strike="noStrike" dirty="0">
+                        <a:solidFill>
+                          <a:srgbClr val="000000"/>
+                        </a:solidFill>
+                        <a:effectLst/>
+                        <a:latin typeface="Calibri" panose="020F0502020204030204" pitchFamily="34" charset="0"/>
+                      </a:endParaRPr>
+                    </a:p>
+                  </a:txBody>
+                  <a:tcPr marL="8842" marR="8842" marT="8842" marB="0" anchor="b">
+                    <a:lnT w="12700" cap="flat" cmpd="sng" algn="ctr">
+                      <a:solidFill>
+                        <a:schemeClr val="tx1"/>
+                      </a:solidFill>
+                      <a:prstDash val="solid"/>
+                      <a:round/>
+                      <a:headEnd type="none" w="med" len="med"/>
+                      <a:tailEnd type="none" w="med" len="med"/>
+                    </a:lnT>
+                  </a:tcPr>
+                </a:tc>
+                <a:tc>
+                  <a:txBody>
+                    <a:bodyPr/>
+                    <a:lstStyle/>
+                    <a:p>
+                      <a:pPr algn="l" fontAlgn="b"/>
+                      <a:r>
+                        <a:rPr lang="de-DE" sz="1600" u="none" strike="noStrike">
+                          <a:effectLst/>
+                        </a:rPr>
+                        <a:t>Drowning Pool</a:t>
+                      </a:r>
+                      <a:endParaRPr lang="de-DE" sz="1600" b="0" i="0" u="none" strike="noStrike">
+                        <a:solidFill>
+                          <a:srgbClr val="000000"/>
+                        </a:solidFill>
+                        <a:effectLst/>
+                        <a:latin typeface="Calibri" panose="020F0502020204030204" pitchFamily="34" charset="0"/>
+                      </a:endParaRPr>
+                    </a:p>
+                  </a:txBody>
+                  <a:tcPr marL="8842" marR="8842" marT="8842" marB="0" anchor="b">
+                    <a:lnT w="12700" cap="flat" cmpd="sng" algn="ctr">
+                      <a:solidFill>
+                        <a:schemeClr val="tx1"/>
+                      </a:solidFill>
+                      <a:prstDash val="solid"/>
+                      <a:round/>
+                      <a:headEnd type="none" w="med" len="med"/>
+                      <a:tailEnd type="none" w="med" len="med"/>
+                    </a:lnT>
+                  </a:tcPr>
+                </a:tc>
+                <a:tc>
+                  <a:txBody>
+                    <a:bodyPr/>
+                    <a:lstStyle/>
+                    <a:p>
+                      <a:pPr algn="l" fontAlgn="b"/>
+                      <a:r>
+                        <a:rPr lang="de-DE" sz="1600" u="none" strike="noStrike">
+                          <a:effectLst/>
+                        </a:rPr>
+                        <a:t>-3,501</a:t>
+                      </a:r>
+                      <a:endParaRPr lang="de-DE" sz="1600" b="0" i="0" u="none" strike="noStrike">
+                        <a:solidFill>
+                          <a:srgbClr val="000000"/>
+                        </a:solidFill>
+                        <a:effectLst/>
+                        <a:latin typeface="Calibri" panose="020F0502020204030204" pitchFamily="34" charset="0"/>
+                      </a:endParaRPr>
+                    </a:p>
+                  </a:txBody>
+                  <a:tcPr marL="8842" marR="8842" marT="8842" marB="0" anchor="b">
+                    <a:lnT w="12700" cap="flat" cmpd="sng" algn="ctr">
+                      <a:solidFill>
+                        <a:schemeClr val="tx1"/>
+                      </a:solidFill>
+                      <a:prstDash val="solid"/>
+                      <a:round/>
+                      <a:headEnd type="none" w="med" len="med"/>
+                      <a:tailEnd type="none" w="med" len="med"/>
+                    </a:lnT>
+                  </a:tcPr>
+                </a:tc>
+                <a:tc>
+                  <a:txBody>
+                    <a:bodyPr/>
+                    <a:lstStyle/>
+                    <a:p>
+                      <a:pPr algn="l" fontAlgn="b"/>
+                      <a:r>
+                        <a:rPr lang="de-DE" sz="1600" u="none" strike="noStrike">
+                          <a:effectLst/>
+                        </a:rPr>
+                        <a:t>0,301681757</a:t>
+                      </a:r>
+                      <a:endParaRPr lang="de-DE" sz="1600" b="0" i="0" u="none" strike="noStrike">
+                        <a:solidFill>
+                          <a:srgbClr val="000000"/>
+                        </a:solidFill>
+                        <a:effectLst/>
+                        <a:latin typeface="Calibri" panose="020F0502020204030204" pitchFamily="34" charset="0"/>
+                      </a:endParaRPr>
+                    </a:p>
+                  </a:txBody>
+                  <a:tcPr marL="8842" marR="8842" marT="8842" marB="0" anchor="b">
+                    <a:lnT w="12700" cap="flat" cmpd="sng" algn="ctr">
+                      <a:solidFill>
+                        <a:schemeClr val="tx1"/>
+                      </a:solidFill>
+                      <a:prstDash val="solid"/>
+                      <a:round/>
+                      <a:headEnd type="none" w="med" len="med"/>
+                      <a:tailEnd type="none" w="med" len="med"/>
+                    </a:lnT>
+                  </a:tcPr>
+                </a:tc>
+                <a:tc>
+                  <a:txBody>
+                    <a:bodyPr/>
+                    <a:lstStyle/>
+                    <a:p>
+                      <a:pPr algn="l" fontAlgn="b"/>
+                      <a:r>
+                        <a:rPr lang="de-DE" sz="1600" u="none" strike="noStrike">
+                          <a:effectLst/>
+                        </a:rPr>
+                        <a:t>130,868</a:t>
+                      </a:r>
+                      <a:endParaRPr lang="de-DE" sz="1600" b="0" i="0" u="none" strike="noStrike">
+                        <a:solidFill>
+                          <a:srgbClr val="000000"/>
+                        </a:solidFill>
+                        <a:effectLst/>
+                        <a:latin typeface="Calibri" panose="020F0502020204030204" pitchFamily="34" charset="0"/>
+                      </a:endParaRPr>
+                    </a:p>
+                  </a:txBody>
+                  <a:tcPr marL="8842" marR="8842" marT="8842" marB="0" anchor="b">
+                    <a:lnT w="12700" cap="flat" cmpd="sng" algn="ctr">
+                      <a:solidFill>
+                        <a:schemeClr val="tx1"/>
+                      </a:solidFill>
+                      <a:prstDash val="solid"/>
+                      <a:round/>
+                      <a:headEnd type="none" w="med" len="med"/>
+                      <a:tailEnd type="none" w="med" len="med"/>
+                    </a:lnT>
+                  </a:tcPr>
+                </a:tc>
+                <a:tc>
+                  <a:txBody>
+                    <a:bodyPr/>
+                    <a:lstStyle/>
+                    <a:p>
+                      <a:pPr algn="l" fontAlgn="b"/>
+                      <a:r>
+                        <a:rPr lang="de-DE" sz="1600" u="none" strike="noStrike">
+                          <a:effectLst/>
+                        </a:rPr>
+                        <a:t>4</a:t>
+                      </a:r>
+                      <a:endParaRPr lang="de-DE" sz="1600" b="0" i="0" u="none" strike="noStrike">
+                        <a:solidFill>
+                          <a:srgbClr val="000000"/>
+                        </a:solidFill>
+                        <a:effectLst/>
+                        <a:latin typeface="Calibri" panose="020F0502020204030204" pitchFamily="34" charset="0"/>
+                      </a:endParaRPr>
+                    </a:p>
+                  </a:txBody>
+                  <a:tcPr marL="8842" marR="8842" marT="8842" marB="0" anchor="b">
+                    <a:lnT w="12700" cap="flat" cmpd="sng" algn="ctr">
+                      <a:solidFill>
+                        <a:schemeClr val="tx1"/>
+                      </a:solidFill>
+                      <a:prstDash val="solid"/>
+                      <a:round/>
+                      <a:headEnd type="none" w="med" len="med"/>
+                      <a:tailEnd type="none" w="med" len="med"/>
+                    </a:lnT>
+                  </a:tcPr>
+                </a:tc>
+                <a:tc>
+                  <a:txBody>
+                    <a:bodyPr/>
+                    <a:lstStyle/>
+                    <a:p>
+                      <a:pPr algn="l" fontAlgn="b"/>
+                      <a:r>
+                        <a:rPr lang="de-DE" sz="1600" u="none" strike="noStrike" dirty="0">
+                          <a:effectLst/>
+                        </a:rPr>
+                        <a:t>1</a:t>
+                      </a:r>
+                      <a:endParaRPr lang="de-DE" sz="1600" b="0" i="0" u="none" strike="noStrike" dirty="0">
+                        <a:solidFill>
+                          <a:srgbClr val="000000"/>
+                        </a:solidFill>
+                        <a:effectLst/>
+                        <a:latin typeface="Calibri" panose="020F0502020204030204" pitchFamily="34" charset="0"/>
+                      </a:endParaRPr>
+                    </a:p>
+                  </a:txBody>
+                  <a:tcPr marL="8842" marR="8842" marT="8842" marB="0" anchor="b">
+                    <a:lnT w="12700" cap="flat" cmpd="sng" algn="ctr">
+                      <a:solidFill>
+                        <a:schemeClr val="tx1"/>
+                      </a:solidFill>
+                      <a:prstDash val="solid"/>
+                      <a:round/>
+                      <a:headEnd type="none" w="med" len="med"/>
+                      <a:tailEnd type="none" w="med" len="med"/>
+                    </a:lnT>
+                  </a:tcPr>
+                </a:tc>
+                <a:tc>
+                  <a:txBody>
+                    <a:bodyPr/>
+                    <a:lstStyle/>
+                    <a:p>
+                      <a:pPr algn="l" fontAlgn="b"/>
+                      <a:r>
+                        <a:rPr lang="de-DE" sz="1600" u="none" strike="noStrike">
+                          <a:effectLst/>
+                        </a:rPr>
+                        <a:t>1</a:t>
+                      </a:r>
+                      <a:endParaRPr lang="de-DE" sz="1600" b="0" i="0" u="none" strike="noStrike">
+                        <a:solidFill>
+                          <a:srgbClr val="000000"/>
+                        </a:solidFill>
+                        <a:effectLst/>
+                        <a:latin typeface="Calibri" panose="020F0502020204030204" pitchFamily="34" charset="0"/>
+                      </a:endParaRPr>
+                    </a:p>
+                  </a:txBody>
+                  <a:tcPr marL="8842" marR="8842" marT="8842" marB="0" anchor="b">
+                    <a:lnT w="12700" cap="flat" cmpd="sng" algn="ctr">
+                      <a:solidFill>
+                        <a:schemeClr val="tx1"/>
+                      </a:solidFill>
+                      <a:prstDash val="solid"/>
+                      <a:round/>
+                      <a:headEnd type="none" w="med" len="med"/>
+                      <a:tailEnd type="none" w="med" len="med"/>
+                    </a:lnT>
+                  </a:tcPr>
+                </a:tc>
+                <a:tc>
+                  <a:txBody>
+                    <a:bodyPr/>
+                    <a:lstStyle/>
+                    <a:p>
+                      <a:pPr algn="l" fontAlgn="b"/>
+                      <a:r>
+                        <a:rPr lang="de-DE" sz="1600" u="none" strike="noStrike" dirty="0">
+                          <a:effectLst/>
+                        </a:rPr>
+                        <a:t>0</a:t>
+                      </a:r>
+                      <a:endParaRPr lang="de-DE" sz="1600" b="0" i="0" u="none" strike="noStrike" dirty="0">
+                        <a:solidFill>
+                          <a:srgbClr val="000000"/>
+                        </a:solidFill>
+                        <a:effectLst/>
+                        <a:latin typeface="Calibri" panose="020F0502020204030204" pitchFamily="34" charset="0"/>
+                      </a:endParaRPr>
+                    </a:p>
+                  </a:txBody>
+                  <a:tcPr marL="8842" marR="8842" marT="8842" marB="0" anchor="b">
+                    <a:lnT w="12700" cap="flat" cmpd="sng" algn="ctr">
+                      <a:solidFill>
+                        <a:schemeClr val="tx1"/>
+                      </a:solidFill>
+                      <a:prstDash val="solid"/>
+                      <a:round/>
+                      <a:headEnd type="none" w="med" len="med"/>
+                      <a:tailEnd type="none" w="med" len="med"/>
+                    </a:lnT>
+                  </a:tcPr>
+                </a:tc>
+                <a:extLst>
+                  <a:ext uri="{0D108BD9-81ED-4DB2-BD59-A6C34878D82A}">
+                    <a16:rowId xmlns:a16="http://schemas.microsoft.com/office/drawing/2014/main" val="3124095641"/>
+                  </a:ext>
+                </a:extLst>
+              </a:tr>
+              <a:tr h="667026">
+                <a:tc>
+                  <a:txBody>
+                    <a:bodyPr/>
+                    <a:lstStyle/>
+                    <a:p>
+                      <a:pPr algn="l" fontAlgn="b"/>
+                      <a:r>
+                        <a:rPr lang="de-DE" sz="1600" u="none" strike="noStrike" dirty="0">
+                          <a:effectLst/>
+                        </a:rPr>
+                        <a:t>Come </a:t>
+                      </a:r>
+                      <a:r>
+                        <a:rPr lang="de-DE" sz="1600" u="none" strike="noStrike" dirty="0" err="1">
+                          <a:effectLst/>
+                        </a:rPr>
+                        <a:t>Again</a:t>
+                      </a:r>
+                      <a:r>
+                        <a:rPr lang="de-DE" sz="1600" u="none" strike="noStrike" dirty="0">
+                          <a:effectLst/>
+                        </a:rPr>
+                        <a:t> (Album Version)</a:t>
+                      </a:r>
+                      <a:endParaRPr lang="de-DE" sz="1600" b="0" i="0" u="none" strike="noStrike" dirty="0">
+                        <a:solidFill>
+                          <a:srgbClr val="000000"/>
+                        </a:solidFill>
+                        <a:effectLst/>
+                        <a:latin typeface="Calibri" panose="020F0502020204030204" pitchFamily="34" charset="0"/>
+                      </a:endParaRPr>
+                    </a:p>
+                  </a:txBody>
+                  <a:tcPr marL="8842" marR="8842" marT="8842" marB="0" anchor="b"/>
+                </a:tc>
+                <a:tc>
+                  <a:txBody>
+                    <a:bodyPr/>
+                    <a:lstStyle/>
+                    <a:p>
+                      <a:pPr algn="l" fontAlgn="b"/>
+                      <a:r>
+                        <a:rPr lang="de-DE" sz="1600" u="none" strike="noStrike">
+                          <a:effectLst/>
+                        </a:rPr>
+                        <a:t>Damn Yankees</a:t>
+                      </a:r>
+                      <a:endParaRPr lang="de-DE" sz="1600" b="0" i="0" u="none" strike="noStrike">
+                        <a:solidFill>
+                          <a:srgbClr val="000000"/>
+                        </a:solidFill>
+                        <a:effectLst/>
+                        <a:latin typeface="Calibri" panose="020F0502020204030204" pitchFamily="34" charset="0"/>
+                      </a:endParaRPr>
+                    </a:p>
+                  </a:txBody>
+                  <a:tcPr marL="8842" marR="8842" marT="8842" marB="0" anchor="b"/>
+                </a:tc>
+                <a:tc>
+                  <a:txBody>
+                    <a:bodyPr/>
+                    <a:lstStyle/>
+                    <a:p>
+                      <a:pPr algn="l" fontAlgn="b"/>
+                      <a:r>
+                        <a:rPr lang="de-DE" sz="1600" u="none" strike="noStrike" dirty="0">
+                          <a:effectLst/>
+                        </a:rPr>
+                        <a:t>-10,951</a:t>
+                      </a:r>
+                      <a:endParaRPr lang="de-DE" sz="1600" b="0" i="0" u="none" strike="noStrike" dirty="0">
+                        <a:solidFill>
+                          <a:srgbClr val="000000"/>
+                        </a:solidFill>
+                        <a:effectLst/>
+                        <a:latin typeface="Calibri" panose="020F0502020204030204" pitchFamily="34" charset="0"/>
+                      </a:endParaRPr>
+                    </a:p>
+                  </a:txBody>
+                  <a:tcPr marL="8842" marR="8842" marT="8842" marB="0" anchor="b"/>
+                </a:tc>
+                <a:tc>
+                  <a:txBody>
+                    <a:bodyPr/>
+                    <a:lstStyle/>
+                    <a:p>
+                      <a:pPr algn="l" fontAlgn="b"/>
+                      <a:r>
+                        <a:rPr lang="de-DE" sz="1600" u="none" strike="noStrike" dirty="0">
+                          <a:effectLst/>
+                        </a:rPr>
+                        <a:t>0,728468718</a:t>
+                      </a:r>
+                      <a:endParaRPr lang="de-DE" sz="1600" b="0" i="0" u="none" strike="noStrike" dirty="0">
+                        <a:solidFill>
+                          <a:srgbClr val="000000"/>
+                        </a:solidFill>
+                        <a:effectLst/>
+                        <a:latin typeface="Calibri" panose="020F0502020204030204" pitchFamily="34" charset="0"/>
+                      </a:endParaRPr>
+                    </a:p>
+                  </a:txBody>
+                  <a:tcPr marL="8842" marR="8842" marT="8842" marB="0" anchor="b"/>
+                </a:tc>
+                <a:tc>
+                  <a:txBody>
+                    <a:bodyPr/>
+                    <a:lstStyle/>
+                    <a:p>
+                      <a:pPr algn="l" fontAlgn="b"/>
+                      <a:r>
+                        <a:rPr lang="de-DE" sz="1600" u="none" strike="noStrike" dirty="0">
+                          <a:effectLst/>
+                        </a:rPr>
+                        <a:t>132,302</a:t>
+                      </a:r>
+                      <a:endParaRPr lang="de-DE" sz="1600" b="0" i="0" u="none" strike="noStrike" dirty="0">
+                        <a:solidFill>
+                          <a:srgbClr val="000000"/>
+                        </a:solidFill>
+                        <a:effectLst/>
+                        <a:latin typeface="Calibri" panose="020F0502020204030204" pitchFamily="34" charset="0"/>
+                      </a:endParaRPr>
+                    </a:p>
+                  </a:txBody>
+                  <a:tcPr marL="8842" marR="8842" marT="8842" marB="0" anchor="b"/>
+                </a:tc>
+                <a:tc>
+                  <a:txBody>
+                    <a:bodyPr/>
+                    <a:lstStyle/>
+                    <a:p>
+                      <a:pPr algn="l" fontAlgn="b"/>
+                      <a:r>
+                        <a:rPr lang="de-DE" sz="1600" u="none" strike="noStrike">
+                          <a:effectLst/>
+                        </a:rPr>
+                        <a:t>4</a:t>
+                      </a:r>
+                      <a:endParaRPr lang="de-DE" sz="1600" b="0" i="0" u="none" strike="noStrike">
+                        <a:solidFill>
+                          <a:srgbClr val="000000"/>
+                        </a:solidFill>
+                        <a:effectLst/>
+                        <a:latin typeface="Calibri" panose="020F0502020204030204" pitchFamily="34" charset="0"/>
+                      </a:endParaRPr>
+                    </a:p>
+                  </a:txBody>
+                  <a:tcPr marL="8842" marR="8842" marT="8842" marB="0" anchor="b"/>
+                </a:tc>
+                <a:tc>
+                  <a:txBody>
+                    <a:bodyPr/>
+                    <a:lstStyle/>
+                    <a:p>
+                      <a:pPr algn="l" fontAlgn="b"/>
+                      <a:r>
+                        <a:rPr lang="de-DE" sz="1600" u="none" strike="noStrike">
+                          <a:effectLst/>
+                        </a:rPr>
+                        <a:t>7</a:t>
+                      </a:r>
+                      <a:endParaRPr lang="de-DE" sz="1600" b="0" i="0" u="none" strike="noStrike">
+                        <a:solidFill>
+                          <a:srgbClr val="000000"/>
+                        </a:solidFill>
+                        <a:effectLst/>
+                        <a:latin typeface="Calibri" panose="020F0502020204030204" pitchFamily="34" charset="0"/>
+                      </a:endParaRPr>
+                    </a:p>
+                  </a:txBody>
+                  <a:tcPr marL="8842" marR="8842" marT="8842" marB="0" anchor="b"/>
+                </a:tc>
+                <a:tc>
+                  <a:txBody>
+                    <a:bodyPr/>
+                    <a:lstStyle/>
+                    <a:p>
+                      <a:pPr algn="l" fontAlgn="b"/>
+                      <a:r>
+                        <a:rPr lang="de-DE" sz="1600" u="none" strike="noStrike">
+                          <a:effectLst/>
+                        </a:rPr>
+                        <a:t>1</a:t>
+                      </a:r>
+                      <a:endParaRPr lang="de-DE" sz="1600" b="0" i="0" u="none" strike="noStrike">
+                        <a:solidFill>
+                          <a:srgbClr val="000000"/>
+                        </a:solidFill>
+                        <a:effectLst/>
+                        <a:latin typeface="Calibri" panose="020F0502020204030204" pitchFamily="34" charset="0"/>
+                      </a:endParaRPr>
+                    </a:p>
+                  </a:txBody>
+                  <a:tcPr marL="8842" marR="8842" marT="8842" marB="0" anchor="b"/>
+                </a:tc>
+                <a:tc>
+                  <a:txBody>
+                    <a:bodyPr/>
+                    <a:lstStyle/>
+                    <a:p>
+                      <a:pPr algn="l" fontAlgn="b"/>
+                      <a:r>
+                        <a:rPr lang="de-DE" sz="1600" u="none" strike="noStrike">
+                          <a:effectLst/>
+                        </a:rPr>
+                        <a:t>20</a:t>
+                      </a:r>
+                      <a:endParaRPr lang="de-DE" sz="1600" b="0" i="0" u="none" strike="noStrike">
+                        <a:solidFill>
+                          <a:srgbClr val="000000"/>
+                        </a:solidFill>
+                        <a:effectLst/>
+                        <a:latin typeface="Calibri" panose="020F0502020204030204" pitchFamily="34" charset="0"/>
+                      </a:endParaRPr>
+                    </a:p>
+                  </a:txBody>
+                  <a:tcPr marL="8842" marR="8842" marT="8842" marB="0" anchor="b"/>
+                </a:tc>
+                <a:extLst>
+                  <a:ext uri="{0D108BD9-81ED-4DB2-BD59-A6C34878D82A}">
+                    <a16:rowId xmlns:a16="http://schemas.microsoft.com/office/drawing/2014/main" val="1678834907"/>
+                  </a:ext>
+                </a:extLst>
+              </a:tr>
+              <a:tr h="667026">
+                <a:tc>
+                  <a:txBody>
+                    <a:bodyPr/>
+                    <a:lstStyle/>
+                    <a:p>
+                      <a:pPr algn="l" fontAlgn="b"/>
+                      <a:r>
+                        <a:rPr lang="en-US" sz="1600" u="none" strike="noStrike">
+                          <a:effectLst/>
+                        </a:rPr>
+                        <a:t>Only Love Can Break Your Heart</a:t>
+                      </a:r>
+                      <a:endParaRPr lang="en-US" sz="1600" b="0" i="0" u="none" strike="noStrike">
+                        <a:solidFill>
+                          <a:srgbClr val="000000"/>
+                        </a:solidFill>
+                        <a:effectLst/>
+                        <a:latin typeface="Calibri" panose="020F0502020204030204" pitchFamily="34" charset="0"/>
+                      </a:endParaRPr>
+                    </a:p>
+                  </a:txBody>
+                  <a:tcPr marL="8842" marR="8842" marT="8842" marB="0" anchor="b"/>
+                </a:tc>
+                <a:tc>
+                  <a:txBody>
+                    <a:bodyPr/>
+                    <a:lstStyle/>
+                    <a:p>
+                      <a:pPr algn="l" fontAlgn="b"/>
+                      <a:r>
+                        <a:rPr lang="de-DE" sz="1600" u="none" strike="noStrike">
+                          <a:effectLst/>
+                        </a:rPr>
+                        <a:t>Saint Etienne</a:t>
+                      </a:r>
+                      <a:endParaRPr lang="de-DE" sz="1600" b="0" i="0" u="none" strike="noStrike">
+                        <a:solidFill>
+                          <a:srgbClr val="000000"/>
+                        </a:solidFill>
+                        <a:effectLst/>
+                        <a:latin typeface="Calibri" panose="020F0502020204030204" pitchFamily="34" charset="0"/>
+                      </a:endParaRPr>
+                    </a:p>
+                  </a:txBody>
+                  <a:tcPr marL="8842" marR="8842" marT="8842" marB="0" anchor="b"/>
+                </a:tc>
+                <a:tc>
+                  <a:txBody>
+                    <a:bodyPr/>
+                    <a:lstStyle/>
+                    <a:p>
+                      <a:pPr algn="l" fontAlgn="b"/>
+                      <a:r>
+                        <a:rPr lang="de-DE" sz="1600" u="none" strike="noStrike">
+                          <a:effectLst/>
+                        </a:rPr>
+                        <a:t>-5,424</a:t>
+                      </a:r>
+                      <a:endParaRPr lang="de-DE" sz="1600" b="0" i="0" u="none" strike="noStrike">
+                        <a:solidFill>
+                          <a:srgbClr val="000000"/>
+                        </a:solidFill>
+                        <a:effectLst/>
+                        <a:latin typeface="Calibri" panose="020F0502020204030204" pitchFamily="34" charset="0"/>
+                      </a:endParaRPr>
+                    </a:p>
+                  </a:txBody>
+                  <a:tcPr marL="8842" marR="8842" marT="8842" marB="0" anchor="b"/>
+                </a:tc>
+                <a:tc>
+                  <a:txBody>
+                    <a:bodyPr/>
+                    <a:lstStyle/>
+                    <a:p>
+                      <a:pPr algn="l" fontAlgn="b"/>
+                      <a:r>
+                        <a:rPr lang="de-DE" sz="1600" u="none" strike="noStrike">
+                          <a:effectLst/>
+                        </a:rPr>
+                        <a:t>0,66804717</a:t>
+                      </a:r>
+                      <a:endParaRPr lang="de-DE" sz="1600" b="0" i="0" u="none" strike="noStrike">
+                        <a:solidFill>
+                          <a:srgbClr val="000000"/>
+                        </a:solidFill>
+                        <a:effectLst/>
+                        <a:latin typeface="Calibri" panose="020F0502020204030204" pitchFamily="34" charset="0"/>
+                      </a:endParaRPr>
+                    </a:p>
+                  </a:txBody>
+                  <a:tcPr marL="8842" marR="8842" marT="8842" marB="0" anchor="b"/>
+                </a:tc>
+                <a:tc>
+                  <a:txBody>
+                    <a:bodyPr/>
+                    <a:lstStyle/>
+                    <a:p>
+                      <a:pPr algn="l" fontAlgn="b"/>
+                      <a:r>
+                        <a:rPr lang="de-DE" sz="1600" u="none" strike="noStrike" dirty="0">
+                          <a:effectLst/>
+                        </a:rPr>
+                        <a:t>102,42</a:t>
+                      </a:r>
+                      <a:endParaRPr lang="de-DE" sz="1600" b="0" i="0" u="none" strike="noStrike" dirty="0">
+                        <a:solidFill>
+                          <a:srgbClr val="000000"/>
+                        </a:solidFill>
+                        <a:effectLst/>
+                        <a:latin typeface="Calibri" panose="020F0502020204030204" pitchFamily="34" charset="0"/>
+                      </a:endParaRPr>
+                    </a:p>
+                  </a:txBody>
+                  <a:tcPr marL="8842" marR="8842" marT="8842" marB="0" anchor="b"/>
+                </a:tc>
+                <a:tc>
+                  <a:txBody>
+                    <a:bodyPr/>
+                    <a:lstStyle/>
+                    <a:p>
+                      <a:pPr algn="l" fontAlgn="b"/>
+                      <a:r>
+                        <a:rPr lang="de-DE" sz="1600" u="none" strike="noStrike" dirty="0">
+                          <a:effectLst/>
+                        </a:rPr>
+                        <a:t>4</a:t>
+                      </a:r>
+                      <a:endParaRPr lang="de-DE" sz="1600" b="0" i="0" u="none" strike="noStrike" dirty="0">
+                        <a:solidFill>
+                          <a:srgbClr val="000000"/>
+                        </a:solidFill>
+                        <a:effectLst/>
+                        <a:latin typeface="Calibri" panose="020F0502020204030204" pitchFamily="34" charset="0"/>
+                      </a:endParaRPr>
+                    </a:p>
+                  </a:txBody>
+                  <a:tcPr marL="8842" marR="8842" marT="8842" marB="0" anchor="b"/>
+                </a:tc>
+                <a:tc>
+                  <a:txBody>
+                    <a:bodyPr/>
+                    <a:lstStyle/>
+                    <a:p>
+                      <a:pPr algn="l" fontAlgn="b"/>
+                      <a:r>
+                        <a:rPr lang="de-DE" sz="1600" u="none" strike="noStrike">
+                          <a:effectLst/>
+                        </a:rPr>
+                        <a:t>2</a:t>
+                      </a:r>
+                      <a:endParaRPr lang="de-DE" sz="1600" b="0" i="0" u="none" strike="noStrike">
+                        <a:solidFill>
+                          <a:srgbClr val="000000"/>
+                        </a:solidFill>
+                        <a:effectLst/>
+                        <a:latin typeface="Calibri" panose="020F0502020204030204" pitchFamily="34" charset="0"/>
+                      </a:endParaRPr>
+                    </a:p>
+                  </a:txBody>
+                  <a:tcPr marL="8842" marR="8842" marT="8842" marB="0" anchor="b"/>
+                </a:tc>
+                <a:tc>
+                  <a:txBody>
+                    <a:bodyPr/>
+                    <a:lstStyle/>
+                    <a:p>
+                      <a:pPr algn="l" fontAlgn="b"/>
+                      <a:r>
+                        <a:rPr lang="de-DE" sz="1600" u="none" strike="noStrike">
+                          <a:effectLst/>
+                        </a:rPr>
+                        <a:t>1</a:t>
+                      </a:r>
+                      <a:endParaRPr lang="de-DE" sz="1600" b="0" i="0" u="none" strike="noStrike">
+                        <a:solidFill>
+                          <a:srgbClr val="000000"/>
+                        </a:solidFill>
+                        <a:effectLst/>
+                        <a:latin typeface="Calibri" panose="020F0502020204030204" pitchFamily="34" charset="0"/>
+                      </a:endParaRPr>
+                    </a:p>
+                  </a:txBody>
+                  <a:tcPr marL="8842" marR="8842" marT="8842" marB="0" anchor="b"/>
+                </a:tc>
+                <a:tc>
+                  <a:txBody>
+                    <a:bodyPr/>
+                    <a:lstStyle/>
+                    <a:p>
+                      <a:pPr algn="l" fontAlgn="b"/>
+                      <a:r>
+                        <a:rPr lang="de-DE" sz="1600" u="none" strike="noStrike">
+                          <a:effectLst/>
+                        </a:rPr>
+                        <a:t>21</a:t>
+                      </a:r>
+                      <a:endParaRPr lang="de-DE" sz="1600" b="0" i="0" u="none" strike="noStrike">
+                        <a:solidFill>
+                          <a:srgbClr val="000000"/>
+                        </a:solidFill>
+                        <a:effectLst/>
+                        <a:latin typeface="Calibri" panose="020F0502020204030204" pitchFamily="34" charset="0"/>
+                      </a:endParaRPr>
+                    </a:p>
+                  </a:txBody>
+                  <a:tcPr marL="8842" marR="8842" marT="8842" marB="0" anchor="b"/>
+                </a:tc>
+                <a:extLst>
+                  <a:ext uri="{0D108BD9-81ED-4DB2-BD59-A6C34878D82A}">
+                    <a16:rowId xmlns:a16="http://schemas.microsoft.com/office/drawing/2014/main" val="2977755431"/>
+                  </a:ext>
+                </a:extLst>
+              </a:tr>
+              <a:tr h="667026">
+                <a:tc>
+                  <a:txBody>
+                    <a:bodyPr/>
+                    <a:lstStyle/>
+                    <a:p>
+                      <a:pPr algn="l" fontAlgn="b"/>
+                      <a:r>
+                        <a:rPr lang="de-DE" sz="1600" u="none" strike="noStrike">
+                          <a:effectLst/>
+                        </a:rPr>
+                        <a:t>Your Woman</a:t>
+                      </a:r>
+                      <a:endParaRPr lang="de-DE" sz="1600" b="0" i="0" u="none" strike="noStrike">
+                        <a:solidFill>
+                          <a:srgbClr val="000000"/>
+                        </a:solidFill>
+                        <a:effectLst/>
+                        <a:latin typeface="Calibri" panose="020F0502020204030204" pitchFamily="34" charset="0"/>
+                      </a:endParaRPr>
+                    </a:p>
+                  </a:txBody>
+                  <a:tcPr marL="8842" marR="8842" marT="8842" marB="0" anchor="b"/>
+                </a:tc>
+                <a:tc>
+                  <a:txBody>
+                    <a:bodyPr/>
+                    <a:lstStyle/>
+                    <a:p>
+                      <a:pPr algn="l" fontAlgn="b"/>
+                      <a:r>
+                        <a:rPr lang="de-DE" sz="1600" u="none" strike="noStrike">
+                          <a:effectLst/>
+                        </a:rPr>
+                        <a:t>White Town</a:t>
+                      </a:r>
+                      <a:endParaRPr lang="de-DE" sz="1600" b="0" i="0" u="none" strike="noStrike">
+                        <a:solidFill>
+                          <a:srgbClr val="000000"/>
+                        </a:solidFill>
+                        <a:effectLst/>
+                        <a:latin typeface="Calibri" panose="020F0502020204030204" pitchFamily="34" charset="0"/>
+                      </a:endParaRPr>
+                    </a:p>
+                  </a:txBody>
+                  <a:tcPr marL="8842" marR="8842" marT="8842" marB="0" anchor="b"/>
+                </a:tc>
+                <a:tc>
+                  <a:txBody>
+                    <a:bodyPr/>
+                    <a:lstStyle/>
+                    <a:p>
+                      <a:pPr algn="l" fontAlgn="b"/>
+                      <a:r>
+                        <a:rPr lang="de-DE" sz="1600" u="none" strike="noStrike">
+                          <a:effectLst/>
+                        </a:rPr>
+                        <a:t>-7,237</a:t>
+                      </a:r>
+                      <a:endParaRPr lang="de-DE" sz="1600" b="0" i="0" u="none" strike="noStrike">
+                        <a:solidFill>
+                          <a:srgbClr val="000000"/>
+                        </a:solidFill>
+                        <a:effectLst/>
+                        <a:latin typeface="Calibri" panose="020F0502020204030204" pitchFamily="34" charset="0"/>
+                      </a:endParaRPr>
+                    </a:p>
+                  </a:txBody>
+                  <a:tcPr marL="8842" marR="8842" marT="8842" marB="0" anchor="b"/>
+                </a:tc>
+                <a:tc>
+                  <a:txBody>
+                    <a:bodyPr/>
+                    <a:lstStyle/>
+                    <a:p>
+                      <a:pPr algn="l" fontAlgn="b"/>
+                      <a:r>
+                        <a:rPr lang="de-DE" sz="1600" u="none" strike="noStrike">
+                          <a:effectLst/>
+                        </a:rPr>
+                        <a:t>1</a:t>
+                      </a:r>
+                      <a:endParaRPr lang="de-DE" sz="1600" b="0" i="0" u="none" strike="noStrike">
+                        <a:solidFill>
+                          <a:srgbClr val="000000"/>
+                        </a:solidFill>
+                        <a:effectLst/>
+                        <a:latin typeface="Calibri" panose="020F0502020204030204" pitchFamily="34" charset="0"/>
+                      </a:endParaRPr>
+                    </a:p>
+                  </a:txBody>
+                  <a:tcPr marL="8842" marR="8842" marT="8842" marB="0" anchor="b"/>
+                </a:tc>
+                <a:tc>
+                  <a:txBody>
+                    <a:bodyPr/>
+                    <a:lstStyle/>
+                    <a:p>
+                      <a:pPr algn="l" fontAlgn="b"/>
+                      <a:r>
+                        <a:rPr lang="de-DE" sz="1600" u="none" strike="noStrike">
+                          <a:effectLst/>
+                        </a:rPr>
+                        <a:t>102,853</a:t>
+                      </a:r>
+                      <a:endParaRPr lang="de-DE" sz="1600" b="0" i="0" u="none" strike="noStrike">
+                        <a:solidFill>
+                          <a:srgbClr val="000000"/>
+                        </a:solidFill>
+                        <a:effectLst/>
+                        <a:latin typeface="Calibri" panose="020F0502020204030204" pitchFamily="34" charset="0"/>
+                      </a:endParaRPr>
+                    </a:p>
+                  </a:txBody>
+                  <a:tcPr marL="8842" marR="8842" marT="8842" marB="0" anchor="b"/>
+                </a:tc>
+                <a:tc>
+                  <a:txBody>
+                    <a:bodyPr/>
+                    <a:lstStyle/>
+                    <a:p>
+                      <a:pPr algn="l" fontAlgn="b"/>
+                      <a:r>
+                        <a:rPr lang="de-DE" sz="1600" u="none" strike="noStrike" dirty="0">
+                          <a:effectLst/>
+                        </a:rPr>
+                        <a:t>4</a:t>
+                      </a:r>
+                      <a:endParaRPr lang="de-DE" sz="1600" b="0" i="0" u="none" strike="noStrike" dirty="0">
+                        <a:solidFill>
+                          <a:srgbClr val="000000"/>
+                        </a:solidFill>
+                        <a:effectLst/>
+                        <a:latin typeface="Calibri" panose="020F0502020204030204" pitchFamily="34" charset="0"/>
+                      </a:endParaRPr>
+                    </a:p>
+                  </a:txBody>
+                  <a:tcPr marL="8842" marR="8842" marT="8842" marB="0" anchor="b"/>
+                </a:tc>
+                <a:tc>
+                  <a:txBody>
+                    <a:bodyPr/>
+                    <a:lstStyle/>
+                    <a:p>
+                      <a:pPr algn="l" fontAlgn="b"/>
+                      <a:r>
+                        <a:rPr lang="de-DE" sz="1600" u="none" strike="noStrike" dirty="0">
+                          <a:effectLst/>
+                        </a:rPr>
+                        <a:t>5</a:t>
+                      </a:r>
+                      <a:endParaRPr lang="de-DE" sz="1600" b="0" i="0" u="none" strike="noStrike" dirty="0">
+                        <a:solidFill>
+                          <a:srgbClr val="000000"/>
+                        </a:solidFill>
+                        <a:effectLst/>
+                        <a:latin typeface="Calibri" panose="020F0502020204030204" pitchFamily="34" charset="0"/>
+                      </a:endParaRPr>
+                    </a:p>
+                  </a:txBody>
+                  <a:tcPr marL="8842" marR="8842" marT="8842" marB="0" anchor="b"/>
+                </a:tc>
+                <a:tc>
+                  <a:txBody>
+                    <a:bodyPr/>
+                    <a:lstStyle/>
+                    <a:p>
+                      <a:pPr algn="l" fontAlgn="b"/>
+                      <a:r>
+                        <a:rPr lang="de-DE" sz="1600" u="none" strike="noStrike">
+                          <a:effectLst/>
+                        </a:rPr>
+                        <a:t>1</a:t>
+                      </a:r>
+                      <a:endParaRPr lang="de-DE" sz="1600" b="0" i="0" u="none" strike="noStrike">
+                        <a:solidFill>
+                          <a:srgbClr val="000000"/>
+                        </a:solidFill>
+                        <a:effectLst/>
+                        <a:latin typeface="Calibri" panose="020F0502020204030204" pitchFamily="34" charset="0"/>
+                      </a:endParaRPr>
+                    </a:p>
+                  </a:txBody>
+                  <a:tcPr marL="8842" marR="8842" marT="8842" marB="0" anchor="b"/>
+                </a:tc>
+                <a:tc>
+                  <a:txBody>
+                    <a:bodyPr/>
+                    <a:lstStyle/>
+                    <a:p>
+                      <a:pPr algn="l" fontAlgn="b"/>
+                      <a:r>
+                        <a:rPr lang="de-DE" sz="1600" u="none" strike="noStrike">
+                          <a:effectLst/>
+                        </a:rPr>
+                        <a:t>3</a:t>
+                      </a:r>
+                      <a:endParaRPr lang="de-DE" sz="1600" b="0" i="0" u="none" strike="noStrike">
+                        <a:solidFill>
+                          <a:srgbClr val="000000"/>
+                        </a:solidFill>
+                        <a:effectLst/>
+                        <a:latin typeface="Calibri" panose="020F0502020204030204" pitchFamily="34" charset="0"/>
+                      </a:endParaRPr>
+                    </a:p>
+                  </a:txBody>
+                  <a:tcPr marL="8842" marR="8842" marT="8842" marB="0" anchor="b"/>
+                </a:tc>
+                <a:extLst>
+                  <a:ext uri="{0D108BD9-81ED-4DB2-BD59-A6C34878D82A}">
+                    <a16:rowId xmlns:a16="http://schemas.microsoft.com/office/drawing/2014/main" val="3054135680"/>
+                  </a:ext>
+                </a:extLst>
+              </a:tr>
+              <a:tr h="667026">
+                <a:tc>
+                  <a:txBody>
+                    <a:bodyPr/>
+                    <a:lstStyle/>
+                    <a:p>
+                      <a:pPr algn="l" fontAlgn="b"/>
+                      <a:r>
+                        <a:rPr lang="en-US" sz="1600" u="none" strike="noStrike" dirty="0">
+                          <a:effectLst/>
+                        </a:rPr>
+                        <a:t>13 Steps To Nowhere (LP Version)</a:t>
+                      </a:r>
+                      <a:endParaRPr lang="en-US" sz="1600" b="0" i="0" u="none" strike="noStrike" dirty="0">
+                        <a:solidFill>
+                          <a:srgbClr val="000000"/>
+                        </a:solidFill>
+                        <a:effectLst/>
+                        <a:latin typeface="Calibri" panose="020F0502020204030204" pitchFamily="34" charset="0"/>
+                      </a:endParaRPr>
+                    </a:p>
+                  </a:txBody>
+                  <a:tcPr marL="8842" marR="8842" marT="8842" marB="0" anchor="b"/>
+                </a:tc>
+                <a:tc>
+                  <a:txBody>
+                    <a:bodyPr/>
+                    <a:lstStyle/>
+                    <a:p>
+                      <a:pPr algn="l" fontAlgn="b"/>
+                      <a:r>
+                        <a:rPr lang="de-DE" sz="1600" u="none" strike="noStrike">
+                          <a:effectLst/>
+                        </a:rPr>
+                        <a:t>Pantera</a:t>
+                      </a:r>
+                      <a:endParaRPr lang="de-DE" sz="1600" b="0" i="0" u="none" strike="noStrike">
+                        <a:solidFill>
+                          <a:srgbClr val="000000"/>
+                        </a:solidFill>
+                        <a:effectLst/>
+                        <a:latin typeface="Calibri" panose="020F0502020204030204" pitchFamily="34" charset="0"/>
+                      </a:endParaRPr>
+                    </a:p>
+                  </a:txBody>
+                  <a:tcPr marL="8842" marR="8842" marT="8842" marB="0" anchor="b"/>
+                </a:tc>
+                <a:tc>
+                  <a:txBody>
+                    <a:bodyPr/>
+                    <a:lstStyle/>
+                    <a:p>
+                      <a:pPr algn="l" fontAlgn="b"/>
+                      <a:r>
+                        <a:rPr lang="de-DE" sz="1600" u="none" strike="noStrike">
+                          <a:effectLst/>
+                        </a:rPr>
+                        <a:t>-4,487</a:t>
+                      </a:r>
+                      <a:endParaRPr lang="de-DE" sz="1600" b="0" i="0" u="none" strike="noStrike">
+                        <a:solidFill>
+                          <a:srgbClr val="000000"/>
+                        </a:solidFill>
+                        <a:effectLst/>
+                        <a:latin typeface="Calibri" panose="020F0502020204030204" pitchFamily="34" charset="0"/>
+                      </a:endParaRPr>
+                    </a:p>
+                  </a:txBody>
+                  <a:tcPr marL="8842" marR="8842" marT="8842" marB="0" anchor="b"/>
+                </a:tc>
+                <a:tc>
+                  <a:txBody>
+                    <a:bodyPr/>
+                    <a:lstStyle/>
+                    <a:p>
+                      <a:pPr algn="l" fontAlgn="b"/>
+                      <a:r>
+                        <a:rPr lang="de-DE" sz="1600" u="none" strike="noStrike">
+                          <a:effectLst/>
+                        </a:rPr>
+                        <a:t>0,663263032</a:t>
+                      </a:r>
+                      <a:endParaRPr lang="de-DE" sz="1600" b="0" i="0" u="none" strike="noStrike">
+                        <a:solidFill>
+                          <a:srgbClr val="000000"/>
+                        </a:solidFill>
+                        <a:effectLst/>
+                        <a:latin typeface="Calibri" panose="020F0502020204030204" pitchFamily="34" charset="0"/>
+                      </a:endParaRPr>
+                    </a:p>
+                  </a:txBody>
+                  <a:tcPr marL="8842" marR="8842" marT="8842" marB="0" anchor="b"/>
+                </a:tc>
+                <a:tc>
+                  <a:txBody>
+                    <a:bodyPr/>
+                    <a:lstStyle/>
+                    <a:p>
+                      <a:pPr algn="l" fontAlgn="b"/>
+                      <a:r>
+                        <a:rPr lang="de-DE" sz="1600" u="none" strike="noStrike">
+                          <a:effectLst/>
+                        </a:rPr>
+                        <a:t>179,262</a:t>
+                      </a:r>
+                      <a:endParaRPr lang="de-DE" sz="1600" b="0" i="0" u="none" strike="noStrike">
+                        <a:solidFill>
+                          <a:srgbClr val="000000"/>
+                        </a:solidFill>
+                        <a:effectLst/>
+                        <a:latin typeface="Calibri" panose="020F0502020204030204" pitchFamily="34" charset="0"/>
+                      </a:endParaRPr>
+                    </a:p>
+                  </a:txBody>
+                  <a:tcPr marL="8842" marR="8842" marT="8842" marB="0" anchor="b"/>
+                </a:tc>
+                <a:tc>
+                  <a:txBody>
+                    <a:bodyPr/>
+                    <a:lstStyle/>
+                    <a:p>
+                      <a:pPr algn="l" fontAlgn="b"/>
+                      <a:r>
+                        <a:rPr lang="de-DE" sz="1600" u="none" strike="noStrike">
+                          <a:effectLst/>
+                        </a:rPr>
+                        <a:t>4</a:t>
+                      </a:r>
+                      <a:endParaRPr lang="de-DE" sz="1600" b="0" i="0" u="none" strike="noStrike">
+                        <a:solidFill>
+                          <a:srgbClr val="000000"/>
+                        </a:solidFill>
+                        <a:effectLst/>
+                        <a:latin typeface="Calibri" panose="020F0502020204030204" pitchFamily="34" charset="0"/>
+                      </a:endParaRPr>
+                    </a:p>
+                  </a:txBody>
+                  <a:tcPr marL="8842" marR="8842" marT="8842" marB="0" anchor="b"/>
+                </a:tc>
+                <a:tc>
+                  <a:txBody>
+                    <a:bodyPr/>
+                    <a:lstStyle/>
+                    <a:p>
+                      <a:pPr algn="l" fontAlgn="b"/>
+                      <a:r>
+                        <a:rPr lang="de-DE" sz="1600" u="none" strike="noStrike" dirty="0">
+                          <a:effectLst/>
+                        </a:rPr>
+                        <a:t>1</a:t>
+                      </a:r>
+                      <a:endParaRPr lang="de-DE" sz="1600" b="0" i="0" u="none" strike="noStrike" dirty="0">
+                        <a:solidFill>
+                          <a:srgbClr val="000000"/>
+                        </a:solidFill>
+                        <a:effectLst/>
+                        <a:latin typeface="Calibri" panose="020F0502020204030204" pitchFamily="34" charset="0"/>
+                      </a:endParaRPr>
+                    </a:p>
+                  </a:txBody>
+                  <a:tcPr marL="8842" marR="8842" marT="8842" marB="0" anchor="b"/>
+                </a:tc>
+                <a:tc>
+                  <a:txBody>
+                    <a:bodyPr/>
+                    <a:lstStyle/>
+                    <a:p>
+                      <a:pPr algn="l" fontAlgn="b"/>
+                      <a:r>
+                        <a:rPr lang="de-DE" sz="1600" u="none" strike="noStrike" dirty="0">
+                          <a:effectLst/>
+                        </a:rPr>
+                        <a:t>0</a:t>
+                      </a:r>
+                      <a:endParaRPr lang="de-DE" sz="1600" b="0" i="0" u="none" strike="noStrike" dirty="0">
+                        <a:solidFill>
+                          <a:srgbClr val="000000"/>
+                        </a:solidFill>
+                        <a:effectLst/>
+                        <a:latin typeface="Calibri" panose="020F0502020204030204" pitchFamily="34" charset="0"/>
+                      </a:endParaRPr>
+                    </a:p>
+                  </a:txBody>
+                  <a:tcPr marL="8842" marR="8842" marT="8842" marB="0" anchor="b"/>
+                </a:tc>
+                <a:tc>
+                  <a:txBody>
+                    <a:bodyPr/>
+                    <a:lstStyle/>
+                    <a:p>
+                      <a:pPr algn="l" fontAlgn="b"/>
+                      <a:r>
+                        <a:rPr lang="de-DE" sz="1600" u="none" strike="noStrike" dirty="0">
+                          <a:effectLst/>
+                        </a:rPr>
+                        <a:t>30</a:t>
+                      </a:r>
+                      <a:endParaRPr lang="de-DE" sz="1600" b="0" i="0" u="none" strike="noStrike" dirty="0">
+                        <a:solidFill>
+                          <a:srgbClr val="000000"/>
+                        </a:solidFill>
+                        <a:effectLst/>
+                        <a:latin typeface="Calibri" panose="020F0502020204030204" pitchFamily="34" charset="0"/>
+                      </a:endParaRPr>
+                    </a:p>
+                  </a:txBody>
+                  <a:tcPr marL="8842" marR="8842" marT="8842" marB="0" anchor="b"/>
+                </a:tc>
+                <a:extLst>
+                  <a:ext uri="{0D108BD9-81ED-4DB2-BD59-A6C34878D82A}">
+                    <a16:rowId xmlns:a16="http://schemas.microsoft.com/office/drawing/2014/main" val="33458052"/>
+                  </a:ext>
+                </a:extLst>
+              </a:tr>
+            </a:tbl>
+          </a:graphicData>
+        </a:graphic>
+      </p:graphicFrame>
     </p:spTree>
     <p:extLst>
       <p:ext uri="{BB962C8B-B14F-4D97-AF65-F5344CB8AC3E}">
@@ -6173,10 +10250,99 @@
 </p:sld>
 </file>
 
+<file path=ppt/slides/slide8.xml><?xml version="1.0" encoding="utf-8"?>
+<p:sld xmlns:a="http://schemas.openxmlformats.org/drawingml/2006/main" xmlns:r="http://schemas.openxmlformats.org/officeDocument/2006/relationships" xmlns:p="http://schemas.openxmlformats.org/presentationml/2006/main">
+  <p:cSld>
+    <p:spTree>
+      <p:nvGrpSpPr>
+        <p:cNvPr id="1" name=""/>
+        <p:cNvGrpSpPr/>
+        <p:nvPr/>
+      </p:nvGrpSpPr>
+      <p:grpSpPr>
+        <a:xfrm>
+          <a:off x="0" y="0"/>
+          <a:ext cx="0" cy="0"/>
+          <a:chOff x="0" y="0"/>
+          <a:chExt cx="0" cy="0"/>
+        </a:xfrm>
+      </p:grpSpPr>
+      <p:sp>
+        <p:nvSpPr>
+          <p:cNvPr id="2" name="Titel 1">
+            <a:extLst>
+              <a:ext uri="{FF2B5EF4-FFF2-40B4-BE49-F238E27FC236}">
+                <a16:creationId xmlns:a16="http://schemas.microsoft.com/office/drawing/2014/main" id="{D5A5ED3A-0F54-4B6A-9605-376F968C1909}"/>
+              </a:ext>
+            </a:extLst>
+          </p:cNvPr>
+          <p:cNvSpPr>
+            <a:spLocks noGrp="1"/>
+          </p:cNvSpPr>
+          <p:nvPr>
+            <p:ph type="title"/>
+          </p:nvPr>
+        </p:nvSpPr>
+        <p:spPr/>
+        <p:txBody>
+          <a:bodyPr/>
+          <a:lstStyle/>
+          <a:p>
+            <a:r>
+              <a:rPr lang="de-DE" dirty="0"/>
+              <a:t>Abstand zwischen Clustern</a:t>
+            </a:r>
+          </a:p>
+        </p:txBody>
+      </p:sp>
+      <p:graphicFrame>
+        <p:nvGraphicFramePr>
+          <p:cNvPr id="6" name="Inhaltsplatzhalter 5">
+            <a:extLst>
+              <a:ext uri="{FF2B5EF4-FFF2-40B4-BE49-F238E27FC236}">
+                <a16:creationId xmlns:a16="http://schemas.microsoft.com/office/drawing/2014/main" id="{E490CD95-AF07-4F3B-BEA7-E4F10D117107}"/>
+              </a:ext>
+            </a:extLst>
+          </p:cNvPr>
+          <p:cNvGraphicFramePr>
+            <a:graphicFrameLocks noGrp="1"/>
+          </p:cNvGraphicFramePr>
+          <p:nvPr>
+            <p:ph idx="1"/>
+            <p:extLst>
+              <p:ext uri="{D42A27DB-BD31-4B8C-83A1-F6EECF244321}">
+                <p14:modId xmlns:p14="http://schemas.microsoft.com/office/powerpoint/2010/main" val="592820666"/>
+              </p:ext>
+            </p:extLst>
+          </p:nvPr>
+        </p:nvGraphicFramePr>
+        <p:xfrm>
+          <a:off x="819150" y="1825625"/>
+          <a:ext cx="11372850" cy="5032375"/>
+        </p:xfrm>
+        <a:graphic>
+          <a:graphicData uri="http://schemas.openxmlformats.org/drawingml/2006/chart">
+            <c:chart xmlns:c="http://schemas.openxmlformats.org/drawingml/2006/chart" xmlns:r="http://schemas.openxmlformats.org/officeDocument/2006/relationships" r:id="rId2"/>
+          </a:graphicData>
+        </a:graphic>
+      </p:graphicFrame>
+    </p:spTree>
+    <p:extLst>
+      <p:ext uri="{BB962C8B-B14F-4D97-AF65-F5344CB8AC3E}">
+        <p14:creationId xmlns:p14="http://schemas.microsoft.com/office/powerpoint/2010/main" val="4195464671"/>
+      </p:ext>
+    </p:extLst>
+  </p:cSld>
+  <p:clrMapOvr>
+    <a:masterClrMapping/>
+  </p:clrMapOvr>
+</p:sld>
+</file>
+
 <file path=ppt/theme/theme1.xml><?xml version="1.0" encoding="utf-8"?>
-<a:theme xmlns:a="http://schemas.openxmlformats.org/drawingml/2006/main" name="Office">
+<a:theme xmlns:a="http://schemas.openxmlformats.org/drawingml/2006/main" name="Zuschneiden">
   <a:themeElements>
-    <a:clrScheme name="Office">
+    <a:clrScheme name="Zuschneiden">
       <a:dk1>
         <a:sysClr val="windowText" lastClr="000000"/>
       </a:dk1>
@@ -6184,100 +10350,48 @@
         <a:sysClr val="window" lastClr="FFFFFF"/>
       </a:lt1>
       <a:dk2>
-        <a:srgbClr val="44546A"/>
+        <a:srgbClr val="191B0E"/>
       </a:dk2>
       <a:lt2>
-        <a:srgbClr val="E7E6E6"/>
+        <a:srgbClr val="EFEDE3"/>
       </a:lt2>
       <a:accent1>
-        <a:srgbClr val="4472C4"/>
+        <a:srgbClr val="8C8D86"/>
       </a:accent1>
       <a:accent2>
-        <a:srgbClr val="ED7D31"/>
+        <a:srgbClr val="E6C069"/>
       </a:accent2>
       <a:accent3>
-        <a:srgbClr val="A5A5A5"/>
+        <a:srgbClr val="897B61"/>
       </a:accent3>
       <a:accent4>
-        <a:srgbClr val="FFC000"/>
+        <a:srgbClr val="8DAB8E"/>
       </a:accent4>
       <a:accent5>
-        <a:srgbClr val="5B9BD5"/>
+        <a:srgbClr val="77A2BB"/>
       </a:accent5>
       <a:accent6>
-        <a:srgbClr val="70AD47"/>
+        <a:srgbClr val="E28394"/>
       </a:accent6>
       <a:hlink>
-        <a:srgbClr val="0563C1"/>
+        <a:srgbClr val="77A2BB"/>
       </a:hlink>
       <a:folHlink>
-        <a:srgbClr val="954F72"/>
+        <a:srgbClr val="957A99"/>
       </a:folHlink>
     </a:clrScheme>
-    <a:fontScheme name="Office">
+    <a:fontScheme name="Zuschneiden">
       <a:majorFont>
-        <a:latin typeface="Calibri Light" panose="020F0302020204030204"/>
+        <a:latin typeface="Franklin Gothic Book" panose="020B0503020102020204"/>
         <a:ea typeface=""/>
         <a:cs typeface=""/>
-        <a:font script="Jpan" typeface="游ゴシック Light"/>
-        <a:font script="Hang" typeface="맑은 고딕"/>
-        <a:font script="Hans" typeface="等线 Light"/>
-        <a:font script="Hant" typeface="新細明體"/>
-        <a:font script="Arab" typeface="Times New Roman"/>
-        <a:font script="Hebr" typeface="Times New Roman"/>
-        <a:font script="Thai" typeface="Angsana New"/>
-        <a:font script="Ethi" typeface="Nyala"/>
-        <a:font script="Beng" typeface="Vrinda"/>
-        <a:font script="Gujr" typeface="Shruti"/>
-        <a:font script="Khmr" typeface="MoolBoran"/>
-        <a:font script="Knda" typeface="Tunga"/>
-        <a:font script="Guru" typeface="Raavi"/>
-        <a:font script="Cans" typeface="Euphemia"/>
-        <a:font script="Cher" typeface="Plantagenet Cherokee"/>
-        <a:font script="Yiii" typeface="Microsoft Yi Baiti"/>
-        <a:font script="Tibt" typeface="Microsoft Himalaya"/>
-        <a:font script="Thaa" typeface="MV Boli"/>
-        <a:font script="Deva" typeface="Mangal"/>
-        <a:font script="Telu" typeface="Gautami"/>
-        <a:font script="Taml" typeface="Latha"/>
-        <a:font script="Syrc" typeface="Estrangelo Edessa"/>
-        <a:font script="Orya" typeface="Kalinga"/>
-        <a:font script="Mlym" typeface="Kartika"/>
-        <a:font script="Laoo" typeface="DokChampa"/>
-        <a:font script="Sinh" typeface="Iskoola Pota"/>
-        <a:font script="Mong" typeface="Mongolian Baiti"/>
-        <a:font script="Viet" typeface="Times New Roman"/>
-        <a:font script="Uigh" typeface="Microsoft Uighur"/>
-        <a:font script="Geor" typeface="Sylfaen"/>
-        <a:font script="Armn" typeface="Arial"/>
-        <a:font script="Bugi" typeface="Leelawadee UI"/>
-        <a:font script="Bopo" typeface="Microsoft JhengHei"/>
-        <a:font script="Java" typeface="Javanese Text"/>
-        <a:font script="Lisu" typeface="Segoe UI"/>
-        <a:font script="Mymr" typeface="Myanmar Text"/>
-        <a:font script="Nkoo" typeface="Ebrima"/>
-        <a:font script="Olck" typeface="Nirmala UI"/>
-        <a:font script="Osma" typeface="Ebrima"/>
-        <a:font script="Phag" typeface="Phagspa"/>
-        <a:font script="Syrn" typeface="Estrangelo Edessa"/>
-        <a:font script="Syrj" typeface="Estrangelo Edessa"/>
-        <a:font script="Syre" typeface="Estrangelo Edessa"/>
-        <a:font script="Sora" typeface="Nirmala UI"/>
-        <a:font script="Tale" typeface="Microsoft Tai Le"/>
-        <a:font script="Talu" typeface="Microsoft New Tai Lue"/>
-        <a:font script="Tfng" typeface="Ebrima"/>
-      </a:majorFont>
-      <a:minorFont>
-        <a:latin typeface="Calibri" panose="020F0502020204030204"/>
-        <a:ea typeface=""/>
-        <a:cs typeface=""/>
-        <a:font script="Jpan" typeface="游ゴシック"/>
-        <a:font script="Hang" typeface="맑은 고딕"/>
-        <a:font script="Hans" typeface="等线"/>
-        <a:font script="Hant" typeface="新細明體"/>
-        <a:font script="Arab" typeface="Arial"/>
-        <a:font script="Hebr" typeface="Arial"/>
-        <a:font script="Thai" typeface="Cordia New"/>
+        <a:font script="Jpan" typeface="メイリオ"/>
+        <a:font script="Hang" typeface="돋움"/>
+        <a:font script="Hans" typeface="华文楷体"/>
+        <a:font script="Hant" typeface="微軟正黑體"/>
+        <a:font script="Arab" typeface="Tahoma"/>
+        <a:font script="Hebr" typeface="Aharoni"/>
+        <a:font script="Thai" typeface="LilyUPC"/>
         <a:font script="Ethi" typeface="Nyala"/>
         <a:font script="Beng" typeface="Vrinda"/>
         <a:font script="Gujr" typeface="Shruti"/>
@@ -6298,29 +10412,47 @@
         <a:font script="Laoo" typeface="DokChampa"/>
         <a:font script="Sinh" typeface="Iskoola Pota"/>
         <a:font script="Mong" typeface="Mongolian Baiti"/>
-        <a:font script="Viet" typeface="Arial"/>
+        <a:font script="Viet" typeface="Tahoma"/>
         <a:font script="Uigh" typeface="Microsoft Uighur"/>
         <a:font script="Geor" typeface="Sylfaen"/>
-        <a:font script="Armn" typeface="Arial"/>
-        <a:font script="Bugi" typeface="Leelawadee UI"/>
-        <a:font script="Bopo" typeface="Microsoft JhengHei"/>
-        <a:font script="Java" typeface="Javanese Text"/>
-        <a:font script="Lisu" typeface="Segoe UI"/>
-        <a:font script="Mymr" typeface="Myanmar Text"/>
-        <a:font script="Nkoo" typeface="Ebrima"/>
-        <a:font script="Olck" typeface="Nirmala UI"/>
-        <a:font script="Osma" typeface="Ebrima"/>
-        <a:font script="Phag" typeface="Phagspa"/>
-        <a:font script="Syrn" typeface="Estrangelo Edessa"/>
-        <a:font script="Syrj" typeface="Estrangelo Edessa"/>
-        <a:font script="Syre" typeface="Estrangelo Edessa"/>
-        <a:font script="Sora" typeface="Nirmala UI"/>
-        <a:font script="Tale" typeface="Microsoft Tai Le"/>
-        <a:font script="Talu" typeface="Microsoft New Tai Lue"/>
-        <a:font script="Tfng" typeface="Ebrima"/>
+      </a:majorFont>
+      <a:minorFont>
+        <a:latin typeface="Franklin Gothic Book" panose="020B0503020102020204"/>
+        <a:ea typeface=""/>
+        <a:cs typeface=""/>
+        <a:font script="Jpan" typeface="メイリオ"/>
+        <a:font script="Hang" typeface="돋움"/>
+        <a:font script="Hans" typeface="华文楷体"/>
+        <a:font script="Hant" typeface="微軟正黑體"/>
+        <a:font script="Arab" typeface="Tahoma"/>
+        <a:font script="Hebr" typeface="Aharoni"/>
+        <a:font script="Thai" typeface="LilyUPC"/>
+        <a:font script="Ethi" typeface="Nyala"/>
+        <a:font script="Beng" typeface="Vrinda"/>
+        <a:font script="Gujr" typeface="Shruti"/>
+        <a:font script="Khmr" typeface="DaunPenh"/>
+        <a:font script="Knda" typeface="Tunga"/>
+        <a:font script="Guru" typeface="Raavi"/>
+        <a:font script="Cans" typeface="Euphemia"/>
+        <a:font script="Cher" typeface="Plantagenet Cherokee"/>
+        <a:font script="Yiii" typeface="Microsoft Yi Baiti"/>
+        <a:font script="Tibt" typeface="Microsoft Himalaya"/>
+        <a:font script="Thaa" typeface="MV Boli"/>
+        <a:font script="Deva" typeface="Mangal"/>
+        <a:font script="Telu" typeface="Gautami"/>
+        <a:font script="Taml" typeface="Latha"/>
+        <a:font script="Syrc" typeface="Estrangelo Edessa"/>
+        <a:font script="Orya" typeface="Kalinga"/>
+        <a:font script="Mlym" typeface="Kartika"/>
+        <a:font script="Laoo" typeface="DokChampa"/>
+        <a:font script="Sinh" typeface="Iskoola Pota"/>
+        <a:font script="Mong" typeface="Mongolian Baiti"/>
+        <a:font script="Viet" typeface="Tahoma"/>
+        <a:font script="Uigh" typeface="Microsoft Uighur"/>
+        <a:font script="Geor" typeface="Sylfaen"/>
       </a:minorFont>
     </a:fontScheme>
-    <a:fmtScheme name="Office">
+    <a:fmtScheme name="Zuschneiden">
       <a:fillStyleLst>
         <a:solidFill>
           <a:schemeClr val="phClr"/>
@@ -6329,23 +10461,23 @@
           <a:gsLst>
             <a:gs pos="0">
               <a:schemeClr val="phClr">
+                <a:tint val="67000"/>
+                <a:satMod val="105000"/>
                 <a:lumMod val="110000"/>
-                <a:satMod val="105000"/>
-                <a:tint val="67000"/>
               </a:schemeClr>
             </a:gs>
             <a:gs pos="50000">
               <a:schemeClr val="phClr">
+                <a:tint val="73000"/>
+                <a:satMod val="103000"/>
                 <a:lumMod val="105000"/>
-                <a:satMod val="103000"/>
-                <a:tint val="73000"/>
               </a:schemeClr>
             </a:gs>
             <a:gs pos="100000">
               <a:schemeClr val="phClr">
+                <a:tint val="81000"/>
+                <a:satMod val="109000"/>
                 <a:lumMod val="105000"/>
-                <a:satMod val="109000"/>
-                <a:tint val="81000"/>
               </a:schemeClr>
             </a:gs>
           </a:gsLst>
@@ -6355,23 +10487,23 @@
           <a:gsLst>
             <a:gs pos="0">
               <a:schemeClr val="phClr">
+                <a:tint val="94000"/>
                 <a:satMod val="103000"/>
                 <a:lumMod val="102000"/>
-                <a:tint val="94000"/>
               </a:schemeClr>
             </a:gs>
             <a:gs pos="50000">
               <a:schemeClr val="phClr">
+                <a:shade val="100000"/>
                 <a:satMod val="110000"/>
                 <a:lumMod val="100000"/>
-                <a:shade val="100000"/>
               </a:schemeClr>
             </a:gs>
             <a:gs pos="100000">
               <a:schemeClr val="phClr">
+                <a:shade val="78000"/>
+                <a:satMod val="120000"/>
                 <a:lumMod val="99000"/>
-                <a:satMod val="120000"/>
-                <a:shade val="78000"/>
               </a:schemeClr>
             </a:gs>
           </a:gsLst>
@@ -6379,26 +10511,23 @@
         </a:gradFill>
       </a:fillStyleLst>
       <a:lnStyleLst>
-        <a:ln w="6350" cap="flat" cmpd="sng" algn="ctr">
+        <a:ln w="6350" cap="flat" cmpd="sng" algn="in">
           <a:solidFill>
             <a:schemeClr val="phClr"/>
           </a:solidFill>
           <a:prstDash val="solid"/>
-          <a:miter lim="800000"/>
         </a:ln>
-        <a:ln w="12700" cap="flat" cmpd="sng" algn="ctr">
+        <a:ln w="34925" cap="flat" cmpd="sng" algn="in">
           <a:solidFill>
             <a:schemeClr val="phClr"/>
           </a:solidFill>
           <a:prstDash val="solid"/>
-          <a:miter lim="800000"/>
         </a:ln>
-        <a:ln w="19050" cap="flat" cmpd="sng" algn="ctr">
+        <a:ln w="19050" cap="flat" cmpd="sng" algn="in">
           <a:solidFill>
             <a:schemeClr val="phClr"/>
           </a:solidFill>
           <a:prstDash val="solid"/>
-          <a:miter lim="800000"/>
         </a:ln>
       </a:lnStyleLst>
       <a:effectStyleLst>
@@ -6412,7 +10541,7 @@
           <a:effectLst>
             <a:outerShdw blurRad="57150" dist="19050" dir="5400000" algn="ctr" rotWithShape="0">
               <a:srgbClr val="000000">
-                <a:alpha val="63000"/>
+                <a:alpha val="35000"/>
               </a:srgbClr>
             </a:outerShdw>
           </a:effectLst>
@@ -6433,16 +10562,16 @@
             <a:gs pos="0">
               <a:schemeClr val="phClr">
                 <a:tint val="93000"/>
+                <a:shade val="98000"/>
                 <a:satMod val="150000"/>
-                <a:shade val="98000"/>
                 <a:lumMod val="102000"/>
               </a:schemeClr>
             </a:gs>
             <a:gs pos="50000">
               <a:schemeClr val="phClr">
                 <a:tint val="98000"/>
+                <a:shade val="90000"/>
                 <a:satMod val="130000"/>
-                <a:shade val="90000"/>
                 <a:lumMod val="103000"/>
               </a:schemeClr>
             </a:gs>
@@ -6462,7 +10591,7 @@
   <a:extraClrSchemeLst/>
   <a:extLst>
     <a:ext uri="{05A4C25C-085E-4340-85A3-A5531E510DB2}">
-      <thm15:themeFamily xmlns:thm15="http://schemas.microsoft.com/office/thememl/2012/main" name="Office Theme" id="{62F939B6-93AF-4DB8-9C6B-D6C7DFDC589F}" vid="{4A3C46E8-61CC-4603-A589-7422A47A8E4A}"/>
+      <thm15:themeFamily xmlns:thm15="http://schemas.microsoft.com/office/thememl/2012/main" name="Crop" id="{EC9488ED-E761-4D60-9AC4-764D1FE2C171}" vid="{CE19780C-D67D-4C13-9DE9-A52BC3BA51B4}"/>
     </a:ext>
   </a:extLst>
 </a:theme>
